--- a/projekthu.pptx
+++ b/projekthu.pptx
@@ -2,7 +2,7 @@
 <file path=ppt/presentation.xml><?xml version="1.0" encoding="utf-8"?>
 <p:presentation xmlns:a="http://schemas.openxmlformats.org/drawingml/2006/main" xmlns:r="http://schemas.openxmlformats.org/officeDocument/2006/relationships" xmlns:p="http://schemas.openxmlformats.org/presentationml/2006/main" saveSubsetFonts="1">
   <p:sldMasterIdLst>
-    <p:sldMasterId id="2147483648" r:id="rId1"/>
+    <p:sldMasterId id="2147483660" r:id="rId1"/>
   </p:sldMasterIdLst>
   <p:sldIdLst>
     <p:sldId id="256" r:id="rId2"/>
@@ -16,20 +16,29 @@
     <p:sldId id="264" r:id="rId10"/>
     <p:sldId id="267" r:id="rId11"/>
     <p:sldId id="262" r:id="rId12"/>
-    <p:sldId id="265" r:id="rId13"/>
-    <p:sldId id="268" r:id="rId14"/>
-    <p:sldId id="263" r:id="rId15"/>
-    <p:sldId id="266" r:id="rId16"/>
-    <p:sldId id="269" r:id="rId17"/>
-    <p:sldId id="270" r:id="rId18"/>
+    <p:sldId id="273" r:id="rId13"/>
+    <p:sldId id="274" r:id="rId14"/>
+    <p:sldId id="275" r:id="rId15"/>
+    <p:sldId id="265" r:id="rId16"/>
+    <p:sldId id="268" r:id="rId17"/>
+    <p:sldId id="263" r:id="rId18"/>
+    <p:sldId id="276" r:id="rId19"/>
+    <p:sldId id="277" r:id="rId20"/>
+    <p:sldId id="278" r:id="rId21"/>
+    <p:sldId id="279" r:id="rId22"/>
+    <p:sldId id="280" r:id="rId23"/>
+    <p:sldId id="281" r:id="rId24"/>
+    <p:sldId id="266" r:id="rId25"/>
+    <p:sldId id="269" r:id="rId26"/>
+    <p:sldId id="270" r:id="rId27"/>
   </p:sldIdLst>
   <p:sldSz cx="12192000" cy="6858000"/>
   <p:notesSz cx="6858000" cy="9144000"/>
   <p:defaultTextStyle>
     <a:defPPr>
-      <a:defRPr lang="hu-HU"/>
+      <a:defRPr lang="en-US"/>
     </a:defPPr>
-    <a:lvl1pPr marL="0" algn="l" defTabSz="914400" rtl="0" eaLnBrk="1" latinLnBrk="0" hangingPunct="1">
+    <a:lvl1pPr marL="0" algn="l" defTabSz="457200" rtl="0" eaLnBrk="1" latinLnBrk="0" hangingPunct="1">
       <a:defRPr sz="1800" kern="1200">
         <a:solidFill>
           <a:schemeClr val="tx1"/>
@@ -39,7 +48,7 @@
         <a:cs typeface="+mn-cs"/>
       </a:defRPr>
     </a:lvl1pPr>
-    <a:lvl2pPr marL="457200" algn="l" defTabSz="914400" rtl="0" eaLnBrk="1" latinLnBrk="0" hangingPunct="1">
+    <a:lvl2pPr marL="457200" algn="l" defTabSz="457200" rtl="0" eaLnBrk="1" latinLnBrk="0" hangingPunct="1">
       <a:defRPr sz="1800" kern="1200">
         <a:solidFill>
           <a:schemeClr val="tx1"/>
@@ -49,7 +58,7 @@
         <a:cs typeface="+mn-cs"/>
       </a:defRPr>
     </a:lvl2pPr>
-    <a:lvl3pPr marL="914400" algn="l" defTabSz="914400" rtl="0" eaLnBrk="1" latinLnBrk="0" hangingPunct="1">
+    <a:lvl3pPr marL="914400" algn="l" defTabSz="457200" rtl="0" eaLnBrk="1" latinLnBrk="0" hangingPunct="1">
       <a:defRPr sz="1800" kern="1200">
         <a:solidFill>
           <a:schemeClr val="tx1"/>
@@ -59,7 +68,7 @@
         <a:cs typeface="+mn-cs"/>
       </a:defRPr>
     </a:lvl3pPr>
-    <a:lvl4pPr marL="1371600" algn="l" defTabSz="914400" rtl="0" eaLnBrk="1" latinLnBrk="0" hangingPunct="1">
+    <a:lvl4pPr marL="1371600" algn="l" defTabSz="457200" rtl="0" eaLnBrk="1" latinLnBrk="0" hangingPunct="1">
       <a:defRPr sz="1800" kern="1200">
         <a:solidFill>
           <a:schemeClr val="tx1"/>
@@ -69,7 +78,7 @@
         <a:cs typeface="+mn-cs"/>
       </a:defRPr>
     </a:lvl4pPr>
-    <a:lvl5pPr marL="1828800" algn="l" defTabSz="914400" rtl="0" eaLnBrk="1" latinLnBrk="0" hangingPunct="1">
+    <a:lvl5pPr marL="1828800" algn="l" defTabSz="457200" rtl="0" eaLnBrk="1" latinLnBrk="0" hangingPunct="1">
       <a:defRPr sz="1800" kern="1200">
         <a:solidFill>
           <a:schemeClr val="tx1"/>
@@ -79,7 +88,7 @@
         <a:cs typeface="+mn-cs"/>
       </a:defRPr>
     </a:lvl5pPr>
-    <a:lvl6pPr marL="2286000" algn="l" defTabSz="914400" rtl="0" eaLnBrk="1" latinLnBrk="0" hangingPunct="1">
+    <a:lvl6pPr marL="2286000" algn="l" defTabSz="457200" rtl="0" eaLnBrk="1" latinLnBrk="0" hangingPunct="1">
       <a:defRPr sz="1800" kern="1200">
         <a:solidFill>
           <a:schemeClr val="tx1"/>
@@ -89,7 +98,7 @@
         <a:cs typeface="+mn-cs"/>
       </a:defRPr>
     </a:lvl6pPr>
-    <a:lvl7pPr marL="2743200" algn="l" defTabSz="914400" rtl="0" eaLnBrk="1" latinLnBrk="0" hangingPunct="1">
+    <a:lvl7pPr marL="2743200" algn="l" defTabSz="457200" rtl="0" eaLnBrk="1" latinLnBrk="0" hangingPunct="1">
       <a:defRPr sz="1800" kern="1200">
         <a:solidFill>
           <a:schemeClr val="tx1"/>
@@ -99,7 +108,7 @@
         <a:cs typeface="+mn-cs"/>
       </a:defRPr>
     </a:lvl7pPr>
-    <a:lvl8pPr marL="3200400" algn="l" defTabSz="914400" rtl="0" eaLnBrk="1" latinLnBrk="0" hangingPunct="1">
+    <a:lvl8pPr marL="3200400" algn="l" defTabSz="457200" rtl="0" eaLnBrk="1" latinLnBrk="0" hangingPunct="1">
       <a:defRPr sz="1800" kern="1200">
         <a:solidFill>
           <a:schemeClr val="tx1"/>
@@ -109,7 +118,7 @@
         <a:cs typeface="+mn-cs"/>
       </a:defRPr>
     </a:lvl8pPr>
-    <a:lvl9pPr marL="3657600" algn="l" defTabSz="914400" rtl="0" eaLnBrk="1" latinLnBrk="0" hangingPunct="1">
+    <a:lvl9pPr marL="3657600" algn="l" defTabSz="457200" rtl="0" eaLnBrk="1" latinLnBrk="0" hangingPunct="1">
       <a:defRPr sz="1800" kern="1200">
         <a:solidFill>
           <a:schemeClr val="tx1"/>
@@ -147,31 +156,76 @@
       </p:grpSpPr>
       <p:sp>
         <p:nvSpPr>
-          <p:cNvPr id="2" name="Cím 1">
-            <a:extLst>
-              <a:ext uri="{FF2B5EF4-FFF2-40B4-BE49-F238E27FC236}">
-                <a16:creationId xmlns:a16="http://schemas.microsoft.com/office/drawing/2014/main" id="{E123A705-2369-43E3-87C0-93AB1B9A21CD}"/>
-              </a:ext>
-            </a:extLst>
-          </p:cNvPr>
-          <p:cNvSpPr>
-            <a:spLocks noGrp="1"/>
-          </p:cNvSpPr>
-          <p:nvPr>
-            <p:ph type="ctrTitle"/>
-          </p:nvPr>
+          <p:cNvPr id="7" name="Rectangle 6"/>
+          <p:cNvSpPr>
+            <a:spLocks noChangeAspect="1"/>
+          </p:cNvSpPr>
+          <p:nvPr/>
         </p:nvSpPr>
         <p:spPr>
           <a:xfrm>
-            <a:off x="1524000" y="1122363"/>
-            <a:ext cx="9144000" cy="2387600"/>
+            <a:off x="231140" y="243840"/>
+            <a:ext cx="11724640" cy="6377939"/>
+          </a:xfrm>
+          <a:prstGeom prst="rect">
+            <a:avLst/>
+          </a:prstGeom>
+          <a:solidFill>
+            <a:schemeClr val="accent1"/>
+          </a:solidFill>
+          <a:ln w="12700">
+            <a:solidFill>
+              <a:srgbClr val="FFFFFF"/>
+            </a:solidFill>
+          </a:ln>
+        </p:spPr>
+        <p:style>
+          <a:lnRef idx="2">
+            <a:schemeClr val="accent1">
+              <a:shade val="50000"/>
+            </a:schemeClr>
+          </a:lnRef>
+          <a:fillRef idx="1">
+            <a:schemeClr val="accent1"/>
+          </a:fillRef>
+          <a:effectRef idx="0">
+            <a:schemeClr val="accent1"/>
+          </a:effectRef>
+          <a:fontRef idx="minor">
+            <a:schemeClr val="lt1"/>
+          </a:fontRef>
+        </p:style>
+      </p:sp>
+      <p:sp>
+        <p:nvSpPr>
+          <p:cNvPr id="2" name="Title 1"/>
+          <p:cNvSpPr>
+            <a:spLocks noGrp="1"/>
+          </p:cNvSpPr>
+          <p:nvPr>
+            <p:ph type="ctrTitle"/>
+          </p:nvPr>
+        </p:nvSpPr>
+        <p:spPr>
+          <a:xfrm>
+            <a:off x="1109980" y="882376"/>
+            <a:ext cx="9966960" cy="2926080"/>
           </a:xfrm>
         </p:spPr>
         <p:txBody>
-          <a:bodyPr anchor="b"/>
+          <a:bodyPr anchor="b">
+            <a:normAutofit/>
+          </a:bodyPr>
           <a:lstStyle>
             <a:lvl1pPr algn="ctr">
-              <a:defRPr sz="6000"/>
+              <a:lnSpc>
+                <a:spcPct val="85000"/>
+              </a:lnSpc>
+              <a:defRPr sz="7200" b="1" cap="all" baseline="0">
+                <a:solidFill>
+                  <a:srgbClr val="FFFFFF"/>
+                </a:solidFill>
+              </a:defRPr>
             </a:lvl1pPr>
           </a:lstStyle>
           <a:p>
@@ -179,18 +233,13 @@
               <a:rPr lang="hu-HU"/>
               <a:t>Mintacím szerkesztése</a:t>
             </a:r>
-          </a:p>
-        </p:txBody>
-      </p:sp>
-      <p:sp>
-        <p:nvSpPr>
-          <p:cNvPr id="3" name="Alcím 2">
-            <a:extLst>
-              <a:ext uri="{FF2B5EF4-FFF2-40B4-BE49-F238E27FC236}">
-                <a16:creationId xmlns:a16="http://schemas.microsoft.com/office/drawing/2014/main" id="{214DDE23-F90D-42FA-9682-18F0950E1E67}"/>
-              </a:ext>
-            </a:extLst>
-          </p:cNvPr>
+            <a:endParaRPr lang="en-US" dirty="0"/>
+          </a:p>
+        </p:txBody>
+      </p:sp>
+      <p:sp>
+        <p:nvSpPr>
+          <p:cNvPr id="3" name="Subtitle 2"/>
           <p:cNvSpPr>
             <a:spLocks noGrp="1"/>
           </p:cNvSpPr>
@@ -200,48 +249,54 @@
         </p:nvSpPr>
         <p:spPr>
           <a:xfrm>
-            <a:off x="1524000" y="3602038"/>
-            <a:ext cx="9144000" cy="1655762"/>
+            <a:off x="1709530" y="3869634"/>
+            <a:ext cx="8767860" cy="1388165"/>
           </a:xfrm>
         </p:spPr>
         <p:txBody>
-          <a:bodyPr/>
+          <a:bodyPr>
+            <a:normAutofit/>
+          </a:bodyPr>
           <a:lstStyle>
             <a:lvl1pPr marL="0" indent="0" algn="ctr">
               <a:buNone/>
-              <a:defRPr sz="2400"/>
+              <a:defRPr sz="2200">
+                <a:solidFill>
+                  <a:srgbClr val="FFFFFF"/>
+                </a:solidFill>
+              </a:defRPr>
             </a:lvl1pPr>
             <a:lvl2pPr marL="457200" indent="0" algn="ctr">
               <a:buNone/>
-              <a:defRPr sz="2000"/>
+              <a:defRPr sz="2200"/>
             </a:lvl2pPr>
             <a:lvl3pPr marL="914400" indent="0" algn="ctr">
               <a:buNone/>
-              <a:defRPr sz="1800"/>
+              <a:defRPr sz="2200"/>
             </a:lvl3pPr>
             <a:lvl4pPr marL="1371600" indent="0" algn="ctr">
               <a:buNone/>
-              <a:defRPr sz="1600"/>
+              <a:defRPr sz="2000"/>
             </a:lvl4pPr>
             <a:lvl5pPr marL="1828800" indent="0" algn="ctr">
               <a:buNone/>
-              <a:defRPr sz="1600"/>
+              <a:defRPr sz="2000"/>
             </a:lvl5pPr>
             <a:lvl6pPr marL="2286000" indent="0" algn="ctr">
               <a:buNone/>
-              <a:defRPr sz="1600"/>
+              <a:defRPr sz="2000"/>
             </a:lvl6pPr>
             <a:lvl7pPr marL="2743200" indent="0" algn="ctr">
               <a:buNone/>
-              <a:defRPr sz="1600"/>
+              <a:defRPr sz="2000"/>
             </a:lvl7pPr>
             <a:lvl8pPr marL="3200400" indent="0" algn="ctr">
               <a:buNone/>
-              <a:defRPr sz="1600"/>
+              <a:defRPr sz="2000"/>
             </a:lvl8pPr>
             <a:lvl9pPr marL="3657600" indent="0" algn="ctr">
               <a:buNone/>
-              <a:defRPr sz="1600"/>
+              <a:defRPr sz="2000"/>
             </a:lvl9pPr>
           </a:lstStyle>
           <a:p>
@@ -249,18 +304,13 @@
               <a:rPr lang="hu-HU"/>
               <a:t>Kattintson ide az alcím mintájának szerkesztéséhez</a:t>
             </a:r>
-          </a:p>
-        </p:txBody>
-      </p:sp>
-      <p:sp>
-        <p:nvSpPr>
-          <p:cNvPr id="4" name="Dátum helye 3">
-            <a:extLst>
-              <a:ext uri="{FF2B5EF4-FFF2-40B4-BE49-F238E27FC236}">
-                <a16:creationId xmlns:a16="http://schemas.microsoft.com/office/drawing/2014/main" id="{2296B28C-841F-4BBD-AAD2-DBE54BF64D44}"/>
-              </a:ext>
-            </a:extLst>
-          </p:cNvPr>
+            <a:endParaRPr lang="en-US" dirty="0"/>
+          </a:p>
+        </p:txBody>
+      </p:sp>
+      <p:sp>
+        <p:nvSpPr>
+          <p:cNvPr id="4" name="Date Placeholder 3"/>
           <p:cNvSpPr>
             <a:spLocks noGrp="1"/>
           </p:cNvSpPr>
@@ -271,11 +321,19 @@
         <p:spPr/>
         <p:txBody>
           <a:bodyPr/>
-          <a:lstStyle/>
+          <a:lstStyle>
+            <a:lvl1pPr>
+              <a:defRPr>
+                <a:solidFill>
+                  <a:srgbClr val="FFFFFF"/>
+                </a:solidFill>
+              </a:defRPr>
+            </a:lvl1pPr>
+          </a:lstStyle>
           <a:p>
             <a:fld id="{D4820401-CAE8-4D21-B24A-939B439B92ED}" type="datetimeFigureOut">
               <a:rPr lang="hu-HU" smtClean="0"/>
-              <a:t>2025.04.02.</a:t>
+              <a:t>2025.05.14.</a:t>
             </a:fld>
             <a:endParaRPr lang="hu-HU"/>
           </a:p>
@@ -283,13 +341,7 @@
       </p:sp>
       <p:sp>
         <p:nvSpPr>
-          <p:cNvPr id="5" name="Élőláb helye 4">
-            <a:extLst>
-              <a:ext uri="{FF2B5EF4-FFF2-40B4-BE49-F238E27FC236}">
-                <a16:creationId xmlns:a16="http://schemas.microsoft.com/office/drawing/2014/main" id="{BFAB5149-3B26-4651-8E6A-4D9DEFAB5561}"/>
-              </a:ext>
-            </a:extLst>
-          </p:cNvPr>
+          <p:cNvPr id="5" name="Footer Placeholder 4"/>
           <p:cNvSpPr>
             <a:spLocks noGrp="1"/>
           </p:cNvSpPr>
@@ -300,7 +352,15 @@
         <p:spPr/>
         <p:txBody>
           <a:bodyPr/>
-          <a:lstStyle/>
+          <a:lstStyle>
+            <a:lvl1pPr>
+              <a:defRPr>
+                <a:solidFill>
+                  <a:srgbClr val="FFFFFF"/>
+                </a:solidFill>
+              </a:defRPr>
+            </a:lvl1pPr>
+          </a:lstStyle>
           <a:p>
             <a:endParaRPr lang="hu-HU"/>
           </a:p>
@@ -308,13 +368,7 @@
       </p:sp>
       <p:sp>
         <p:nvSpPr>
-          <p:cNvPr id="6" name="Dia számának helye 5">
-            <a:extLst>
-              <a:ext uri="{FF2B5EF4-FFF2-40B4-BE49-F238E27FC236}">
-                <a16:creationId xmlns:a16="http://schemas.microsoft.com/office/drawing/2014/main" id="{7608553D-5C19-4FF3-BF3F-EF73139A322B}"/>
-              </a:ext>
-            </a:extLst>
-          </p:cNvPr>
+          <p:cNvPr id="6" name="Slide Number Placeholder 5"/>
           <p:cNvSpPr>
             <a:spLocks noGrp="1"/>
           </p:cNvSpPr>
@@ -325,7 +379,15 @@
         <p:spPr/>
         <p:txBody>
           <a:bodyPr/>
-          <a:lstStyle/>
+          <a:lstStyle>
+            <a:lvl1pPr>
+              <a:defRPr>
+                <a:solidFill>
+                  <a:srgbClr val="FFFFFF"/>
+                </a:solidFill>
+              </a:defRPr>
+            </a:lvl1pPr>
+          </a:lstStyle>
           <a:p>
             <a:fld id="{0773ADF9-EAF6-4A3E-AB4F-8C638765EF87}" type="slidenum">
               <a:rPr lang="hu-HU" smtClean="0"/>
@@ -335,10 +397,45 @@
           </a:p>
         </p:txBody>
       </p:sp>
+      <p:cxnSp>
+        <p:nvCxnSpPr>
+          <p:cNvPr id="8" name="Straight Connector 7"/>
+          <p:cNvCxnSpPr/>
+          <p:nvPr/>
+        </p:nvCxnSpPr>
+        <p:spPr>
+          <a:xfrm>
+            <a:off x="1978660" y="3733800"/>
+            <a:ext cx="8229601" cy="0"/>
+          </a:xfrm>
+          <a:prstGeom prst="line">
+            <a:avLst/>
+          </a:prstGeom>
+          <a:ln>
+            <a:solidFill>
+              <a:srgbClr val="FFFFFF"/>
+            </a:solidFill>
+          </a:ln>
+        </p:spPr>
+        <p:style>
+          <a:lnRef idx="1">
+            <a:schemeClr val="accent1"/>
+          </a:lnRef>
+          <a:fillRef idx="0">
+            <a:schemeClr val="accent1"/>
+          </a:fillRef>
+          <a:effectRef idx="0">
+            <a:schemeClr val="accent1"/>
+          </a:effectRef>
+          <a:fontRef idx="minor">
+            <a:schemeClr val="tx1"/>
+          </a:fontRef>
+        </p:style>
+      </p:cxnSp>
     </p:spTree>
     <p:extLst>
       <p:ext uri="{BB962C8B-B14F-4D97-AF65-F5344CB8AC3E}">
-        <p14:creationId xmlns:p14="http://schemas.microsoft.com/office/powerpoint/2010/main" val="3451587043"/>
+        <p14:creationId xmlns:p14="http://schemas.microsoft.com/office/powerpoint/2010/main" val="2135640896"/>
       </p:ext>
     </p:extLst>
   </p:cSld>
@@ -367,13 +464,7 @@
       </p:grpSpPr>
       <p:sp>
         <p:nvSpPr>
-          <p:cNvPr id="2" name="Cím 1">
-            <a:extLst>
-              <a:ext uri="{FF2B5EF4-FFF2-40B4-BE49-F238E27FC236}">
-                <a16:creationId xmlns:a16="http://schemas.microsoft.com/office/drawing/2014/main" id="{A51C1CCF-8771-42BE-B13F-5238D5C9ABF9}"/>
-              </a:ext>
-            </a:extLst>
-          </p:cNvPr>
+          <p:cNvPr id="2" name="Title 1"/>
           <p:cNvSpPr>
             <a:spLocks noGrp="1"/>
           </p:cNvSpPr>
@@ -390,18 +481,13 @@
               <a:rPr lang="hu-HU"/>
               <a:t>Mintacím szerkesztése</a:t>
             </a:r>
-          </a:p>
-        </p:txBody>
-      </p:sp>
-      <p:sp>
-        <p:nvSpPr>
-          <p:cNvPr id="3" name="Függőleges szöveg helye 2">
-            <a:extLst>
-              <a:ext uri="{FF2B5EF4-FFF2-40B4-BE49-F238E27FC236}">
-                <a16:creationId xmlns:a16="http://schemas.microsoft.com/office/drawing/2014/main" id="{EA7AAADC-9F11-4050-9681-1316CD3BF686}"/>
-              </a:ext>
-            </a:extLst>
-          </p:cNvPr>
+            <a:endParaRPr lang="en-US" dirty="0"/>
+          </a:p>
+        </p:txBody>
+      </p:sp>
+      <p:sp>
+        <p:nvSpPr>
+          <p:cNvPr id="3" name="Vertical Text Placeholder 2"/>
           <p:cNvSpPr>
             <a:spLocks noGrp="1"/>
           </p:cNvSpPr>
@@ -447,18 +533,13 @@
               <a:rPr lang="hu-HU"/>
               <a:t>Ötödik szint</a:t>
             </a:r>
-          </a:p>
-        </p:txBody>
-      </p:sp>
-      <p:sp>
-        <p:nvSpPr>
-          <p:cNvPr id="4" name="Dátum helye 3">
-            <a:extLst>
-              <a:ext uri="{FF2B5EF4-FFF2-40B4-BE49-F238E27FC236}">
-                <a16:creationId xmlns:a16="http://schemas.microsoft.com/office/drawing/2014/main" id="{58071A31-A6BB-4939-91B1-1089141D5210}"/>
-              </a:ext>
-            </a:extLst>
-          </p:cNvPr>
+            <a:endParaRPr lang="en-US" dirty="0"/>
+          </a:p>
+        </p:txBody>
+      </p:sp>
+      <p:sp>
+        <p:nvSpPr>
+          <p:cNvPr id="4" name="Date Placeholder 3"/>
           <p:cNvSpPr>
             <a:spLocks noGrp="1"/>
           </p:cNvSpPr>
@@ -473,7 +554,7 @@
           <a:p>
             <a:fld id="{D4820401-CAE8-4D21-B24A-939B439B92ED}" type="datetimeFigureOut">
               <a:rPr lang="hu-HU" smtClean="0"/>
-              <a:t>2025.04.02.</a:t>
+              <a:t>2025.05.14.</a:t>
             </a:fld>
             <a:endParaRPr lang="hu-HU"/>
           </a:p>
@@ -481,13 +562,7 @@
       </p:sp>
       <p:sp>
         <p:nvSpPr>
-          <p:cNvPr id="5" name="Élőláb helye 4">
-            <a:extLst>
-              <a:ext uri="{FF2B5EF4-FFF2-40B4-BE49-F238E27FC236}">
-                <a16:creationId xmlns:a16="http://schemas.microsoft.com/office/drawing/2014/main" id="{3184E4E6-5B2A-4E8A-B1C3-A1724DF5395E}"/>
-              </a:ext>
-            </a:extLst>
-          </p:cNvPr>
+          <p:cNvPr id="5" name="Footer Placeholder 4"/>
           <p:cNvSpPr>
             <a:spLocks noGrp="1"/>
           </p:cNvSpPr>
@@ -506,13 +581,7 @@
       </p:sp>
       <p:sp>
         <p:nvSpPr>
-          <p:cNvPr id="6" name="Dia számának helye 5">
-            <a:extLst>
-              <a:ext uri="{FF2B5EF4-FFF2-40B4-BE49-F238E27FC236}">
-                <a16:creationId xmlns:a16="http://schemas.microsoft.com/office/drawing/2014/main" id="{4C3B0057-A81A-4680-83F0-3F5EA8270A09}"/>
-              </a:ext>
-            </a:extLst>
-          </p:cNvPr>
+          <p:cNvPr id="6" name="Slide Number Placeholder 5"/>
           <p:cNvSpPr>
             <a:spLocks noGrp="1"/>
           </p:cNvSpPr>
@@ -536,7 +605,7 @@
     </p:spTree>
     <p:extLst>
       <p:ext uri="{BB962C8B-B14F-4D97-AF65-F5344CB8AC3E}">
-        <p14:creationId xmlns:p14="http://schemas.microsoft.com/office/powerpoint/2010/main" val="1453148263"/>
+        <p14:creationId xmlns:p14="http://schemas.microsoft.com/office/powerpoint/2010/main" val="3201706274"/>
       </p:ext>
     </p:extLst>
   </p:cSld>
@@ -565,13 +634,7 @@
       </p:grpSpPr>
       <p:sp>
         <p:nvSpPr>
-          <p:cNvPr id="2" name="Függőleges cím 1">
-            <a:extLst>
-              <a:ext uri="{FF2B5EF4-FFF2-40B4-BE49-F238E27FC236}">
-                <a16:creationId xmlns:a16="http://schemas.microsoft.com/office/drawing/2014/main" id="{9CB64C56-E8A0-4F20-92B7-D722B7B6EE98}"/>
-              </a:ext>
-            </a:extLst>
-          </p:cNvPr>
+          <p:cNvPr id="2" name="Vertical Title 1"/>
           <p:cNvSpPr>
             <a:spLocks noGrp="1"/>
           </p:cNvSpPr>
@@ -581,8 +644,8 @@
         </p:nvSpPr>
         <p:spPr>
           <a:xfrm>
-            <a:off x="8724900" y="365125"/>
-            <a:ext cx="2628900" cy="5811838"/>
+            <a:off x="8724900" y="762000"/>
+            <a:ext cx="2324100" cy="5410200"/>
           </a:xfrm>
         </p:spPr>
         <p:txBody>
@@ -593,18 +656,13 @@
               <a:rPr lang="hu-HU"/>
               <a:t>Mintacím szerkesztése</a:t>
             </a:r>
-          </a:p>
-        </p:txBody>
-      </p:sp>
-      <p:sp>
-        <p:nvSpPr>
-          <p:cNvPr id="3" name="Függőleges szöveg helye 2">
-            <a:extLst>
-              <a:ext uri="{FF2B5EF4-FFF2-40B4-BE49-F238E27FC236}">
-                <a16:creationId xmlns:a16="http://schemas.microsoft.com/office/drawing/2014/main" id="{43B4AC83-1ED4-4344-BECD-9067756F96B5}"/>
-              </a:ext>
-            </a:extLst>
-          </p:cNvPr>
+            <a:endParaRPr lang="en-US" dirty="0"/>
+          </a:p>
+        </p:txBody>
+      </p:sp>
+      <p:sp>
+        <p:nvSpPr>
+          <p:cNvPr id="3" name="Vertical Text Placeholder 2"/>
           <p:cNvSpPr>
             <a:spLocks noGrp="1"/>
           </p:cNvSpPr>
@@ -614,8 +672,8 @@
         </p:nvSpPr>
         <p:spPr>
           <a:xfrm>
-            <a:off x="838200" y="365125"/>
-            <a:ext cx="7734300" cy="5811838"/>
+            <a:off x="1143000" y="762000"/>
+            <a:ext cx="7429500" cy="5410200"/>
           </a:xfrm>
         </p:spPr>
         <p:txBody>
@@ -655,18 +713,13 @@
               <a:rPr lang="hu-HU"/>
               <a:t>Ötödik szint</a:t>
             </a:r>
-          </a:p>
-        </p:txBody>
-      </p:sp>
-      <p:sp>
-        <p:nvSpPr>
-          <p:cNvPr id="4" name="Dátum helye 3">
-            <a:extLst>
-              <a:ext uri="{FF2B5EF4-FFF2-40B4-BE49-F238E27FC236}">
-                <a16:creationId xmlns:a16="http://schemas.microsoft.com/office/drawing/2014/main" id="{4EF84C2E-AF94-4617-A9E5-D0EB85BE1FFC}"/>
-              </a:ext>
-            </a:extLst>
-          </p:cNvPr>
+            <a:endParaRPr lang="en-US" dirty="0"/>
+          </a:p>
+        </p:txBody>
+      </p:sp>
+      <p:sp>
+        <p:nvSpPr>
+          <p:cNvPr id="4" name="Date Placeholder 3"/>
           <p:cNvSpPr>
             <a:spLocks noGrp="1"/>
           </p:cNvSpPr>
@@ -681,7 +734,7 @@
           <a:p>
             <a:fld id="{D4820401-CAE8-4D21-B24A-939B439B92ED}" type="datetimeFigureOut">
               <a:rPr lang="hu-HU" smtClean="0"/>
-              <a:t>2025.04.02.</a:t>
+              <a:t>2025.05.14.</a:t>
             </a:fld>
             <a:endParaRPr lang="hu-HU"/>
           </a:p>
@@ -689,13 +742,7 @@
       </p:sp>
       <p:sp>
         <p:nvSpPr>
-          <p:cNvPr id="5" name="Élőláb helye 4">
-            <a:extLst>
-              <a:ext uri="{FF2B5EF4-FFF2-40B4-BE49-F238E27FC236}">
-                <a16:creationId xmlns:a16="http://schemas.microsoft.com/office/drawing/2014/main" id="{CBEFCE76-848B-4DCD-9AEF-BB78A33EBB15}"/>
-              </a:ext>
-            </a:extLst>
-          </p:cNvPr>
+          <p:cNvPr id="5" name="Footer Placeholder 4"/>
           <p:cNvSpPr>
             <a:spLocks noGrp="1"/>
           </p:cNvSpPr>
@@ -714,13 +761,7 @@
       </p:sp>
       <p:sp>
         <p:nvSpPr>
-          <p:cNvPr id="6" name="Dia számának helye 5">
-            <a:extLst>
-              <a:ext uri="{FF2B5EF4-FFF2-40B4-BE49-F238E27FC236}">
-                <a16:creationId xmlns:a16="http://schemas.microsoft.com/office/drawing/2014/main" id="{35ACA0E8-7278-4472-8990-C42A98BA34D9}"/>
-              </a:ext>
-            </a:extLst>
-          </p:cNvPr>
+          <p:cNvPr id="6" name="Slide Number Placeholder 5"/>
           <p:cNvSpPr>
             <a:spLocks noGrp="1"/>
           </p:cNvSpPr>
@@ -744,7 +785,7 @@
     </p:spTree>
     <p:extLst>
       <p:ext uri="{BB962C8B-B14F-4D97-AF65-F5344CB8AC3E}">
-        <p14:creationId xmlns:p14="http://schemas.microsoft.com/office/powerpoint/2010/main" val="3411031897"/>
+        <p14:creationId xmlns:p14="http://schemas.microsoft.com/office/powerpoint/2010/main" val="3137431802"/>
       </p:ext>
     </p:extLst>
   </p:cSld>
@@ -773,13 +814,7 @@
       </p:grpSpPr>
       <p:sp>
         <p:nvSpPr>
-          <p:cNvPr id="2" name="Cím 1">
-            <a:extLst>
-              <a:ext uri="{FF2B5EF4-FFF2-40B4-BE49-F238E27FC236}">
-                <a16:creationId xmlns:a16="http://schemas.microsoft.com/office/drawing/2014/main" id="{A25C9C4F-DA65-4EDD-B261-3E86609544CC}"/>
-              </a:ext>
-            </a:extLst>
-          </p:cNvPr>
+          <p:cNvPr id="2" name="Title 1"/>
           <p:cNvSpPr>
             <a:spLocks noGrp="1"/>
           </p:cNvSpPr>
@@ -796,18 +831,13 @@
               <a:rPr lang="hu-HU"/>
               <a:t>Mintacím szerkesztése</a:t>
             </a:r>
-          </a:p>
-        </p:txBody>
-      </p:sp>
-      <p:sp>
-        <p:nvSpPr>
-          <p:cNvPr id="3" name="Tartalom helye 2">
-            <a:extLst>
-              <a:ext uri="{FF2B5EF4-FFF2-40B4-BE49-F238E27FC236}">
-                <a16:creationId xmlns:a16="http://schemas.microsoft.com/office/drawing/2014/main" id="{30CD790F-6AAC-4FA5-8C79-F4EECAD8FF4C}"/>
-              </a:ext>
-            </a:extLst>
-          </p:cNvPr>
+            <a:endParaRPr lang="en-US" dirty="0"/>
+          </a:p>
+        </p:txBody>
+      </p:sp>
+      <p:sp>
+        <p:nvSpPr>
+          <p:cNvPr id="3" name="Content Placeholder 2"/>
           <p:cNvSpPr>
             <a:spLocks noGrp="1"/>
           </p:cNvSpPr>
@@ -853,18 +883,13 @@
               <a:rPr lang="hu-HU"/>
               <a:t>Ötödik szint</a:t>
             </a:r>
-          </a:p>
-        </p:txBody>
-      </p:sp>
-      <p:sp>
-        <p:nvSpPr>
-          <p:cNvPr id="4" name="Dátum helye 3">
-            <a:extLst>
-              <a:ext uri="{FF2B5EF4-FFF2-40B4-BE49-F238E27FC236}">
-                <a16:creationId xmlns:a16="http://schemas.microsoft.com/office/drawing/2014/main" id="{A60B2D4C-9471-4AE6-864F-059785570B08}"/>
-              </a:ext>
-            </a:extLst>
-          </p:cNvPr>
+            <a:endParaRPr lang="en-US" dirty="0"/>
+          </a:p>
+        </p:txBody>
+      </p:sp>
+      <p:sp>
+        <p:nvSpPr>
+          <p:cNvPr id="4" name="Date Placeholder 3"/>
           <p:cNvSpPr>
             <a:spLocks noGrp="1"/>
           </p:cNvSpPr>
@@ -879,7 +904,7 @@
           <a:p>
             <a:fld id="{D4820401-CAE8-4D21-B24A-939B439B92ED}" type="datetimeFigureOut">
               <a:rPr lang="hu-HU" smtClean="0"/>
-              <a:t>2025.04.02.</a:t>
+              <a:t>2025.05.14.</a:t>
             </a:fld>
             <a:endParaRPr lang="hu-HU"/>
           </a:p>
@@ -887,13 +912,7 @@
       </p:sp>
       <p:sp>
         <p:nvSpPr>
-          <p:cNvPr id="5" name="Élőláb helye 4">
-            <a:extLst>
-              <a:ext uri="{FF2B5EF4-FFF2-40B4-BE49-F238E27FC236}">
-                <a16:creationId xmlns:a16="http://schemas.microsoft.com/office/drawing/2014/main" id="{C3462C9F-D74C-47A4-92EF-2796EE6FA8A2}"/>
-              </a:ext>
-            </a:extLst>
-          </p:cNvPr>
+          <p:cNvPr id="5" name="Footer Placeholder 4"/>
           <p:cNvSpPr>
             <a:spLocks noGrp="1"/>
           </p:cNvSpPr>
@@ -912,13 +931,7 @@
       </p:sp>
       <p:sp>
         <p:nvSpPr>
-          <p:cNvPr id="6" name="Dia számának helye 5">
-            <a:extLst>
-              <a:ext uri="{FF2B5EF4-FFF2-40B4-BE49-F238E27FC236}">
-                <a16:creationId xmlns:a16="http://schemas.microsoft.com/office/drawing/2014/main" id="{35A9CC2B-5C57-450B-9E0D-AF896AAEF39E}"/>
-              </a:ext>
-            </a:extLst>
-          </p:cNvPr>
+          <p:cNvPr id="6" name="Slide Number Placeholder 5"/>
           <p:cNvSpPr>
             <a:spLocks noGrp="1"/>
           </p:cNvSpPr>
@@ -942,7 +955,7 @@
     </p:spTree>
     <p:extLst>
       <p:ext uri="{BB962C8B-B14F-4D97-AF65-F5344CB8AC3E}">
-        <p14:creationId xmlns:p14="http://schemas.microsoft.com/office/powerpoint/2010/main" val="2160079585"/>
+        <p14:creationId xmlns:p14="http://schemas.microsoft.com/office/powerpoint/2010/main" val="917862232"/>
       </p:ext>
     </p:extLst>
   </p:cSld>
@@ -971,13 +984,7 @@
       </p:grpSpPr>
       <p:sp>
         <p:nvSpPr>
-          <p:cNvPr id="2" name="Cím 1">
-            <a:extLst>
-              <a:ext uri="{FF2B5EF4-FFF2-40B4-BE49-F238E27FC236}">
-                <a16:creationId xmlns:a16="http://schemas.microsoft.com/office/drawing/2014/main" id="{5AEA7E2D-5AFF-4B0D-951F-6814C9D77F41}"/>
-              </a:ext>
-            </a:extLst>
-          </p:cNvPr>
+          <p:cNvPr id="2" name="Title 1"/>
           <p:cNvSpPr>
             <a:spLocks noGrp="1"/>
           </p:cNvSpPr>
@@ -987,15 +994,20 @@
         </p:nvSpPr>
         <p:spPr>
           <a:xfrm>
-            <a:off x="831850" y="1709738"/>
-            <a:ext cx="10515600" cy="2852737"/>
+            <a:off x="1106424" y="1173575"/>
+            <a:ext cx="9966960" cy="2926080"/>
           </a:xfrm>
         </p:spPr>
         <p:txBody>
-          <a:bodyPr anchor="b"/>
+          <a:bodyPr anchor="b">
+            <a:noAutofit/>
+          </a:bodyPr>
           <a:lstStyle>
-            <a:lvl1pPr>
-              <a:defRPr sz="6000"/>
+            <a:lvl1pPr algn="ctr">
+              <a:lnSpc>
+                <a:spcPct val="85000"/>
+              </a:lnSpc>
+              <a:defRPr sz="7200" b="0" cap="all" baseline="0"/>
             </a:lvl1pPr>
           </a:lstStyle>
           <a:p>
@@ -1003,18 +1015,13 @@
               <a:rPr lang="hu-HU"/>
               <a:t>Mintacím szerkesztése</a:t>
             </a:r>
-          </a:p>
-        </p:txBody>
-      </p:sp>
-      <p:sp>
-        <p:nvSpPr>
-          <p:cNvPr id="3" name="Szöveg helye 2">
-            <a:extLst>
-              <a:ext uri="{FF2B5EF4-FFF2-40B4-BE49-F238E27FC236}">
-                <a16:creationId xmlns:a16="http://schemas.microsoft.com/office/drawing/2014/main" id="{0C84BBF9-69A0-4C66-BDF4-5CD3EF709EEA}"/>
-              </a:ext>
-            </a:extLst>
-          </p:cNvPr>
+            <a:endParaRPr lang="en-US" dirty="0"/>
+          </a:p>
+        </p:txBody>
+      </p:sp>
+      <p:sp>
+        <p:nvSpPr>
+          <p:cNvPr id="3" name="Text Placeholder 2"/>
           <p:cNvSpPr>
             <a:spLocks noGrp="1"/>
           </p:cNvSpPr>
@@ -1024,102 +1031,102 @@
         </p:nvSpPr>
         <p:spPr>
           <a:xfrm>
-            <a:off x="831850" y="4589463"/>
-            <a:ext cx="10515600" cy="1500187"/>
+            <a:off x="1709928" y="4154520"/>
+            <a:ext cx="8769096" cy="1363806"/>
           </a:xfrm>
         </p:spPr>
         <p:txBody>
-          <a:bodyPr/>
+          <a:bodyPr anchor="t">
+            <a:normAutofit/>
+          </a:bodyPr>
           <a:lstStyle>
-            <a:lvl1pPr marL="0" indent="0">
-              <a:buNone/>
-              <a:defRPr sz="2400">
+            <a:lvl1pPr marL="0" indent="0" algn="ctr">
+              <a:buNone/>
+              <a:defRPr sz="2200">
+                <a:solidFill>
+                  <a:schemeClr val="accent1"/>
+                </a:solidFill>
+              </a:defRPr>
+            </a:lvl1pPr>
+            <a:lvl2pPr marL="457200" indent="0">
+              <a:buNone/>
+              <a:defRPr sz="1800">
                 <a:solidFill>
                   <a:schemeClr val="tx1">
                     <a:tint val="75000"/>
                   </a:schemeClr>
                 </a:solidFill>
               </a:defRPr>
-            </a:lvl1pPr>
-            <a:lvl2pPr marL="457200" indent="0">
-              <a:buNone/>
-              <a:defRPr sz="2000">
+            </a:lvl2pPr>
+            <a:lvl3pPr marL="914400" indent="0">
+              <a:buNone/>
+              <a:defRPr sz="1600">
                 <a:solidFill>
                   <a:schemeClr val="tx1">
                     <a:tint val="75000"/>
                   </a:schemeClr>
                 </a:solidFill>
               </a:defRPr>
-            </a:lvl2pPr>
-            <a:lvl3pPr marL="914400" indent="0">
-              <a:buNone/>
-              <a:defRPr sz="1800">
+            </a:lvl3pPr>
+            <a:lvl4pPr marL="1371600" indent="0">
+              <a:buNone/>
+              <a:defRPr sz="1400">
                 <a:solidFill>
                   <a:schemeClr val="tx1">
                     <a:tint val="75000"/>
                   </a:schemeClr>
                 </a:solidFill>
               </a:defRPr>
-            </a:lvl3pPr>
-            <a:lvl4pPr marL="1371600" indent="0">
-              <a:buNone/>
-              <a:defRPr sz="1600">
+            </a:lvl4pPr>
+            <a:lvl5pPr marL="1828800" indent="0">
+              <a:buNone/>
+              <a:defRPr sz="1400">
                 <a:solidFill>
                   <a:schemeClr val="tx1">
                     <a:tint val="75000"/>
                   </a:schemeClr>
                 </a:solidFill>
               </a:defRPr>
-            </a:lvl4pPr>
-            <a:lvl5pPr marL="1828800" indent="0">
-              <a:buNone/>
-              <a:defRPr sz="1600">
+            </a:lvl5pPr>
+            <a:lvl6pPr marL="2286000" indent="0">
+              <a:buNone/>
+              <a:defRPr sz="1400">
                 <a:solidFill>
                   <a:schemeClr val="tx1">
                     <a:tint val="75000"/>
                   </a:schemeClr>
                 </a:solidFill>
               </a:defRPr>
-            </a:lvl5pPr>
-            <a:lvl6pPr marL="2286000" indent="0">
-              <a:buNone/>
-              <a:defRPr sz="1600">
+            </a:lvl6pPr>
+            <a:lvl7pPr marL="2743200" indent="0">
+              <a:buNone/>
+              <a:defRPr sz="1400">
                 <a:solidFill>
                   <a:schemeClr val="tx1">
                     <a:tint val="75000"/>
                   </a:schemeClr>
                 </a:solidFill>
               </a:defRPr>
-            </a:lvl6pPr>
-            <a:lvl7pPr marL="2743200" indent="0">
-              <a:buNone/>
-              <a:defRPr sz="1600">
+            </a:lvl7pPr>
+            <a:lvl8pPr marL="3200400" indent="0">
+              <a:buNone/>
+              <a:defRPr sz="1400">
                 <a:solidFill>
                   <a:schemeClr val="tx1">
                     <a:tint val="75000"/>
                   </a:schemeClr>
                 </a:solidFill>
               </a:defRPr>
-            </a:lvl7pPr>
-            <a:lvl8pPr marL="3200400" indent="0">
-              <a:buNone/>
-              <a:defRPr sz="1600">
+            </a:lvl8pPr>
+            <a:lvl9pPr marL="3657600" indent="0">
+              <a:buNone/>
+              <a:defRPr sz="1400">
                 <a:solidFill>
                   <a:schemeClr val="tx1">
                     <a:tint val="75000"/>
                   </a:schemeClr>
                 </a:solidFill>
               </a:defRPr>
-            </a:lvl8pPr>
-            <a:lvl9pPr marL="3657600" indent="0">
-              <a:buNone/>
-              <a:defRPr sz="1600">
-                <a:solidFill>
-                  <a:schemeClr val="tx1">
-                    <a:tint val="75000"/>
-                  </a:schemeClr>
-                </a:solidFill>
-              </a:defRPr>
             </a:lvl9pPr>
           </a:lstStyle>
           <a:p>
@@ -1133,13 +1140,7 @@
       </p:sp>
       <p:sp>
         <p:nvSpPr>
-          <p:cNvPr id="4" name="Dátum helye 3">
-            <a:extLst>
-              <a:ext uri="{FF2B5EF4-FFF2-40B4-BE49-F238E27FC236}">
-                <a16:creationId xmlns:a16="http://schemas.microsoft.com/office/drawing/2014/main" id="{30B2B7A4-44B5-4527-9287-8587BFCB2AAD}"/>
-              </a:ext>
-            </a:extLst>
-          </p:cNvPr>
+          <p:cNvPr id="4" name="Date Placeholder 3"/>
           <p:cNvSpPr>
             <a:spLocks noGrp="1"/>
           </p:cNvSpPr>
@@ -1154,7 +1155,7 @@
           <a:p>
             <a:fld id="{D4820401-CAE8-4D21-B24A-939B439B92ED}" type="datetimeFigureOut">
               <a:rPr lang="hu-HU" smtClean="0"/>
-              <a:t>2025.04.02.</a:t>
+              <a:t>2025.05.14.</a:t>
             </a:fld>
             <a:endParaRPr lang="hu-HU"/>
           </a:p>
@@ -1162,13 +1163,7 @@
       </p:sp>
       <p:sp>
         <p:nvSpPr>
-          <p:cNvPr id="5" name="Élőláb helye 4">
-            <a:extLst>
-              <a:ext uri="{FF2B5EF4-FFF2-40B4-BE49-F238E27FC236}">
-                <a16:creationId xmlns:a16="http://schemas.microsoft.com/office/drawing/2014/main" id="{3F10F286-0618-4AB3-9285-9EFA1074BC30}"/>
-              </a:ext>
-            </a:extLst>
-          </p:cNvPr>
+          <p:cNvPr id="5" name="Footer Placeholder 4"/>
           <p:cNvSpPr>
             <a:spLocks noGrp="1"/>
           </p:cNvSpPr>
@@ -1187,13 +1182,7 @@
       </p:sp>
       <p:sp>
         <p:nvSpPr>
-          <p:cNvPr id="6" name="Dia számának helye 5">
-            <a:extLst>
-              <a:ext uri="{FF2B5EF4-FFF2-40B4-BE49-F238E27FC236}">
-                <a16:creationId xmlns:a16="http://schemas.microsoft.com/office/drawing/2014/main" id="{F3D7D6A3-B168-49FD-B834-CD558629A784}"/>
-              </a:ext>
-            </a:extLst>
-          </p:cNvPr>
+          <p:cNvPr id="6" name="Slide Number Placeholder 5"/>
           <p:cNvSpPr>
             <a:spLocks noGrp="1"/>
           </p:cNvSpPr>
@@ -1214,10 +1203,45 @@
           </a:p>
         </p:txBody>
       </p:sp>
+      <p:cxnSp>
+        <p:nvCxnSpPr>
+          <p:cNvPr id="7" name="Straight Connector 6"/>
+          <p:cNvCxnSpPr/>
+          <p:nvPr/>
+        </p:nvCxnSpPr>
+        <p:spPr>
+          <a:xfrm>
+            <a:off x="1981200" y="4020408"/>
+            <a:ext cx="8229601" cy="0"/>
+          </a:xfrm>
+          <a:prstGeom prst="line">
+            <a:avLst/>
+          </a:prstGeom>
+          <a:ln>
+            <a:solidFill>
+              <a:schemeClr val="accent1"/>
+            </a:solidFill>
+          </a:ln>
+        </p:spPr>
+        <p:style>
+          <a:lnRef idx="1">
+            <a:schemeClr val="accent1"/>
+          </a:lnRef>
+          <a:fillRef idx="0">
+            <a:schemeClr val="accent1"/>
+          </a:fillRef>
+          <a:effectRef idx="0">
+            <a:schemeClr val="accent1"/>
+          </a:effectRef>
+          <a:fontRef idx="minor">
+            <a:schemeClr val="tx1"/>
+          </a:fontRef>
+        </p:style>
+      </p:cxnSp>
     </p:spTree>
     <p:extLst>
       <p:ext uri="{BB962C8B-B14F-4D97-AF65-F5344CB8AC3E}">
-        <p14:creationId xmlns:p14="http://schemas.microsoft.com/office/powerpoint/2010/main" val="2687103600"/>
+        <p14:creationId xmlns:p14="http://schemas.microsoft.com/office/powerpoint/2010/main" val="4038746957"/>
       </p:ext>
     </p:extLst>
   </p:cSld>
@@ -1246,13 +1270,7 @@
       </p:grpSpPr>
       <p:sp>
         <p:nvSpPr>
-          <p:cNvPr id="2" name="Cím 1">
-            <a:extLst>
-              <a:ext uri="{FF2B5EF4-FFF2-40B4-BE49-F238E27FC236}">
-                <a16:creationId xmlns:a16="http://schemas.microsoft.com/office/drawing/2014/main" id="{E723C6AE-5C48-467A-AD0C-A9E3420542F7}"/>
-              </a:ext>
-            </a:extLst>
-          </p:cNvPr>
+          <p:cNvPr id="8" name="Title 7"/>
           <p:cNvSpPr>
             <a:spLocks noGrp="1"/>
           </p:cNvSpPr>
@@ -1269,18 +1287,13 @@
               <a:rPr lang="hu-HU"/>
               <a:t>Mintacím szerkesztése</a:t>
             </a:r>
-          </a:p>
-        </p:txBody>
-      </p:sp>
-      <p:sp>
-        <p:nvSpPr>
-          <p:cNvPr id="3" name="Tartalom helye 2">
-            <a:extLst>
-              <a:ext uri="{FF2B5EF4-FFF2-40B4-BE49-F238E27FC236}">
-                <a16:creationId xmlns:a16="http://schemas.microsoft.com/office/drawing/2014/main" id="{F02551D7-2070-45E1-8604-877580DCB269}"/>
-              </a:ext>
-            </a:extLst>
-          </p:cNvPr>
+            <a:endParaRPr lang="en-US" dirty="0"/>
+          </a:p>
+        </p:txBody>
+      </p:sp>
+      <p:sp>
+        <p:nvSpPr>
+          <p:cNvPr id="3" name="Content Placeholder 2"/>
           <p:cNvSpPr>
             <a:spLocks noGrp="1"/>
           </p:cNvSpPr>
@@ -1290,13 +1303,41 @@
         </p:nvSpPr>
         <p:spPr>
           <a:xfrm>
-            <a:off x="838200" y="1825625"/>
-            <a:ext cx="5181600" cy="4351338"/>
+            <a:off x="1143000" y="2057399"/>
+            <a:ext cx="4754880" cy="4023360"/>
           </a:xfrm>
         </p:spPr>
         <p:txBody>
           <a:bodyPr/>
-          <a:lstStyle/>
+          <a:lstStyle>
+            <a:lvl1pPr>
+              <a:defRPr sz="2200"/>
+            </a:lvl1pPr>
+            <a:lvl2pPr>
+              <a:defRPr sz="2000"/>
+            </a:lvl2pPr>
+            <a:lvl3pPr>
+              <a:defRPr sz="1800"/>
+            </a:lvl3pPr>
+            <a:lvl4pPr>
+              <a:defRPr sz="1600"/>
+            </a:lvl4pPr>
+            <a:lvl5pPr>
+              <a:defRPr sz="1600"/>
+            </a:lvl5pPr>
+            <a:lvl6pPr>
+              <a:defRPr sz="1600"/>
+            </a:lvl6pPr>
+            <a:lvl7pPr>
+              <a:defRPr sz="1600"/>
+            </a:lvl7pPr>
+            <a:lvl8pPr>
+              <a:defRPr sz="1600"/>
+            </a:lvl8pPr>
+            <a:lvl9pPr>
+              <a:defRPr sz="1600"/>
+            </a:lvl9pPr>
+          </a:lstStyle>
           <a:p>
             <a:pPr lvl="0"/>
             <a:r>
@@ -1331,18 +1372,13 @@
               <a:rPr lang="hu-HU"/>
               <a:t>Ötödik szint</a:t>
             </a:r>
-          </a:p>
-        </p:txBody>
-      </p:sp>
-      <p:sp>
-        <p:nvSpPr>
-          <p:cNvPr id="4" name="Tartalom helye 3">
-            <a:extLst>
-              <a:ext uri="{FF2B5EF4-FFF2-40B4-BE49-F238E27FC236}">
-                <a16:creationId xmlns:a16="http://schemas.microsoft.com/office/drawing/2014/main" id="{BFDB3CD4-F078-4F5C-BF03-3CA6F485F447}"/>
-              </a:ext>
-            </a:extLst>
-          </p:cNvPr>
+            <a:endParaRPr lang="en-US" dirty="0"/>
+          </a:p>
+        </p:txBody>
+      </p:sp>
+      <p:sp>
+        <p:nvSpPr>
+          <p:cNvPr id="4" name="Content Placeholder 3"/>
           <p:cNvSpPr>
             <a:spLocks noGrp="1"/>
           </p:cNvSpPr>
@@ -1352,13 +1388,41 @@
         </p:nvSpPr>
         <p:spPr>
           <a:xfrm>
-            <a:off x="6172200" y="1825625"/>
-            <a:ext cx="5181600" cy="4351338"/>
+            <a:off x="6267612" y="2057400"/>
+            <a:ext cx="4754880" cy="4023360"/>
           </a:xfrm>
         </p:spPr>
         <p:txBody>
           <a:bodyPr/>
-          <a:lstStyle/>
+          <a:lstStyle>
+            <a:lvl1pPr>
+              <a:defRPr sz="2200"/>
+            </a:lvl1pPr>
+            <a:lvl2pPr>
+              <a:defRPr sz="2000"/>
+            </a:lvl2pPr>
+            <a:lvl3pPr>
+              <a:defRPr sz="1800"/>
+            </a:lvl3pPr>
+            <a:lvl4pPr>
+              <a:defRPr sz="1600"/>
+            </a:lvl4pPr>
+            <a:lvl5pPr>
+              <a:defRPr sz="1600"/>
+            </a:lvl5pPr>
+            <a:lvl6pPr>
+              <a:defRPr sz="1600"/>
+            </a:lvl6pPr>
+            <a:lvl7pPr>
+              <a:defRPr sz="1600"/>
+            </a:lvl7pPr>
+            <a:lvl8pPr>
+              <a:defRPr sz="1600"/>
+            </a:lvl8pPr>
+            <a:lvl9pPr>
+              <a:defRPr sz="1600"/>
+            </a:lvl9pPr>
+          </a:lstStyle>
           <a:p>
             <a:pPr lvl="0"/>
             <a:r>
@@ -1393,18 +1457,13 @@
               <a:rPr lang="hu-HU"/>
               <a:t>Ötödik szint</a:t>
             </a:r>
-          </a:p>
-        </p:txBody>
-      </p:sp>
-      <p:sp>
-        <p:nvSpPr>
-          <p:cNvPr id="5" name="Dátum helye 4">
-            <a:extLst>
-              <a:ext uri="{FF2B5EF4-FFF2-40B4-BE49-F238E27FC236}">
-                <a16:creationId xmlns:a16="http://schemas.microsoft.com/office/drawing/2014/main" id="{5151D547-0226-4658-81C1-099EA934885C}"/>
-              </a:ext>
-            </a:extLst>
-          </p:cNvPr>
+            <a:endParaRPr lang="en-US" dirty="0"/>
+          </a:p>
+        </p:txBody>
+      </p:sp>
+      <p:sp>
+        <p:nvSpPr>
+          <p:cNvPr id="5" name="Date Placeholder 4"/>
           <p:cNvSpPr>
             <a:spLocks noGrp="1"/>
           </p:cNvSpPr>
@@ -1419,7 +1478,7 @@
           <a:p>
             <a:fld id="{D4820401-CAE8-4D21-B24A-939B439B92ED}" type="datetimeFigureOut">
               <a:rPr lang="hu-HU" smtClean="0"/>
-              <a:t>2025.04.02.</a:t>
+              <a:t>2025.05.14.</a:t>
             </a:fld>
             <a:endParaRPr lang="hu-HU"/>
           </a:p>
@@ -1427,13 +1486,7 @@
       </p:sp>
       <p:sp>
         <p:nvSpPr>
-          <p:cNvPr id="6" name="Élőláb helye 5">
-            <a:extLst>
-              <a:ext uri="{FF2B5EF4-FFF2-40B4-BE49-F238E27FC236}">
-                <a16:creationId xmlns:a16="http://schemas.microsoft.com/office/drawing/2014/main" id="{BB496C40-269D-41BE-A5DF-4F10ABEF068F}"/>
-              </a:ext>
-            </a:extLst>
-          </p:cNvPr>
+          <p:cNvPr id="6" name="Footer Placeholder 5"/>
           <p:cNvSpPr>
             <a:spLocks noGrp="1"/>
           </p:cNvSpPr>
@@ -1452,13 +1505,7 @@
       </p:sp>
       <p:sp>
         <p:nvSpPr>
-          <p:cNvPr id="7" name="Dia számának helye 6">
-            <a:extLst>
-              <a:ext uri="{FF2B5EF4-FFF2-40B4-BE49-F238E27FC236}">
-                <a16:creationId xmlns:a16="http://schemas.microsoft.com/office/drawing/2014/main" id="{E9AA242B-2CBD-44C5-B8E9-D2C2D27FB44E}"/>
-              </a:ext>
-            </a:extLst>
-          </p:cNvPr>
+          <p:cNvPr id="7" name="Slide Number Placeholder 6"/>
           <p:cNvSpPr>
             <a:spLocks noGrp="1"/>
           </p:cNvSpPr>
@@ -1482,7 +1529,7 @@
     </p:spTree>
     <p:extLst>
       <p:ext uri="{BB962C8B-B14F-4D97-AF65-F5344CB8AC3E}">
-        <p14:creationId xmlns:p14="http://schemas.microsoft.com/office/powerpoint/2010/main" val="3522153780"/>
+        <p14:creationId xmlns:p14="http://schemas.microsoft.com/office/powerpoint/2010/main" val="1000610387"/>
       </p:ext>
     </p:extLst>
   </p:cSld>
@@ -1511,63 +1558,50 @@
       </p:grpSpPr>
       <p:sp>
         <p:nvSpPr>
-          <p:cNvPr id="2" name="Cím 1">
-            <a:extLst>
-              <a:ext uri="{FF2B5EF4-FFF2-40B4-BE49-F238E27FC236}">
-                <a16:creationId xmlns:a16="http://schemas.microsoft.com/office/drawing/2014/main" id="{258E359D-9017-455B-B7D2-D7B965F25950}"/>
-              </a:ext>
-            </a:extLst>
-          </p:cNvPr>
+          <p:cNvPr id="10" name="Title 9"/>
           <p:cNvSpPr>
             <a:spLocks noGrp="1"/>
           </p:cNvSpPr>
           <p:nvPr>
             <p:ph type="title"/>
+          </p:nvPr>
+        </p:nvSpPr>
+        <p:spPr/>
+        <p:txBody>
+          <a:bodyPr/>
+          <a:lstStyle/>
+          <a:p>
+            <a:r>
+              <a:rPr lang="hu-HU"/>
+              <a:t>Mintacím szerkesztése</a:t>
+            </a:r>
+            <a:endParaRPr lang="en-US" dirty="0"/>
+          </a:p>
+        </p:txBody>
+      </p:sp>
+      <p:sp>
+        <p:nvSpPr>
+          <p:cNvPr id="3" name="Text Placeholder 2"/>
+          <p:cNvSpPr>
+            <a:spLocks noGrp="1"/>
+          </p:cNvSpPr>
+          <p:nvPr>
+            <p:ph type="body" idx="1"/>
           </p:nvPr>
         </p:nvSpPr>
         <p:spPr>
           <a:xfrm>
-            <a:off x="839788" y="365125"/>
-            <a:ext cx="10515600" cy="1325563"/>
+            <a:off x="1143000" y="2001511"/>
+            <a:ext cx="4754880" cy="777240"/>
           </a:xfrm>
         </p:spPr>
         <p:txBody>
-          <a:bodyPr/>
-          <a:lstStyle/>
-          <a:p>
-            <a:r>
-              <a:rPr lang="hu-HU"/>
-              <a:t>Mintacím szerkesztése</a:t>
-            </a:r>
-          </a:p>
-        </p:txBody>
-      </p:sp>
-      <p:sp>
-        <p:nvSpPr>
-          <p:cNvPr id="3" name="Szöveg helye 2">
-            <a:extLst>
-              <a:ext uri="{FF2B5EF4-FFF2-40B4-BE49-F238E27FC236}">
-                <a16:creationId xmlns:a16="http://schemas.microsoft.com/office/drawing/2014/main" id="{25D54319-D419-430E-8A76-E1DE1AEBDE59}"/>
-              </a:ext>
-            </a:extLst>
-          </p:cNvPr>
-          <p:cNvSpPr>
-            <a:spLocks noGrp="1"/>
-          </p:cNvSpPr>
-          <p:nvPr>
-            <p:ph type="body" idx="1"/>
-          </p:nvPr>
-        </p:nvSpPr>
-        <p:spPr>
-          <a:xfrm>
-            <a:off x="839788" y="1681163"/>
-            <a:ext cx="5157787" cy="823912"/>
-          </a:xfrm>
-        </p:spPr>
-        <p:txBody>
-          <a:bodyPr anchor="b"/>
+          <a:bodyPr anchor="ctr"/>
           <a:lstStyle>
             <a:lvl1pPr marL="0" indent="0">
+              <a:spcBef>
+                <a:spcPts val="0"/>
+              </a:spcBef>
               <a:buNone/>
               <a:defRPr sz="2400" b="1"/>
             </a:lvl1pPr>
@@ -1615,13 +1649,7 @@
       </p:sp>
       <p:sp>
         <p:nvSpPr>
-          <p:cNvPr id="4" name="Tartalom helye 3">
-            <a:extLst>
-              <a:ext uri="{FF2B5EF4-FFF2-40B4-BE49-F238E27FC236}">
-                <a16:creationId xmlns:a16="http://schemas.microsoft.com/office/drawing/2014/main" id="{07AE81BE-2FAB-4798-8BB5-841B684B429B}"/>
-              </a:ext>
-            </a:extLst>
-          </p:cNvPr>
+          <p:cNvPr id="4" name="Content Placeholder 3"/>
           <p:cNvSpPr>
             <a:spLocks noGrp="1"/>
           </p:cNvSpPr>
@@ -1631,13 +1659,41 @@
         </p:nvSpPr>
         <p:spPr>
           <a:xfrm>
-            <a:off x="839788" y="2505075"/>
-            <a:ext cx="5157787" cy="3684588"/>
+            <a:off x="1143000" y="2721483"/>
+            <a:ext cx="4754880" cy="3383280"/>
           </a:xfrm>
         </p:spPr>
         <p:txBody>
           <a:bodyPr/>
-          <a:lstStyle/>
+          <a:lstStyle>
+            <a:lvl1pPr>
+              <a:defRPr sz="2200"/>
+            </a:lvl1pPr>
+            <a:lvl2pPr>
+              <a:defRPr sz="2000"/>
+            </a:lvl2pPr>
+            <a:lvl3pPr>
+              <a:defRPr sz="1800"/>
+            </a:lvl3pPr>
+            <a:lvl4pPr>
+              <a:defRPr sz="1600"/>
+            </a:lvl4pPr>
+            <a:lvl5pPr>
+              <a:defRPr sz="1600"/>
+            </a:lvl5pPr>
+            <a:lvl6pPr>
+              <a:defRPr sz="1600"/>
+            </a:lvl6pPr>
+            <a:lvl7pPr>
+              <a:defRPr sz="1600"/>
+            </a:lvl7pPr>
+            <a:lvl8pPr>
+              <a:defRPr sz="1600"/>
+            </a:lvl8pPr>
+            <a:lvl9pPr>
+              <a:defRPr sz="1600"/>
+            </a:lvl9pPr>
+          </a:lstStyle>
           <a:p>
             <a:pPr lvl="0"/>
             <a:r>
@@ -1672,18 +1728,13 @@
               <a:rPr lang="hu-HU"/>
               <a:t>Ötödik szint</a:t>
             </a:r>
-          </a:p>
-        </p:txBody>
-      </p:sp>
-      <p:sp>
-        <p:nvSpPr>
-          <p:cNvPr id="5" name="Szöveg helye 4">
-            <a:extLst>
-              <a:ext uri="{FF2B5EF4-FFF2-40B4-BE49-F238E27FC236}">
-                <a16:creationId xmlns:a16="http://schemas.microsoft.com/office/drawing/2014/main" id="{C3B6E03C-EA6E-4C45-8DF8-B841B63830F4}"/>
-              </a:ext>
-            </a:extLst>
-          </p:cNvPr>
+            <a:endParaRPr lang="en-US" dirty="0"/>
+          </a:p>
+        </p:txBody>
+      </p:sp>
+      <p:sp>
+        <p:nvSpPr>
+          <p:cNvPr id="5" name="Text Placeholder 4"/>
           <p:cNvSpPr>
             <a:spLocks noGrp="1"/>
           </p:cNvSpPr>
@@ -1693,14 +1744,17 @@
         </p:nvSpPr>
         <p:spPr>
           <a:xfrm>
-            <a:off x="6172200" y="1681163"/>
-            <a:ext cx="5183188" cy="823912"/>
+            <a:off x="6269173" y="1999032"/>
+            <a:ext cx="4754880" cy="777240"/>
           </a:xfrm>
         </p:spPr>
         <p:txBody>
-          <a:bodyPr anchor="b"/>
+          <a:bodyPr anchor="ctr"/>
           <a:lstStyle>
             <a:lvl1pPr marL="0" indent="0">
+              <a:spcBef>
+                <a:spcPts val="0"/>
+              </a:spcBef>
               <a:buNone/>
               <a:defRPr sz="2400" b="1"/>
             </a:lvl1pPr>
@@ -1748,13 +1802,7 @@
       </p:sp>
       <p:sp>
         <p:nvSpPr>
-          <p:cNvPr id="6" name="Tartalom helye 5">
-            <a:extLst>
-              <a:ext uri="{FF2B5EF4-FFF2-40B4-BE49-F238E27FC236}">
-                <a16:creationId xmlns:a16="http://schemas.microsoft.com/office/drawing/2014/main" id="{00F2E49A-534C-4E7E-8B9F-1A98631D791D}"/>
-              </a:ext>
-            </a:extLst>
-          </p:cNvPr>
+          <p:cNvPr id="6" name="Content Placeholder 5"/>
           <p:cNvSpPr>
             <a:spLocks noGrp="1"/>
           </p:cNvSpPr>
@@ -1764,13 +1812,41 @@
         </p:nvSpPr>
         <p:spPr>
           <a:xfrm>
-            <a:off x="6172200" y="2505075"/>
-            <a:ext cx="5183188" cy="3684588"/>
+            <a:off x="6269173" y="2719322"/>
+            <a:ext cx="4754880" cy="3383280"/>
           </a:xfrm>
         </p:spPr>
         <p:txBody>
           <a:bodyPr/>
-          <a:lstStyle/>
+          <a:lstStyle>
+            <a:lvl1pPr>
+              <a:defRPr sz="2200"/>
+            </a:lvl1pPr>
+            <a:lvl2pPr>
+              <a:defRPr sz="2000"/>
+            </a:lvl2pPr>
+            <a:lvl3pPr>
+              <a:defRPr sz="1800"/>
+            </a:lvl3pPr>
+            <a:lvl4pPr>
+              <a:defRPr sz="1600"/>
+            </a:lvl4pPr>
+            <a:lvl5pPr>
+              <a:defRPr sz="1600"/>
+            </a:lvl5pPr>
+            <a:lvl6pPr>
+              <a:defRPr sz="1600"/>
+            </a:lvl6pPr>
+            <a:lvl7pPr>
+              <a:defRPr sz="1600"/>
+            </a:lvl7pPr>
+            <a:lvl8pPr>
+              <a:defRPr sz="1600"/>
+            </a:lvl8pPr>
+            <a:lvl9pPr>
+              <a:defRPr sz="1600"/>
+            </a:lvl9pPr>
+          </a:lstStyle>
           <a:p>
             <a:pPr lvl="0"/>
             <a:r>
@@ -1805,18 +1881,13 @@
               <a:rPr lang="hu-HU"/>
               <a:t>Ötödik szint</a:t>
             </a:r>
-          </a:p>
-        </p:txBody>
-      </p:sp>
-      <p:sp>
-        <p:nvSpPr>
-          <p:cNvPr id="7" name="Dátum helye 6">
-            <a:extLst>
-              <a:ext uri="{FF2B5EF4-FFF2-40B4-BE49-F238E27FC236}">
-                <a16:creationId xmlns:a16="http://schemas.microsoft.com/office/drawing/2014/main" id="{77849358-FF56-442F-8282-ED8DDE84D68E}"/>
-              </a:ext>
-            </a:extLst>
-          </p:cNvPr>
+            <a:endParaRPr lang="en-US" dirty="0"/>
+          </a:p>
+        </p:txBody>
+      </p:sp>
+      <p:sp>
+        <p:nvSpPr>
+          <p:cNvPr id="7" name="Date Placeholder 6"/>
           <p:cNvSpPr>
             <a:spLocks noGrp="1"/>
           </p:cNvSpPr>
@@ -1831,7 +1902,7 @@
           <a:p>
             <a:fld id="{D4820401-CAE8-4D21-B24A-939B439B92ED}" type="datetimeFigureOut">
               <a:rPr lang="hu-HU" smtClean="0"/>
-              <a:t>2025.04.02.</a:t>
+              <a:t>2025.05.14.</a:t>
             </a:fld>
             <a:endParaRPr lang="hu-HU"/>
           </a:p>
@@ -1839,13 +1910,7 @@
       </p:sp>
       <p:sp>
         <p:nvSpPr>
-          <p:cNvPr id="8" name="Élőláb helye 7">
-            <a:extLst>
-              <a:ext uri="{FF2B5EF4-FFF2-40B4-BE49-F238E27FC236}">
-                <a16:creationId xmlns:a16="http://schemas.microsoft.com/office/drawing/2014/main" id="{F55A1649-E8BA-441B-9EBC-5E2232161133}"/>
-              </a:ext>
-            </a:extLst>
-          </p:cNvPr>
+          <p:cNvPr id="8" name="Footer Placeholder 7"/>
           <p:cNvSpPr>
             <a:spLocks noGrp="1"/>
           </p:cNvSpPr>
@@ -1864,13 +1929,7 @@
       </p:sp>
       <p:sp>
         <p:nvSpPr>
-          <p:cNvPr id="9" name="Dia számának helye 8">
-            <a:extLst>
-              <a:ext uri="{FF2B5EF4-FFF2-40B4-BE49-F238E27FC236}">
-                <a16:creationId xmlns:a16="http://schemas.microsoft.com/office/drawing/2014/main" id="{2432331C-2620-48B5-AC5A-FB33AFCD132E}"/>
-              </a:ext>
-            </a:extLst>
-          </p:cNvPr>
+          <p:cNvPr id="9" name="Slide Number Placeholder 8"/>
           <p:cNvSpPr>
             <a:spLocks noGrp="1"/>
           </p:cNvSpPr>
@@ -1894,7 +1953,7 @@
     </p:spTree>
     <p:extLst>
       <p:ext uri="{BB962C8B-B14F-4D97-AF65-F5344CB8AC3E}">
-        <p14:creationId xmlns:p14="http://schemas.microsoft.com/office/powerpoint/2010/main" val="717947955"/>
+        <p14:creationId xmlns:p14="http://schemas.microsoft.com/office/powerpoint/2010/main" val="2550526392"/>
       </p:ext>
     </p:extLst>
   </p:cSld>
@@ -1923,13 +1982,7 @@
       </p:grpSpPr>
       <p:sp>
         <p:nvSpPr>
-          <p:cNvPr id="2" name="Cím 1">
-            <a:extLst>
-              <a:ext uri="{FF2B5EF4-FFF2-40B4-BE49-F238E27FC236}">
-                <a16:creationId xmlns:a16="http://schemas.microsoft.com/office/drawing/2014/main" id="{248D8D1A-D068-48AB-8386-E1A2123F4DF4}"/>
-              </a:ext>
-            </a:extLst>
-          </p:cNvPr>
+          <p:cNvPr id="2" name="Title 1"/>
           <p:cNvSpPr>
             <a:spLocks noGrp="1"/>
           </p:cNvSpPr>
@@ -1946,18 +1999,13 @@
               <a:rPr lang="hu-HU"/>
               <a:t>Mintacím szerkesztése</a:t>
             </a:r>
-          </a:p>
-        </p:txBody>
-      </p:sp>
-      <p:sp>
-        <p:nvSpPr>
-          <p:cNvPr id="3" name="Dátum helye 2">
-            <a:extLst>
-              <a:ext uri="{FF2B5EF4-FFF2-40B4-BE49-F238E27FC236}">
-                <a16:creationId xmlns:a16="http://schemas.microsoft.com/office/drawing/2014/main" id="{506A20EB-76D8-468D-B3CE-021AB1AF1C22}"/>
-              </a:ext>
-            </a:extLst>
-          </p:cNvPr>
+            <a:endParaRPr lang="en-US" dirty="0"/>
+          </a:p>
+        </p:txBody>
+      </p:sp>
+      <p:sp>
+        <p:nvSpPr>
+          <p:cNvPr id="3" name="Date Placeholder 2"/>
           <p:cNvSpPr>
             <a:spLocks noGrp="1"/>
           </p:cNvSpPr>
@@ -1972,7 +2020,7 @@
           <a:p>
             <a:fld id="{D4820401-CAE8-4D21-B24A-939B439B92ED}" type="datetimeFigureOut">
               <a:rPr lang="hu-HU" smtClean="0"/>
-              <a:t>2025.04.02.</a:t>
+              <a:t>2025.05.14.</a:t>
             </a:fld>
             <a:endParaRPr lang="hu-HU"/>
           </a:p>
@@ -1980,13 +2028,7 @@
       </p:sp>
       <p:sp>
         <p:nvSpPr>
-          <p:cNvPr id="4" name="Élőláb helye 3">
-            <a:extLst>
-              <a:ext uri="{FF2B5EF4-FFF2-40B4-BE49-F238E27FC236}">
-                <a16:creationId xmlns:a16="http://schemas.microsoft.com/office/drawing/2014/main" id="{E340FC21-FC62-452F-B8E9-15601E561CB5}"/>
-              </a:ext>
-            </a:extLst>
-          </p:cNvPr>
+          <p:cNvPr id="4" name="Footer Placeholder 3"/>
           <p:cNvSpPr>
             <a:spLocks noGrp="1"/>
           </p:cNvSpPr>
@@ -2005,13 +2047,7 @@
       </p:sp>
       <p:sp>
         <p:nvSpPr>
-          <p:cNvPr id="5" name="Dia számának helye 4">
-            <a:extLst>
-              <a:ext uri="{FF2B5EF4-FFF2-40B4-BE49-F238E27FC236}">
-                <a16:creationId xmlns:a16="http://schemas.microsoft.com/office/drawing/2014/main" id="{428241F7-F461-4322-A146-F37D91F03647}"/>
-              </a:ext>
-            </a:extLst>
-          </p:cNvPr>
+          <p:cNvPr id="5" name="Slide Number Placeholder 4"/>
           <p:cNvSpPr>
             <a:spLocks noGrp="1"/>
           </p:cNvSpPr>
@@ -2035,7 +2071,7 @@
     </p:spTree>
     <p:extLst>
       <p:ext uri="{BB962C8B-B14F-4D97-AF65-F5344CB8AC3E}">
-        <p14:creationId xmlns:p14="http://schemas.microsoft.com/office/powerpoint/2010/main" val="3741900230"/>
+        <p14:creationId xmlns:p14="http://schemas.microsoft.com/office/powerpoint/2010/main" val="2323987305"/>
       </p:ext>
     </p:extLst>
   </p:cSld>
@@ -2064,13 +2100,7 @@
       </p:grpSpPr>
       <p:sp>
         <p:nvSpPr>
-          <p:cNvPr id="2" name="Dátum helye 1">
-            <a:extLst>
-              <a:ext uri="{FF2B5EF4-FFF2-40B4-BE49-F238E27FC236}">
-                <a16:creationId xmlns:a16="http://schemas.microsoft.com/office/drawing/2014/main" id="{975B4641-8999-4714-A472-33AA8DD96A2A}"/>
-              </a:ext>
-            </a:extLst>
-          </p:cNvPr>
+          <p:cNvPr id="2" name="Date Placeholder 1"/>
           <p:cNvSpPr>
             <a:spLocks noGrp="1"/>
           </p:cNvSpPr>
@@ -2085,7 +2115,7 @@
           <a:p>
             <a:fld id="{D4820401-CAE8-4D21-B24A-939B439B92ED}" type="datetimeFigureOut">
               <a:rPr lang="hu-HU" smtClean="0"/>
-              <a:t>2025.04.02.</a:t>
+              <a:t>2025.05.14.</a:t>
             </a:fld>
             <a:endParaRPr lang="hu-HU"/>
           </a:p>
@@ -2093,13 +2123,7 @@
       </p:sp>
       <p:sp>
         <p:nvSpPr>
-          <p:cNvPr id="3" name="Élőláb helye 2">
-            <a:extLst>
-              <a:ext uri="{FF2B5EF4-FFF2-40B4-BE49-F238E27FC236}">
-                <a16:creationId xmlns:a16="http://schemas.microsoft.com/office/drawing/2014/main" id="{45CFA6DF-85DA-492A-8974-D05005A127E1}"/>
-              </a:ext>
-            </a:extLst>
-          </p:cNvPr>
+          <p:cNvPr id="3" name="Footer Placeholder 2"/>
           <p:cNvSpPr>
             <a:spLocks noGrp="1"/>
           </p:cNvSpPr>
@@ -2118,13 +2142,7 @@
       </p:sp>
       <p:sp>
         <p:nvSpPr>
-          <p:cNvPr id="4" name="Dia számának helye 3">
-            <a:extLst>
-              <a:ext uri="{FF2B5EF4-FFF2-40B4-BE49-F238E27FC236}">
-                <a16:creationId xmlns:a16="http://schemas.microsoft.com/office/drawing/2014/main" id="{D04B080A-67CC-4043-9824-6C865F90453E}"/>
-              </a:ext>
-            </a:extLst>
-          </p:cNvPr>
+          <p:cNvPr id="4" name="Slide Number Placeholder 3"/>
           <p:cNvSpPr>
             <a:spLocks noGrp="1"/>
           </p:cNvSpPr>
@@ -2148,7 +2166,7 @@
     </p:spTree>
     <p:extLst>
       <p:ext uri="{BB962C8B-B14F-4D97-AF65-F5344CB8AC3E}">
-        <p14:creationId xmlns:p14="http://schemas.microsoft.com/office/powerpoint/2010/main" val="337992703"/>
+        <p14:creationId xmlns:p14="http://schemas.microsoft.com/office/powerpoint/2010/main" val="441487667"/>
       </p:ext>
     </p:extLst>
   </p:cSld>
@@ -2177,13 +2195,7 @@
       </p:grpSpPr>
       <p:sp>
         <p:nvSpPr>
-          <p:cNvPr id="2" name="Cím 1">
-            <a:extLst>
-              <a:ext uri="{FF2B5EF4-FFF2-40B4-BE49-F238E27FC236}">
-                <a16:creationId xmlns:a16="http://schemas.microsoft.com/office/drawing/2014/main" id="{814EBFE9-9409-4276-9BA8-3F6E526327FF}"/>
-              </a:ext>
-            </a:extLst>
-          </p:cNvPr>
+          <p:cNvPr id="2" name="Title 1"/>
           <p:cNvSpPr>
             <a:spLocks noGrp="1"/>
           </p:cNvSpPr>
@@ -2193,15 +2205,20 @@
         </p:nvSpPr>
         <p:spPr>
           <a:xfrm>
-            <a:off x="839788" y="457200"/>
-            <a:ext cx="3932237" cy="1600200"/>
+            <a:off x="1143000" y="1097280"/>
+            <a:ext cx="3931920" cy="1737360"/>
           </a:xfrm>
         </p:spPr>
         <p:txBody>
-          <a:bodyPr anchor="b"/>
+          <a:bodyPr anchor="b">
+            <a:noAutofit/>
+          </a:bodyPr>
           <a:lstStyle>
             <a:lvl1pPr>
-              <a:defRPr sz="3200"/>
+              <a:lnSpc>
+                <a:spcPct val="90000"/>
+              </a:lnSpc>
+              <a:defRPr sz="4000" b="0"/>
             </a:lvl1pPr>
           </a:lstStyle>
           <a:p>
@@ -2209,18 +2226,13 @@
               <a:rPr lang="hu-HU"/>
               <a:t>Mintacím szerkesztése</a:t>
             </a:r>
-          </a:p>
-        </p:txBody>
-      </p:sp>
-      <p:sp>
-        <p:nvSpPr>
-          <p:cNvPr id="3" name="Tartalom helye 2">
-            <a:extLst>
-              <a:ext uri="{FF2B5EF4-FFF2-40B4-BE49-F238E27FC236}">
-                <a16:creationId xmlns:a16="http://schemas.microsoft.com/office/drawing/2014/main" id="{C91B52D6-D52D-41F3-B85F-8987F4EFC0DD}"/>
-              </a:ext>
-            </a:extLst>
-          </p:cNvPr>
+            <a:endParaRPr lang="en-US" dirty="0"/>
+          </a:p>
+        </p:txBody>
+      </p:sp>
+      <p:sp>
+        <p:nvSpPr>
+          <p:cNvPr id="3" name="Content Placeholder 2"/>
           <p:cNvSpPr>
             <a:spLocks noGrp="1"/>
           </p:cNvSpPr>
@@ -2230,8 +2242,8 @@
         </p:nvSpPr>
         <p:spPr>
           <a:xfrm>
-            <a:off x="5183188" y="987425"/>
-            <a:ext cx="6172200" cy="4873625"/>
+            <a:off x="5852159" y="1097280"/>
+            <a:ext cx="5212080" cy="4663440"/>
           </a:xfrm>
         </p:spPr>
         <p:txBody>
@@ -2299,18 +2311,13 @@
               <a:rPr lang="hu-HU"/>
               <a:t>Ötödik szint</a:t>
             </a:r>
-          </a:p>
-        </p:txBody>
-      </p:sp>
-      <p:sp>
-        <p:nvSpPr>
-          <p:cNvPr id="4" name="Szöveg helye 3">
-            <a:extLst>
-              <a:ext uri="{FF2B5EF4-FFF2-40B4-BE49-F238E27FC236}">
-                <a16:creationId xmlns:a16="http://schemas.microsoft.com/office/drawing/2014/main" id="{705626C6-F33F-4810-9126-105CD2864F2F}"/>
-              </a:ext>
-            </a:extLst>
-          </p:cNvPr>
+            <a:endParaRPr lang="en-US" dirty="0"/>
+          </a:p>
+        </p:txBody>
+      </p:sp>
+      <p:sp>
+        <p:nvSpPr>
+          <p:cNvPr id="4" name="Text Placeholder 3"/>
           <p:cNvSpPr>
             <a:spLocks noGrp="1"/>
           </p:cNvSpPr>
@@ -2320,48 +2327,56 @@
         </p:nvSpPr>
         <p:spPr>
           <a:xfrm>
-            <a:off x="839788" y="2057400"/>
-            <a:ext cx="3932237" cy="3811588"/>
+            <a:off x="1143000" y="2834640"/>
+            <a:ext cx="3931920" cy="3017520"/>
           </a:xfrm>
         </p:spPr>
         <p:txBody>
-          <a:bodyPr/>
+          <a:bodyPr>
+            <a:normAutofit/>
+          </a:bodyPr>
           <a:lstStyle>
             <a:lvl1pPr marL="0" indent="0">
-              <a:buNone/>
-              <a:defRPr sz="1600"/>
+              <a:lnSpc>
+                <a:spcPct val="100000"/>
+              </a:lnSpc>
+              <a:spcBef>
+                <a:spcPts val="1000"/>
+              </a:spcBef>
+              <a:buNone/>
+              <a:defRPr sz="1700"/>
             </a:lvl1pPr>
             <a:lvl2pPr marL="457200" indent="0">
               <a:buNone/>
-              <a:defRPr sz="1400"/>
+              <a:defRPr sz="1200"/>
             </a:lvl2pPr>
             <a:lvl3pPr marL="914400" indent="0">
               <a:buNone/>
-              <a:defRPr sz="1200"/>
+              <a:defRPr sz="1000"/>
             </a:lvl3pPr>
             <a:lvl4pPr marL="1371600" indent="0">
               <a:buNone/>
-              <a:defRPr sz="1000"/>
+              <a:defRPr sz="900"/>
             </a:lvl4pPr>
             <a:lvl5pPr marL="1828800" indent="0">
               <a:buNone/>
-              <a:defRPr sz="1000"/>
+              <a:defRPr sz="900"/>
             </a:lvl5pPr>
             <a:lvl6pPr marL="2286000" indent="0">
               <a:buNone/>
-              <a:defRPr sz="1000"/>
+              <a:defRPr sz="900"/>
             </a:lvl6pPr>
             <a:lvl7pPr marL="2743200" indent="0">
               <a:buNone/>
-              <a:defRPr sz="1000"/>
+              <a:defRPr sz="900"/>
             </a:lvl7pPr>
             <a:lvl8pPr marL="3200400" indent="0">
               <a:buNone/>
-              <a:defRPr sz="1000"/>
+              <a:defRPr sz="900"/>
             </a:lvl8pPr>
             <a:lvl9pPr marL="3657600" indent="0">
               <a:buNone/>
-              <a:defRPr sz="1000"/>
+              <a:defRPr sz="900"/>
             </a:lvl9pPr>
           </a:lstStyle>
           <a:p>
@@ -2375,13 +2390,7 @@
       </p:sp>
       <p:sp>
         <p:nvSpPr>
-          <p:cNvPr id="5" name="Dátum helye 4">
-            <a:extLst>
-              <a:ext uri="{FF2B5EF4-FFF2-40B4-BE49-F238E27FC236}">
-                <a16:creationId xmlns:a16="http://schemas.microsoft.com/office/drawing/2014/main" id="{04F7C91F-7192-450B-94AF-69B45574A8F2}"/>
-              </a:ext>
-            </a:extLst>
-          </p:cNvPr>
+          <p:cNvPr id="5" name="Date Placeholder 4"/>
           <p:cNvSpPr>
             <a:spLocks noGrp="1"/>
           </p:cNvSpPr>
@@ -2396,7 +2405,7 @@
           <a:p>
             <a:fld id="{D4820401-CAE8-4D21-B24A-939B439B92ED}" type="datetimeFigureOut">
               <a:rPr lang="hu-HU" smtClean="0"/>
-              <a:t>2025.04.02.</a:t>
+              <a:t>2025.05.14.</a:t>
             </a:fld>
             <a:endParaRPr lang="hu-HU"/>
           </a:p>
@@ -2404,13 +2413,7 @@
       </p:sp>
       <p:sp>
         <p:nvSpPr>
-          <p:cNvPr id="6" name="Élőláb helye 5">
-            <a:extLst>
-              <a:ext uri="{FF2B5EF4-FFF2-40B4-BE49-F238E27FC236}">
-                <a16:creationId xmlns:a16="http://schemas.microsoft.com/office/drawing/2014/main" id="{2495764F-4E6F-46AC-A961-936945483C07}"/>
-              </a:ext>
-            </a:extLst>
-          </p:cNvPr>
+          <p:cNvPr id="6" name="Footer Placeholder 5"/>
           <p:cNvSpPr>
             <a:spLocks noGrp="1"/>
           </p:cNvSpPr>
@@ -2429,13 +2432,7 @@
       </p:sp>
       <p:sp>
         <p:nvSpPr>
-          <p:cNvPr id="7" name="Dia számának helye 6">
-            <a:extLst>
-              <a:ext uri="{FF2B5EF4-FFF2-40B4-BE49-F238E27FC236}">
-                <a16:creationId xmlns:a16="http://schemas.microsoft.com/office/drawing/2014/main" id="{666A0DCC-13A0-4F95-A162-0D6896B80BF6}"/>
-              </a:ext>
-            </a:extLst>
-          </p:cNvPr>
+          <p:cNvPr id="7" name="Slide Number Placeholder 6"/>
           <p:cNvSpPr>
             <a:spLocks noGrp="1"/>
           </p:cNvSpPr>
@@ -2459,7 +2456,7 @@
     </p:spTree>
     <p:extLst>
       <p:ext uri="{BB962C8B-B14F-4D97-AF65-F5344CB8AC3E}">
-        <p14:creationId xmlns:p14="http://schemas.microsoft.com/office/powerpoint/2010/main" val="520462834"/>
+        <p14:creationId xmlns:p14="http://schemas.microsoft.com/office/powerpoint/2010/main" val="1096954947"/>
       </p:ext>
     </p:extLst>
   </p:cSld>
@@ -2488,13 +2485,7 @@
       </p:grpSpPr>
       <p:sp>
         <p:nvSpPr>
-          <p:cNvPr id="2" name="Cím 1">
-            <a:extLst>
-              <a:ext uri="{FF2B5EF4-FFF2-40B4-BE49-F238E27FC236}">
-                <a16:creationId xmlns:a16="http://schemas.microsoft.com/office/drawing/2014/main" id="{89B8F148-D14B-493E-8BF2-75A084164BA8}"/>
-              </a:ext>
-            </a:extLst>
-          </p:cNvPr>
+          <p:cNvPr id="2" name="Title 1"/>
           <p:cNvSpPr>
             <a:spLocks noGrp="1"/>
           </p:cNvSpPr>
@@ -2504,15 +2495,20 @@
         </p:nvSpPr>
         <p:spPr>
           <a:xfrm>
-            <a:off x="839788" y="457200"/>
-            <a:ext cx="3932237" cy="1600200"/>
+            <a:off x="1143000" y="1097280"/>
+            <a:ext cx="3931920" cy="1737360"/>
           </a:xfrm>
         </p:spPr>
         <p:txBody>
-          <a:bodyPr anchor="b"/>
+          <a:bodyPr anchor="b">
+            <a:noAutofit/>
+          </a:bodyPr>
           <a:lstStyle>
             <a:lvl1pPr>
-              <a:defRPr sz="3200"/>
+              <a:lnSpc>
+                <a:spcPct val="90000"/>
+              </a:lnSpc>
+              <a:defRPr sz="4000" b="0"/>
             </a:lvl1pPr>
           </a:lstStyle>
           <a:p>
@@ -2520,20 +2516,15 @@
               <a:rPr lang="hu-HU"/>
               <a:t>Mintacím szerkesztése</a:t>
             </a:r>
-          </a:p>
-        </p:txBody>
-      </p:sp>
-      <p:sp>
-        <p:nvSpPr>
-          <p:cNvPr id="3" name="Kép helye 2">
-            <a:extLst>
-              <a:ext uri="{FF2B5EF4-FFF2-40B4-BE49-F238E27FC236}">
-                <a16:creationId xmlns:a16="http://schemas.microsoft.com/office/drawing/2014/main" id="{FC0D2AFE-6DFD-4B46-BD4A-D32CE9CB0A12}"/>
-              </a:ext>
-            </a:extLst>
-          </p:cNvPr>
-          <p:cNvSpPr>
-            <a:spLocks noGrp="1"/>
+            <a:endParaRPr lang="en-US" dirty="0"/>
+          </a:p>
+        </p:txBody>
+      </p:sp>
+      <p:sp>
+        <p:nvSpPr>
+          <p:cNvPr id="3" name="Picture Placeholder 2"/>
+          <p:cNvSpPr>
+            <a:spLocks noGrp="1" noChangeAspect="1"/>
           </p:cNvSpPr>
           <p:nvPr>
             <p:ph type="pic" idx="1"/>
@@ -2541,16 +2532,18 @@
         </p:nvSpPr>
         <p:spPr>
           <a:xfrm>
-            <a:off x="5183188" y="987425"/>
-            <a:ext cx="6172200" cy="4873625"/>
+            <a:off x="5413248" y="1069847"/>
+            <a:ext cx="6099048" cy="4800600"/>
           </a:xfrm>
         </p:spPr>
         <p:txBody>
-          <a:bodyPr/>
+          <a:bodyPr lIns="274320" tIns="182880" anchor="t">
+            <a:normAutofit/>
+          </a:bodyPr>
           <a:lstStyle>
             <a:lvl1pPr marL="0" indent="0">
               <a:buNone/>
-              <a:defRPr sz="3200"/>
+              <a:defRPr sz="2800"/>
             </a:lvl1pPr>
             <a:lvl2pPr marL="457200" indent="0">
               <a:buNone/>
@@ -2586,19 +2579,17 @@
             </a:lvl9pPr>
           </a:lstStyle>
           <a:p>
-            <a:endParaRPr lang="hu-HU"/>
-          </a:p>
-        </p:txBody>
-      </p:sp>
-      <p:sp>
-        <p:nvSpPr>
-          <p:cNvPr id="4" name="Szöveg helye 3">
-            <a:extLst>
-              <a:ext uri="{FF2B5EF4-FFF2-40B4-BE49-F238E27FC236}">
-                <a16:creationId xmlns:a16="http://schemas.microsoft.com/office/drawing/2014/main" id="{10749454-A4D5-4E1D-9B04-18B556C434F4}"/>
-              </a:ext>
-            </a:extLst>
-          </p:cNvPr>
+            <a:r>
+              <a:rPr lang="hu-HU"/>
+              <a:t>Kép beszúrásához kattintson az ikonra</a:t>
+            </a:r>
+            <a:endParaRPr lang="en-US" dirty="0"/>
+          </a:p>
+        </p:txBody>
+      </p:sp>
+      <p:sp>
+        <p:nvSpPr>
+          <p:cNvPr id="4" name="Text Placeholder 3"/>
           <p:cNvSpPr>
             <a:spLocks noGrp="1"/>
           </p:cNvSpPr>
@@ -2608,48 +2599,56 @@
         </p:nvSpPr>
         <p:spPr>
           <a:xfrm>
-            <a:off x="839788" y="2057400"/>
-            <a:ext cx="3932237" cy="3811588"/>
+            <a:off x="1143000" y="2834640"/>
+            <a:ext cx="3931920" cy="2880360"/>
           </a:xfrm>
         </p:spPr>
         <p:txBody>
-          <a:bodyPr/>
+          <a:bodyPr>
+            <a:normAutofit/>
+          </a:bodyPr>
           <a:lstStyle>
             <a:lvl1pPr marL="0" indent="0">
-              <a:buNone/>
-              <a:defRPr sz="1600"/>
+              <a:lnSpc>
+                <a:spcPct val="100000"/>
+              </a:lnSpc>
+              <a:spcBef>
+                <a:spcPts val="1000"/>
+              </a:spcBef>
+              <a:buNone/>
+              <a:defRPr sz="1700"/>
             </a:lvl1pPr>
             <a:lvl2pPr marL="457200" indent="0">
               <a:buNone/>
-              <a:defRPr sz="1400"/>
+              <a:defRPr sz="1200"/>
             </a:lvl2pPr>
             <a:lvl3pPr marL="914400" indent="0">
               <a:buNone/>
-              <a:defRPr sz="1200"/>
+              <a:defRPr sz="1000"/>
             </a:lvl3pPr>
             <a:lvl4pPr marL="1371600" indent="0">
               <a:buNone/>
-              <a:defRPr sz="1000"/>
+              <a:defRPr sz="900"/>
             </a:lvl4pPr>
             <a:lvl5pPr marL="1828800" indent="0">
               <a:buNone/>
-              <a:defRPr sz="1000"/>
+              <a:defRPr sz="900"/>
             </a:lvl5pPr>
             <a:lvl6pPr marL="2286000" indent="0">
               <a:buNone/>
-              <a:defRPr sz="1000"/>
+              <a:defRPr sz="900"/>
             </a:lvl6pPr>
             <a:lvl7pPr marL="2743200" indent="0">
               <a:buNone/>
-              <a:defRPr sz="1000"/>
+              <a:defRPr sz="900"/>
             </a:lvl7pPr>
             <a:lvl8pPr marL="3200400" indent="0">
               <a:buNone/>
-              <a:defRPr sz="1000"/>
+              <a:defRPr sz="900"/>
             </a:lvl8pPr>
             <a:lvl9pPr marL="3657600" indent="0">
               <a:buNone/>
-              <a:defRPr sz="1000"/>
+              <a:defRPr sz="900"/>
             </a:lvl9pPr>
           </a:lstStyle>
           <a:p>
@@ -2663,13 +2662,7 @@
       </p:sp>
       <p:sp>
         <p:nvSpPr>
-          <p:cNvPr id="5" name="Dátum helye 4">
-            <a:extLst>
-              <a:ext uri="{FF2B5EF4-FFF2-40B4-BE49-F238E27FC236}">
-                <a16:creationId xmlns:a16="http://schemas.microsoft.com/office/drawing/2014/main" id="{4F378B66-A186-4542-BF19-9A7003147199}"/>
-              </a:ext>
-            </a:extLst>
-          </p:cNvPr>
+          <p:cNvPr id="5" name="Date Placeholder 4"/>
           <p:cNvSpPr>
             <a:spLocks noGrp="1"/>
           </p:cNvSpPr>
@@ -2684,7 +2677,7 @@
           <a:p>
             <a:fld id="{D4820401-CAE8-4D21-B24A-939B439B92ED}" type="datetimeFigureOut">
               <a:rPr lang="hu-HU" smtClean="0"/>
-              <a:t>2025.04.02.</a:t>
+              <a:t>2025.05.14.</a:t>
             </a:fld>
             <a:endParaRPr lang="hu-HU"/>
           </a:p>
@@ -2692,13 +2685,7 @@
       </p:sp>
       <p:sp>
         <p:nvSpPr>
-          <p:cNvPr id="6" name="Élőláb helye 5">
-            <a:extLst>
-              <a:ext uri="{FF2B5EF4-FFF2-40B4-BE49-F238E27FC236}">
-                <a16:creationId xmlns:a16="http://schemas.microsoft.com/office/drawing/2014/main" id="{E28D663F-02DE-4E84-8759-09938C721CE2}"/>
-              </a:ext>
-            </a:extLst>
-          </p:cNvPr>
+          <p:cNvPr id="6" name="Footer Placeholder 5"/>
           <p:cNvSpPr>
             <a:spLocks noGrp="1"/>
           </p:cNvSpPr>
@@ -2717,13 +2704,7 @@
       </p:sp>
       <p:sp>
         <p:nvSpPr>
-          <p:cNvPr id="7" name="Dia számának helye 6">
-            <a:extLst>
-              <a:ext uri="{FF2B5EF4-FFF2-40B4-BE49-F238E27FC236}">
-                <a16:creationId xmlns:a16="http://schemas.microsoft.com/office/drawing/2014/main" id="{3FEC338D-962F-426B-AB9B-37749A807748}"/>
-              </a:ext>
-            </a:extLst>
-          </p:cNvPr>
+          <p:cNvPr id="7" name="Slide Number Placeholder 6"/>
           <p:cNvSpPr>
             <a:spLocks noGrp="1"/>
           </p:cNvSpPr>
@@ -2747,7 +2728,7 @@
     </p:spTree>
     <p:extLst>
       <p:ext uri="{BB962C8B-B14F-4D97-AF65-F5344CB8AC3E}">
-        <p14:creationId xmlns:p14="http://schemas.microsoft.com/office/powerpoint/2010/main" val="2039526924"/>
+        <p14:creationId xmlns:p14="http://schemas.microsoft.com/office/powerpoint/2010/main" val="3746023661"/>
       </p:ext>
     </p:extLst>
   </p:cSld>
@@ -2761,9 +2742,12 @@
 <p:sldMaster xmlns:a="http://schemas.openxmlformats.org/drawingml/2006/main" xmlns:r="http://schemas.openxmlformats.org/officeDocument/2006/relationships" xmlns:p="http://schemas.openxmlformats.org/presentationml/2006/main">
   <p:cSld>
     <p:bg>
-      <p:bgRef idx="1001">
-        <a:schemeClr val="bg1"/>
-      </p:bgRef>
+      <p:bgPr>
+        <a:solidFill>
+          <a:schemeClr val="accent1"/>
+        </a:solidFill>
+        <a:effectLst/>
+      </p:bgPr>
     </p:bg>
     <p:spTree>
       <p:nvGrpSpPr>
@@ -2781,24 +2765,58 @@
       </p:grpSpPr>
       <p:sp>
         <p:nvSpPr>
-          <p:cNvPr id="2" name="Cím helye 1">
-            <a:extLst>
-              <a:ext uri="{FF2B5EF4-FFF2-40B4-BE49-F238E27FC236}">
-                <a16:creationId xmlns:a16="http://schemas.microsoft.com/office/drawing/2014/main" id="{3AA99087-4AAE-4BC9-B0DA-B17508E515F7}"/>
-              </a:ext>
-            </a:extLst>
-          </p:cNvPr>
-          <p:cNvSpPr>
-            <a:spLocks noGrp="1"/>
-          </p:cNvSpPr>
-          <p:nvPr>
-            <p:ph type="title"/>
-          </p:nvPr>
+          <p:cNvPr id="7" name="Rectangle 6"/>
+          <p:cNvSpPr>
+            <a:spLocks noChangeAspect="1"/>
+          </p:cNvSpPr>
+          <p:nvPr/>
         </p:nvSpPr>
         <p:spPr>
           <a:xfrm>
-            <a:off x="838200" y="365125"/>
-            <a:ext cx="10515600" cy="1325563"/>
+            <a:off x="231140" y="243840"/>
+            <a:ext cx="11724640" cy="6377939"/>
+          </a:xfrm>
+          <a:prstGeom prst="rect">
+            <a:avLst/>
+          </a:prstGeom>
+          <a:solidFill>
+            <a:schemeClr val="bg1"/>
+          </a:solidFill>
+          <a:ln w="12700">
+            <a:noFill/>
+          </a:ln>
+        </p:spPr>
+        <p:style>
+          <a:lnRef idx="2">
+            <a:schemeClr val="accent1">
+              <a:shade val="50000"/>
+            </a:schemeClr>
+          </a:lnRef>
+          <a:fillRef idx="1">
+            <a:schemeClr val="accent1"/>
+          </a:fillRef>
+          <a:effectRef idx="0">
+            <a:schemeClr val="accent1"/>
+          </a:effectRef>
+          <a:fontRef idx="minor">
+            <a:schemeClr val="lt1"/>
+          </a:fontRef>
+        </p:style>
+      </p:sp>
+      <p:sp>
+        <p:nvSpPr>
+          <p:cNvPr id="2" name="Title Placeholder 1"/>
+          <p:cNvSpPr>
+            <a:spLocks noGrp="1"/>
+          </p:cNvSpPr>
+          <p:nvPr>
+            <p:ph type="title"/>
+          </p:nvPr>
+        </p:nvSpPr>
+        <p:spPr>
+          <a:xfrm>
+            <a:off x="1143000" y="609600"/>
+            <a:ext cx="9875520" cy="1356360"/>
           </a:xfrm>
           <a:prstGeom prst="rect">
             <a:avLst/>
@@ -2814,18 +2832,13 @@
               <a:rPr lang="hu-HU"/>
               <a:t>Mintacím szerkesztése</a:t>
             </a:r>
-          </a:p>
-        </p:txBody>
-      </p:sp>
-      <p:sp>
-        <p:nvSpPr>
-          <p:cNvPr id="3" name="Szöveg helye 2">
-            <a:extLst>
-              <a:ext uri="{FF2B5EF4-FFF2-40B4-BE49-F238E27FC236}">
-                <a16:creationId xmlns:a16="http://schemas.microsoft.com/office/drawing/2014/main" id="{5DCFFA9E-E1C7-4D10-A8C1-DF86DC124B32}"/>
-              </a:ext>
-            </a:extLst>
-          </p:cNvPr>
+            <a:endParaRPr lang="en-US" dirty="0"/>
+          </a:p>
+        </p:txBody>
+      </p:sp>
+      <p:sp>
+        <p:nvSpPr>
+          <p:cNvPr id="3" name="Text Placeholder 2"/>
           <p:cNvSpPr>
             <a:spLocks noGrp="1"/>
           </p:cNvSpPr>
@@ -2835,8 +2848,8 @@
         </p:nvSpPr>
         <p:spPr>
           <a:xfrm>
-            <a:off x="838200" y="1825625"/>
-            <a:ext cx="10515600" cy="4351338"/>
+            <a:off x="1143000" y="2057400"/>
+            <a:ext cx="9872871" cy="4038600"/>
           </a:xfrm>
           <a:prstGeom prst="rect">
             <a:avLst/>
@@ -2881,18 +2894,13 @@
               <a:rPr lang="hu-HU"/>
               <a:t>Ötödik szint</a:t>
             </a:r>
-          </a:p>
-        </p:txBody>
-      </p:sp>
-      <p:sp>
-        <p:nvSpPr>
-          <p:cNvPr id="4" name="Dátum helye 3">
-            <a:extLst>
-              <a:ext uri="{FF2B5EF4-FFF2-40B4-BE49-F238E27FC236}">
-                <a16:creationId xmlns:a16="http://schemas.microsoft.com/office/drawing/2014/main" id="{99D1E010-00E6-4A31-AF89-483E35358B66}"/>
-              </a:ext>
-            </a:extLst>
-          </p:cNvPr>
+            <a:endParaRPr lang="en-US" dirty="0"/>
+          </a:p>
+        </p:txBody>
+      </p:sp>
+      <p:sp>
+        <p:nvSpPr>
+          <p:cNvPr id="4" name="Date Placeholder 3"/>
           <p:cNvSpPr>
             <a:spLocks noGrp="1"/>
           </p:cNvSpPr>
@@ -2902,8 +2910,8 @@
         </p:nvSpPr>
         <p:spPr>
           <a:xfrm>
-            <a:off x="838200" y="6356350"/>
-            <a:ext cx="2743200" cy="365125"/>
+            <a:off x="1142996" y="6223828"/>
+            <a:ext cx="2329074" cy="365125"/>
           </a:xfrm>
           <a:prstGeom prst="rect">
             <a:avLst/>
@@ -2915,9 +2923,7 @@
             <a:lvl1pPr algn="l">
               <a:defRPr sz="1200">
                 <a:solidFill>
-                  <a:schemeClr val="tx1">
-                    <a:tint val="75000"/>
-                  </a:schemeClr>
+                  <a:schemeClr val="accent1"/>
                 </a:solidFill>
               </a:defRPr>
             </a:lvl1pPr>
@@ -2925,7 +2931,7 @@
           <a:p>
             <a:fld id="{D4820401-CAE8-4D21-B24A-939B439B92ED}" type="datetimeFigureOut">
               <a:rPr lang="hu-HU" smtClean="0"/>
-              <a:t>2025.04.02.</a:t>
+              <a:t>2025.05.14.</a:t>
             </a:fld>
             <a:endParaRPr lang="hu-HU"/>
           </a:p>
@@ -2933,13 +2939,7 @@
       </p:sp>
       <p:sp>
         <p:nvSpPr>
-          <p:cNvPr id="5" name="Élőláb helye 4">
-            <a:extLst>
-              <a:ext uri="{FF2B5EF4-FFF2-40B4-BE49-F238E27FC236}">
-                <a16:creationId xmlns:a16="http://schemas.microsoft.com/office/drawing/2014/main" id="{217E4730-D903-4CA3-BA3C-C5B385C0FC74}"/>
-              </a:ext>
-            </a:extLst>
-          </p:cNvPr>
+          <p:cNvPr id="5" name="Footer Placeholder 4"/>
           <p:cNvSpPr>
             <a:spLocks noGrp="1"/>
           </p:cNvSpPr>
@@ -2949,8 +2949,8 @@
         </p:nvSpPr>
         <p:spPr>
           <a:xfrm>
-            <a:off x="4038600" y="6356350"/>
-            <a:ext cx="4114800" cy="365125"/>
+            <a:off x="3949148" y="6223828"/>
+            <a:ext cx="4717774" cy="365125"/>
           </a:xfrm>
           <a:prstGeom prst="rect">
             <a:avLst/>
@@ -2962,9 +2962,7 @@
             <a:lvl1pPr algn="ctr">
               <a:defRPr sz="1200">
                 <a:solidFill>
-                  <a:schemeClr val="tx1">
-                    <a:tint val="75000"/>
-                  </a:schemeClr>
+                  <a:schemeClr val="accent1"/>
                 </a:solidFill>
               </a:defRPr>
             </a:lvl1pPr>
@@ -2976,13 +2974,7 @@
       </p:sp>
       <p:sp>
         <p:nvSpPr>
-          <p:cNvPr id="6" name="Dia számának helye 5">
-            <a:extLst>
-              <a:ext uri="{FF2B5EF4-FFF2-40B4-BE49-F238E27FC236}">
-                <a16:creationId xmlns:a16="http://schemas.microsoft.com/office/drawing/2014/main" id="{FA7F682D-4B5A-44F1-8A05-F26F8E1E4C52}"/>
-              </a:ext>
-            </a:extLst>
-          </p:cNvPr>
+          <p:cNvPr id="6" name="Slide Number Placeholder 5"/>
           <p:cNvSpPr>
             <a:spLocks noGrp="1"/>
           </p:cNvSpPr>
@@ -2992,8 +2984,8 @@
         </p:nvSpPr>
         <p:spPr>
           <a:xfrm>
-            <a:off x="8610600" y="6356350"/>
-            <a:ext cx="2743200" cy="365125"/>
+            <a:off x="9329530" y="6223828"/>
+            <a:ext cx="1706217" cy="365125"/>
           </a:xfrm>
           <a:prstGeom prst="rect">
             <a:avLst/>
@@ -3005,9 +2997,7 @@
             <a:lvl1pPr algn="r">
               <a:defRPr sz="1200">
                 <a:solidFill>
-                  <a:schemeClr val="tx1">
-                    <a:tint val="75000"/>
-                  </a:schemeClr>
+                  <a:schemeClr val="accent1"/>
                 </a:solidFill>
               </a:defRPr>
             </a:lvl1pPr>
@@ -3024,23 +3014,23 @@
     </p:spTree>
     <p:extLst>
       <p:ext uri="{BB962C8B-B14F-4D97-AF65-F5344CB8AC3E}">
-        <p14:creationId xmlns:p14="http://schemas.microsoft.com/office/powerpoint/2010/main" val="347579243"/>
+        <p14:creationId xmlns:p14="http://schemas.microsoft.com/office/powerpoint/2010/main" val="891761139"/>
       </p:ext>
     </p:extLst>
   </p:cSld>
   <p:clrMap bg1="lt1" tx1="dk1" bg2="lt2" tx2="dk2" accent1="accent1" accent2="accent2" accent3="accent3" accent4="accent4" accent5="accent5" accent6="accent6" hlink="hlink" folHlink="folHlink"/>
   <p:sldLayoutIdLst>
-    <p:sldLayoutId id="2147483649" r:id="rId1"/>
-    <p:sldLayoutId id="2147483650" r:id="rId2"/>
-    <p:sldLayoutId id="2147483651" r:id="rId3"/>
-    <p:sldLayoutId id="2147483652" r:id="rId4"/>
-    <p:sldLayoutId id="2147483653" r:id="rId5"/>
-    <p:sldLayoutId id="2147483654" r:id="rId6"/>
-    <p:sldLayoutId id="2147483655" r:id="rId7"/>
-    <p:sldLayoutId id="2147483656" r:id="rId8"/>
-    <p:sldLayoutId id="2147483657" r:id="rId9"/>
-    <p:sldLayoutId id="2147483658" r:id="rId10"/>
-    <p:sldLayoutId id="2147483659" r:id="rId11"/>
+    <p:sldLayoutId id="2147483661" r:id="rId1"/>
+    <p:sldLayoutId id="2147483662" r:id="rId2"/>
+    <p:sldLayoutId id="2147483663" r:id="rId3"/>
+    <p:sldLayoutId id="2147483664" r:id="rId4"/>
+    <p:sldLayoutId id="2147483665" r:id="rId5"/>
+    <p:sldLayoutId id="2147483666" r:id="rId6"/>
+    <p:sldLayoutId id="2147483667" r:id="rId7"/>
+    <p:sldLayoutId id="2147483668" r:id="rId8"/>
+    <p:sldLayoutId id="2147483669" r:id="rId9"/>
+    <p:sldLayoutId id="2147483670" r:id="rId10"/>
+    <p:sldLayoutId id="2147483671" r:id="rId11"/>
   </p:sldLayoutIdLst>
   <p:txStyles>
     <p:titleStyle>
@@ -3054,7 +3044,7 @@
         <a:buNone/>
         <a:defRPr sz="4400" kern="1200">
           <a:solidFill>
-            <a:schemeClr val="tx1"/>
+            <a:schemeClr val="accent1"/>
           </a:solidFill>
           <a:latin typeface="+mj-lt"/>
           <a:ea typeface="+mj-ea"/>
@@ -3063,162 +3053,222 @@
       </a:lvl1pPr>
     </p:titleStyle>
     <p:bodyStyle>
-      <a:lvl1pPr marL="228600" indent="-228600" algn="l" defTabSz="914400" rtl="0" eaLnBrk="1" latinLnBrk="0" hangingPunct="1">
+      <a:lvl1pPr marL="228600" indent="-182880" algn="l" defTabSz="914400" rtl="0" eaLnBrk="1" latinLnBrk="0" hangingPunct="1">
         <a:lnSpc>
           <a:spcPct val="90000"/>
         </a:lnSpc>
         <a:spcBef>
-          <a:spcPts val="1000"/>
+          <a:spcPts val="1400"/>
         </a:spcBef>
-        <a:buFont typeface="Arial" panose="020B0604020202020204" pitchFamily="34" charset="0"/>
+        <a:buClr>
+          <a:schemeClr val="accent1"/>
+        </a:buClr>
+        <a:buSzPct val="80000"/>
+        <a:buFont typeface="Corbel" pitchFamily="34" charset="0"/>
         <a:buChar char="•"/>
-        <a:defRPr sz="2800" kern="1200">
+        <a:defRPr sz="2200" kern="1200">
           <a:solidFill>
-            <a:schemeClr val="tx1"/>
+            <a:schemeClr val="accent1"/>
           </a:solidFill>
           <a:latin typeface="+mn-lt"/>
           <a:ea typeface="+mn-ea"/>
           <a:cs typeface="+mn-cs"/>
         </a:defRPr>
       </a:lvl1pPr>
-      <a:lvl2pPr marL="685800" indent="-228600" algn="l" defTabSz="914400" rtl="0" eaLnBrk="1" latinLnBrk="0" hangingPunct="1">
+      <a:lvl2pPr marL="457200" indent="-182880" algn="l" defTabSz="914400" rtl="0" eaLnBrk="1" latinLnBrk="0" hangingPunct="1">
         <a:lnSpc>
           <a:spcPct val="90000"/>
         </a:lnSpc>
         <a:spcBef>
-          <a:spcPts val="500"/>
+          <a:spcPts val="200"/>
         </a:spcBef>
-        <a:buFont typeface="Arial" panose="020B0604020202020204" pitchFamily="34" charset="0"/>
+        <a:spcAft>
+          <a:spcPts val="400"/>
+        </a:spcAft>
+        <a:buClr>
+          <a:schemeClr val="accent1"/>
+        </a:buClr>
+        <a:buSzPct val="80000"/>
+        <a:buFont typeface="Corbel" pitchFamily="34" charset="0"/>
         <a:buChar char="•"/>
-        <a:defRPr sz="2400" kern="1200">
+        <a:defRPr sz="2000" kern="1200">
           <a:solidFill>
-            <a:schemeClr val="tx1"/>
+            <a:schemeClr val="accent1"/>
           </a:solidFill>
           <a:latin typeface="+mn-lt"/>
           <a:ea typeface="+mn-ea"/>
           <a:cs typeface="+mn-cs"/>
         </a:defRPr>
       </a:lvl2pPr>
-      <a:lvl3pPr marL="1143000" indent="-228600" algn="l" defTabSz="914400" rtl="0" eaLnBrk="1" latinLnBrk="0" hangingPunct="1">
+      <a:lvl3pPr marL="731520" indent="-182880" algn="l" defTabSz="914400" rtl="0" eaLnBrk="1" latinLnBrk="0" hangingPunct="1">
         <a:lnSpc>
           <a:spcPct val="90000"/>
         </a:lnSpc>
         <a:spcBef>
-          <a:spcPts val="500"/>
+          <a:spcPts val="200"/>
         </a:spcBef>
-        <a:buFont typeface="Arial" panose="020B0604020202020204" pitchFamily="34" charset="0"/>
+        <a:spcAft>
+          <a:spcPts val="400"/>
+        </a:spcAft>
+        <a:buClr>
+          <a:schemeClr val="accent1"/>
+        </a:buClr>
+        <a:buSzPct val="80000"/>
+        <a:buFont typeface="Corbel" pitchFamily="34" charset="0"/>
         <a:buChar char="•"/>
-        <a:defRPr sz="2000" kern="1200">
+        <a:defRPr sz="1800" kern="1200">
           <a:solidFill>
-            <a:schemeClr val="tx1"/>
+            <a:schemeClr val="accent1"/>
           </a:solidFill>
           <a:latin typeface="+mn-lt"/>
           <a:ea typeface="+mn-ea"/>
           <a:cs typeface="+mn-cs"/>
         </a:defRPr>
       </a:lvl3pPr>
-      <a:lvl4pPr marL="1600200" indent="-228600" algn="l" defTabSz="914400" rtl="0" eaLnBrk="1" latinLnBrk="0" hangingPunct="1">
+      <a:lvl4pPr marL="1005840" indent="-182880" algn="l" defTabSz="914400" rtl="0" eaLnBrk="1" latinLnBrk="0" hangingPunct="1">
         <a:lnSpc>
           <a:spcPct val="90000"/>
         </a:lnSpc>
         <a:spcBef>
-          <a:spcPts val="500"/>
+          <a:spcPts val="200"/>
         </a:spcBef>
-        <a:buFont typeface="Arial" panose="020B0604020202020204" pitchFamily="34" charset="0"/>
+        <a:spcAft>
+          <a:spcPts val="400"/>
+        </a:spcAft>
+        <a:buClr>
+          <a:schemeClr val="accent1"/>
+        </a:buClr>
+        <a:buSzPct val="80000"/>
+        <a:buFont typeface="Corbel" pitchFamily="34" charset="0"/>
         <a:buChar char="•"/>
-        <a:defRPr sz="1800" kern="1200">
+        <a:defRPr sz="1600" kern="1200">
           <a:solidFill>
-            <a:schemeClr val="tx1"/>
+            <a:schemeClr val="accent1"/>
           </a:solidFill>
           <a:latin typeface="+mn-lt"/>
           <a:ea typeface="+mn-ea"/>
           <a:cs typeface="+mn-cs"/>
         </a:defRPr>
       </a:lvl4pPr>
-      <a:lvl5pPr marL="2057400" indent="-228600" algn="l" defTabSz="914400" rtl="0" eaLnBrk="1" latinLnBrk="0" hangingPunct="1">
+      <a:lvl5pPr marL="1280160" indent="-182880" algn="l" defTabSz="914400" rtl="0" eaLnBrk="1" latinLnBrk="0" hangingPunct="1">
         <a:lnSpc>
           <a:spcPct val="90000"/>
         </a:lnSpc>
         <a:spcBef>
-          <a:spcPts val="500"/>
+          <a:spcPts val="200"/>
         </a:spcBef>
-        <a:buFont typeface="Arial" panose="020B0604020202020204" pitchFamily="34" charset="0"/>
+        <a:spcAft>
+          <a:spcPts val="400"/>
+        </a:spcAft>
+        <a:buClr>
+          <a:schemeClr val="accent1"/>
+        </a:buClr>
+        <a:buSzPct val="80000"/>
+        <a:buFont typeface="Corbel" pitchFamily="34" charset="0"/>
         <a:buChar char="•"/>
-        <a:defRPr sz="1800" kern="1200">
+        <a:defRPr sz="1600" kern="1200">
           <a:solidFill>
-            <a:schemeClr val="tx1"/>
+            <a:schemeClr val="accent1"/>
           </a:solidFill>
           <a:latin typeface="+mn-lt"/>
           <a:ea typeface="+mn-ea"/>
           <a:cs typeface="+mn-cs"/>
         </a:defRPr>
       </a:lvl5pPr>
-      <a:lvl6pPr marL="2514600" indent="-228600" algn="l" defTabSz="914400" rtl="0" eaLnBrk="1" latinLnBrk="0" hangingPunct="1">
+      <a:lvl6pPr marL="1600000" indent="-228600" algn="l" defTabSz="914400" rtl="0" eaLnBrk="1" latinLnBrk="0" hangingPunct="1">
         <a:lnSpc>
           <a:spcPct val="90000"/>
         </a:lnSpc>
         <a:spcBef>
-          <a:spcPts val="500"/>
+          <a:spcPts val="200"/>
         </a:spcBef>
-        <a:buFont typeface="Arial" panose="020B0604020202020204" pitchFamily="34" charset="0"/>
+        <a:spcAft>
+          <a:spcPts val="400"/>
+        </a:spcAft>
+        <a:buClr>
+          <a:schemeClr val="accent1"/>
+        </a:buClr>
+        <a:buSzPct val="80000"/>
+        <a:buFont typeface="Corbel" pitchFamily="34" charset="0"/>
         <a:buChar char="•"/>
-        <a:defRPr sz="1800" kern="1200">
+        <a:defRPr sz="1600" kern="1200">
           <a:solidFill>
-            <a:schemeClr val="tx1"/>
+            <a:schemeClr val="accent1"/>
           </a:solidFill>
           <a:latin typeface="+mn-lt"/>
           <a:ea typeface="+mn-ea"/>
           <a:cs typeface="+mn-cs"/>
         </a:defRPr>
       </a:lvl6pPr>
-      <a:lvl7pPr marL="2971800" indent="-228600" algn="l" defTabSz="914400" rtl="0" eaLnBrk="1" latinLnBrk="0" hangingPunct="1">
+      <a:lvl7pPr marL="1900000" indent="-228600" algn="l" defTabSz="914400" rtl="0" eaLnBrk="1" latinLnBrk="0" hangingPunct="1">
         <a:lnSpc>
           <a:spcPct val="90000"/>
         </a:lnSpc>
         <a:spcBef>
-          <a:spcPts val="500"/>
+          <a:spcPts val="200"/>
         </a:spcBef>
-        <a:buFont typeface="Arial" panose="020B0604020202020204" pitchFamily="34" charset="0"/>
+        <a:spcAft>
+          <a:spcPts val="400"/>
+        </a:spcAft>
+        <a:buClr>
+          <a:schemeClr val="accent1"/>
+        </a:buClr>
+        <a:buSzPct val="80000"/>
+        <a:buFont typeface="Corbel" pitchFamily="34" charset="0"/>
         <a:buChar char="•"/>
-        <a:defRPr sz="1800" kern="1200">
+        <a:defRPr sz="1600" kern="1200">
           <a:solidFill>
-            <a:schemeClr val="tx1"/>
+            <a:schemeClr val="accent1"/>
           </a:solidFill>
           <a:latin typeface="+mn-lt"/>
           <a:ea typeface="+mn-ea"/>
           <a:cs typeface="+mn-cs"/>
         </a:defRPr>
       </a:lvl7pPr>
-      <a:lvl8pPr marL="3429000" indent="-228600" algn="l" defTabSz="914400" rtl="0" eaLnBrk="1" latinLnBrk="0" hangingPunct="1">
+      <a:lvl8pPr marL="2200000" indent="-228600" algn="l" defTabSz="914400" rtl="0" eaLnBrk="1" latinLnBrk="0" hangingPunct="1">
         <a:lnSpc>
           <a:spcPct val="90000"/>
         </a:lnSpc>
         <a:spcBef>
-          <a:spcPts val="500"/>
+          <a:spcPts val="200"/>
         </a:spcBef>
-        <a:buFont typeface="Arial" panose="020B0604020202020204" pitchFamily="34" charset="0"/>
+        <a:spcAft>
+          <a:spcPts val="400"/>
+        </a:spcAft>
+        <a:buClr>
+          <a:schemeClr val="accent1"/>
+        </a:buClr>
+        <a:buSzPct val="80000"/>
+        <a:buFont typeface="Corbel" pitchFamily="34" charset="0"/>
         <a:buChar char="•"/>
-        <a:defRPr sz="1800" kern="1200">
+        <a:defRPr sz="1600" kern="1200">
           <a:solidFill>
-            <a:schemeClr val="tx1"/>
+            <a:schemeClr val="accent1"/>
           </a:solidFill>
           <a:latin typeface="+mn-lt"/>
           <a:ea typeface="+mn-ea"/>
           <a:cs typeface="+mn-cs"/>
         </a:defRPr>
       </a:lvl8pPr>
-      <a:lvl9pPr marL="3886200" indent="-228600" algn="l" defTabSz="914400" rtl="0" eaLnBrk="1" latinLnBrk="0" hangingPunct="1">
+      <a:lvl9pPr marL="2500000" indent="-228600" algn="l" defTabSz="914400" rtl="0" eaLnBrk="1" latinLnBrk="0" hangingPunct="1">
         <a:lnSpc>
           <a:spcPct val="90000"/>
         </a:lnSpc>
         <a:spcBef>
-          <a:spcPts val="500"/>
+          <a:spcPts val="200"/>
         </a:spcBef>
-        <a:buFont typeface="Arial" panose="020B0604020202020204" pitchFamily="34" charset="0"/>
+        <a:spcAft>
+          <a:spcPts val="400"/>
+        </a:spcAft>
+        <a:buClr>
+          <a:schemeClr val="accent1"/>
+        </a:buClr>
+        <a:buSzPct val="80000"/>
+        <a:buFont typeface="Corbel" pitchFamily="34" charset="0"/>
         <a:buChar char="•"/>
-        <a:defRPr sz="1800" kern="1200">
+        <a:defRPr sz="1600" kern="1200">
           <a:solidFill>
-            <a:schemeClr val="tx1"/>
+            <a:schemeClr val="accent1"/>
           </a:solidFill>
           <a:latin typeface="+mn-lt"/>
           <a:ea typeface="+mn-ea"/>
@@ -3228,7 +3278,7 @@
     </p:bodyStyle>
     <p:otherStyle>
       <a:defPPr>
-        <a:defRPr lang="hu-HU"/>
+        <a:defRPr lang="en-US"/>
       </a:defPPr>
       <a:lvl1pPr marL="0" algn="l" defTabSz="914400" rtl="0" eaLnBrk="1" latinLnBrk="0" hangingPunct="1">
         <a:defRPr sz="1800" kern="1200">
@@ -3474,22 +3524,42 @@
           <a:lstStyle/>
           <a:p>
             <a:r>
-              <a:rPr lang="hu-HU" dirty="0"/>
+              <a:rPr lang="hu-HU" dirty="0">
+                <a:solidFill>
+                  <a:schemeClr val="tx1"/>
+                </a:solidFill>
+              </a:rPr>
               <a:t>VI./1. A program bemutatása: </a:t>
             </a:r>
             <a:r>
-              <a:rPr lang="hu-HU" dirty="0" err="1"/>
+              <a:rPr lang="hu-HU" dirty="0" err="1">
+                <a:solidFill>
+                  <a:schemeClr val="tx1"/>
+                </a:solidFill>
+              </a:rPr>
               <a:t>Number</a:t>
             </a:r>
             <a:r>
-              <a:rPr lang="hu-HU" dirty="0"/>
+              <a:rPr lang="hu-HU" dirty="0">
+                <a:solidFill>
+                  <a:schemeClr val="tx1"/>
+                </a:solidFill>
+              </a:rPr>
               <a:t> </a:t>
             </a:r>
             <a:r>
-              <a:rPr lang="hu-HU" dirty="0" err="1"/>
+              <a:rPr lang="hu-HU" dirty="0" err="1">
+                <a:solidFill>
+                  <a:schemeClr val="tx1"/>
+                </a:solidFill>
+              </a:rPr>
               <a:t>Plate</a:t>
             </a:r>
-            <a:endParaRPr lang="hu-HU" dirty="0"/>
+            <a:endParaRPr lang="hu-HU" dirty="0">
+              <a:solidFill>
+                <a:schemeClr val="tx1"/>
+              </a:solidFill>
+            </a:endParaRPr>
           </a:p>
         </p:txBody>
       </p:sp>
@@ -3539,28 +3609,53 @@
             <p:ph type="title"/>
           </p:nvPr>
         </p:nvSpPr>
-        <p:spPr/>
-        <p:txBody>
-          <a:bodyPr/>
-          <a:lstStyle/>
-          <a:p>
-            <a:r>
-              <a:rPr lang="hu-HU" dirty="0"/>
+        <p:spPr>
+          <a:xfrm>
+            <a:off x="838200" y="188957"/>
+            <a:ext cx="10515600" cy="775778"/>
+          </a:xfrm>
+        </p:spPr>
+        <p:txBody>
+          <a:bodyPr/>
+          <a:lstStyle/>
+          <a:p>
+            <a:r>
+              <a:rPr lang="hu-HU" dirty="0">
+                <a:solidFill>
+                  <a:schemeClr val="tx1"/>
+                </a:solidFill>
+              </a:rPr>
               <a:t>IV./2. A kód felépítése: </a:t>
             </a:r>
             <a:r>
-              <a:rPr lang="hu-HU" dirty="0" err="1"/>
+              <a:rPr lang="hu-HU" dirty="0" err="1">
+                <a:solidFill>
+                  <a:schemeClr val="tx1"/>
+                </a:solidFill>
+              </a:rPr>
               <a:t>Virtual</a:t>
             </a:r>
             <a:r>
-              <a:rPr lang="hu-HU" dirty="0"/>
+              <a:rPr lang="hu-HU" dirty="0">
+                <a:solidFill>
+                  <a:schemeClr val="tx1"/>
+                </a:solidFill>
+              </a:rPr>
               <a:t> </a:t>
             </a:r>
             <a:r>
-              <a:rPr lang="hu-HU" dirty="0" err="1"/>
+              <a:rPr lang="hu-HU" dirty="0" err="1">
+                <a:solidFill>
+                  <a:schemeClr val="tx1"/>
+                </a:solidFill>
+              </a:rPr>
               <a:t>Paint</a:t>
             </a:r>
-            <a:endParaRPr lang="hu-HU" dirty="0"/>
+            <a:endParaRPr lang="hu-HU" dirty="0">
+              <a:solidFill>
+                <a:schemeClr val="tx1"/>
+              </a:solidFill>
+            </a:endParaRPr>
           </a:p>
         </p:txBody>
       </p:sp>
@@ -3580,7 +3675,12 @@
             <p:ph idx="1"/>
           </p:nvPr>
         </p:nvSpPr>
-        <p:spPr/>
+        <p:spPr>
+          <a:xfrm>
+            <a:off x="251669" y="1048624"/>
+            <a:ext cx="11593585" cy="5478011"/>
+          </a:xfrm>
+        </p:spPr>
         <p:txBody>
           <a:bodyPr/>
           <a:lstStyle/>
@@ -3588,10 +3688,44 @@
             <a:pPr marL="0" indent="0">
               <a:buNone/>
             </a:pPr>
-            <a:endParaRPr lang="hu-HU" sz="2000" dirty="0"/>
-          </a:p>
-        </p:txBody>
-      </p:sp>
+            <a:endParaRPr lang="hu-HU" sz="2000" dirty="0">
+              <a:solidFill>
+                <a:schemeClr val="tx1"/>
+              </a:solidFill>
+            </a:endParaRPr>
+          </a:p>
+        </p:txBody>
+      </p:sp>
+      <p:pic>
+        <p:nvPicPr>
+          <p:cNvPr id="4" name="Kép 3">
+            <a:extLst>
+              <a:ext uri="{FF2B5EF4-FFF2-40B4-BE49-F238E27FC236}">
+                <a16:creationId xmlns:a16="http://schemas.microsoft.com/office/drawing/2014/main" id="{EC2F09EB-07BB-41FE-A240-0AD5654AED88}"/>
+              </a:ext>
+            </a:extLst>
+          </p:cNvPr>
+          <p:cNvPicPr>
+            <a:picLocks noChangeAspect="1"/>
+          </p:cNvPicPr>
+          <p:nvPr/>
+        </p:nvPicPr>
+        <p:blipFill>
+          <a:blip r:embed="rId2"/>
+          <a:stretch>
+            <a:fillRect/>
+          </a:stretch>
+        </p:blipFill>
+        <p:spPr>
+          <a:xfrm>
+            <a:off x="8602298" y="2541514"/>
+            <a:ext cx="3409950" cy="4191000"/>
+          </a:xfrm>
+          <a:prstGeom prst="rect">
+            <a:avLst/>
+          </a:prstGeom>
+        </p:spPr>
+      </p:pic>
     </p:spTree>
     <p:extLst>
       <p:ext uri="{BB962C8B-B14F-4D97-AF65-F5344CB8AC3E}">
@@ -3627,7 +3761,7 @@
           <p:cNvPr id="2" name="Cím 1">
             <a:extLst>
               <a:ext uri="{FF2B5EF4-FFF2-40B4-BE49-F238E27FC236}">
-                <a16:creationId xmlns:a16="http://schemas.microsoft.com/office/drawing/2014/main" id="{E0DD5D40-8763-41C4-8208-0C59F7F9F081}"/>
+                <a16:creationId xmlns:a16="http://schemas.microsoft.com/office/drawing/2014/main" id="{ABF6E776-CB94-401F-B692-B113727CF24B}"/>
               </a:ext>
             </a:extLst>
           </p:cNvPr>
@@ -3638,28 +3772,53 @@
             <p:ph type="title"/>
           </p:nvPr>
         </p:nvSpPr>
-        <p:spPr/>
-        <p:txBody>
-          <a:bodyPr/>
-          <a:lstStyle/>
-          <a:p>
-            <a:r>
-              <a:rPr lang="hu-HU" dirty="0"/>
-              <a:t>V./2. A kód tesztelése: </a:t>
-            </a:r>
-            <a:r>
-              <a:rPr lang="hu-HU" dirty="0" err="1"/>
+        <p:spPr>
+          <a:xfrm>
+            <a:off x="838200" y="188957"/>
+            <a:ext cx="10515600" cy="775778"/>
+          </a:xfrm>
+        </p:spPr>
+        <p:txBody>
+          <a:bodyPr/>
+          <a:lstStyle/>
+          <a:p>
+            <a:r>
+              <a:rPr lang="hu-HU" dirty="0">
+                <a:solidFill>
+                  <a:schemeClr val="tx1"/>
+                </a:solidFill>
+              </a:rPr>
+              <a:t>IV./2. A kód felépítése: </a:t>
+            </a:r>
+            <a:r>
+              <a:rPr lang="hu-HU" dirty="0" err="1">
+                <a:solidFill>
+                  <a:schemeClr val="tx1"/>
+                </a:solidFill>
+              </a:rPr>
               <a:t>Virtual</a:t>
             </a:r>
             <a:r>
-              <a:rPr lang="hu-HU" dirty="0"/>
+              <a:rPr lang="hu-HU" dirty="0">
+                <a:solidFill>
+                  <a:schemeClr val="tx1"/>
+                </a:solidFill>
+              </a:rPr>
               <a:t> </a:t>
             </a:r>
             <a:r>
-              <a:rPr lang="hu-HU" dirty="0" err="1"/>
+              <a:rPr lang="hu-HU" dirty="0" err="1">
+                <a:solidFill>
+                  <a:schemeClr val="tx1"/>
+                </a:solidFill>
+              </a:rPr>
               <a:t>Paint</a:t>
             </a:r>
-            <a:endParaRPr lang="hu-HU" dirty="0"/>
+            <a:endParaRPr lang="hu-HU" dirty="0">
+              <a:solidFill>
+                <a:schemeClr val="tx1"/>
+              </a:solidFill>
+            </a:endParaRPr>
           </a:p>
         </p:txBody>
       </p:sp>
@@ -3668,7 +3827,7 @@
           <p:cNvPr id="3" name="Tartalom helye 2">
             <a:extLst>
               <a:ext uri="{FF2B5EF4-FFF2-40B4-BE49-F238E27FC236}">
-                <a16:creationId xmlns:a16="http://schemas.microsoft.com/office/drawing/2014/main" id="{82E699DC-6788-4057-B750-15F8C6987D7B}"/>
+                <a16:creationId xmlns:a16="http://schemas.microsoft.com/office/drawing/2014/main" id="{8419D700-375A-43E4-B510-0675E5D4A0B3}"/>
               </a:ext>
             </a:extLst>
           </p:cNvPr>
@@ -3679,7 +3838,12 @@
             <p:ph idx="1"/>
           </p:nvPr>
         </p:nvSpPr>
-        <p:spPr/>
+        <p:spPr>
+          <a:xfrm>
+            <a:off x="251669" y="1048624"/>
+            <a:ext cx="11593585" cy="5478011"/>
+          </a:xfrm>
+        </p:spPr>
         <p:txBody>
           <a:bodyPr/>
           <a:lstStyle/>
@@ -3687,27 +3851,48 @@
             <a:pPr marL="0" indent="0">
               <a:buNone/>
             </a:pPr>
-            <a:r>
-              <a:rPr lang="hu-HU" sz="3000" dirty="0"/>
-              <a:t>Tesztelési</a:t>
-            </a:r>
-            <a:r>
-              <a:rPr lang="hu-HU" dirty="0"/>
-              <a:t> lehetőségek:</a:t>
-            </a:r>
-          </a:p>
-          <a:p>
-            <a:pPr marL="0" indent="0">
-              <a:buNone/>
-            </a:pPr>
-            <a:endParaRPr lang="hu-HU" sz="2000" dirty="0"/>
-          </a:p>
-        </p:txBody>
-      </p:sp>
+            <a:endParaRPr lang="hu-HU" sz="2000" dirty="0">
+              <a:solidFill>
+                <a:schemeClr val="tx1"/>
+              </a:solidFill>
+            </a:endParaRPr>
+          </a:p>
+        </p:txBody>
+      </p:sp>
+      <p:pic>
+        <p:nvPicPr>
+          <p:cNvPr id="6" name="Kép 5">
+            <a:extLst>
+              <a:ext uri="{FF2B5EF4-FFF2-40B4-BE49-F238E27FC236}">
+                <a16:creationId xmlns:a16="http://schemas.microsoft.com/office/drawing/2014/main" id="{29B8787E-5F66-4581-9B1B-DD0452391601}"/>
+              </a:ext>
+            </a:extLst>
+          </p:cNvPr>
+          <p:cNvPicPr>
+            <a:picLocks noChangeAspect="1"/>
+          </p:cNvPicPr>
+          <p:nvPr/>
+        </p:nvPicPr>
+        <p:blipFill>
+          <a:blip r:embed="rId2"/>
+          <a:stretch>
+            <a:fillRect/>
+          </a:stretch>
+        </p:blipFill>
+        <p:spPr>
+          <a:xfrm>
+            <a:off x="5230929" y="3833770"/>
+            <a:ext cx="6737194" cy="2835274"/>
+          </a:xfrm>
+          <a:prstGeom prst="rect">
+            <a:avLst/>
+          </a:prstGeom>
+        </p:spPr>
+      </p:pic>
     </p:spTree>
     <p:extLst>
       <p:ext uri="{BB962C8B-B14F-4D97-AF65-F5344CB8AC3E}">
-        <p14:creationId xmlns:p14="http://schemas.microsoft.com/office/powerpoint/2010/main" val="3958957942"/>
+        <p14:creationId xmlns:p14="http://schemas.microsoft.com/office/powerpoint/2010/main" val="3970166676"/>
       </p:ext>
     </p:extLst>
   </p:cSld>
@@ -3739,7 +3924,7 @@
           <p:cNvPr id="2" name="Cím 1">
             <a:extLst>
               <a:ext uri="{FF2B5EF4-FFF2-40B4-BE49-F238E27FC236}">
-                <a16:creationId xmlns:a16="http://schemas.microsoft.com/office/drawing/2014/main" id="{3FDC4E5B-FB26-48E0-9918-873EEECC8BF7}"/>
+                <a16:creationId xmlns:a16="http://schemas.microsoft.com/office/drawing/2014/main" id="{ABF6E776-CB94-401F-B692-B113727CF24B}"/>
               </a:ext>
             </a:extLst>
           </p:cNvPr>
@@ -3750,35 +3935,127 @@
             <p:ph type="title"/>
           </p:nvPr>
         </p:nvSpPr>
-        <p:spPr/>
-        <p:txBody>
-          <a:bodyPr/>
-          <a:lstStyle/>
-          <a:p>
-            <a:r>
-              <a:rPr lang="hu-HU" dirty="0"/>
-              <a:t>VI./2. A program bemutatása: </a:t>
-            </a:r>
-            <a:r>
-              <a:rPr lang="hu-HU" dirty="0" err="1"/>
+        <p:spPr>
+          <a:xfrm>
+            <a:off x="838200" y="188957"/>
+            <a:ext cx="10515600" cy="775778"/>
+          </a:xfrm>
+        </p:spPr>
+        <p:txBody>
+          <a:bodyPr/>
+          <a:lstStyle/>
+          <a:p>
+            <a:r>
+              <a:rPr lang="hu-HU" dirty="0">
+                <a:solidFill>
+                  <a:schemeClr val="tx1"/>
+                </a:solidFill>
+              </a:rPr>
+              <a:t>IV./2. A kód felépítése: </a:t>
+            </a:r>
+            <a:r>
+              <a:rPr lang="hu-HU" dirty="0" err="1">
+                <a:solidFill>
+                  <a:schemeClr val="tx1"/>
+                </a:solidFill>
+              </a:rPr>
               <a:t>Virtual</a:t>
             </a:r>
             <a:r>
-              <a:rPr lang="hu-HU" dirty="0"/>
+              <a:rPr lang="hu-HU" dirty="0">
+                <a:solidFill>
+                  <a:schemeClr val="tx1"/>
+                </a:solidFill>
+              </a:rPr>
               <a:t> </a:t>
             </a:r>
             <a:r>
-              <a:rPr lang="hu-HU" dirty="0" err="1"/>
+              <a:rPr lang="hu-HU" dirty="0" err="1">
+                <a:solidFill>
+                  <a:schemeClr val="tx1"/>
+                </a:solidFill>
+              </a:rPr>
               <a:t>Paint</a:t>
             </a:r>
-            <a:endParaRPr lang="hu-HU" dirty="0"/>
-          </a:p>
-        </p:txBody>
-      </p:sp>
+            <a:endParaRPr lang="hu-HU" dirty="0">
+              <a:solidFill>
+                <a:schemeClr val="tx1"/>
+              </a:solidFill>
+            </a:endParaRPr>
+          </a:p>
+        </p:txBody>
+      </p:sp>
+      <p:sp>
+        <p:nvSpPr>
+          <p:cNvPr id="3" name="Tartalom helye 2">
+            <a:extLst>
+              <a:ext uri="{FF2B5EF4-FFF2-40B4-BE49-F238E27FC236}">
+                <a16:creationId xmlns:a16="http://schemas.microsoft.com/office/drawing/2014/main" id="{8419D700-375A-43E4-B510-0675E5D4A0B3}"/>
+              </a:ext>
+            </a:extLst>
+          </p:cNvPr>
+          <p:cNvSpPr>
+            <a:spLocks noGrp="1"/>
+          </p:cNvSpPr>
+          <p:nvPr>
+            <p:ph idx="1"/>
+          </p:nvPr>
+        </p:nvSpPr>
+        <p:spPr>
+          <a:xfrm>
+            <a:off x="251669" y="1048624"/>
+            <a:ext cx="11593585" cy="5478011"/>
+          </a:xfrm>
+        </p:spPr>
+        <p:txBody>
+          <a:bodyPr/>
+          <a:lstStyle/>
+          <a:p>
+            <a:pPr marL="0" indent="0">
+              <a:buNone/>
+            </a:pPr>
+            <a:endParaRPr lang="hu-HU" sz="2000" dirty="0">
+              <a:solidFill>
+                <a:schemeClr val="tx1"/>
+              </a:solidFill>
+            </a:endParaRPr>
+          </a:p>
+        </p:txBody>
+      </p:sp>
+      <p:pic>
+        <p:nvPicPr>
+          <p:cNvPr id="4" name="Kép 3">
+            <a:extLst>
+              <a:ext uri="{FF2B5EF4-FFF2-40B4-BE49-F238E27FC236}">
+                <a16:creationId xmlns:a16="http://schemas.microsoft.com/office/drawing/2014/main" id="{58C3D86C-0A20-4744-94AA-FA6827788DC9}"/>
+              </a:ext>
+            </a:extLst>
+          </p:cNvPr>
+          <p:cNvPicPr>
+            <a:picLocks noChangeAspect="1"/>
+          </p:cNvPicPr>
+          <p:nvPr/>
+        </p:nvPicPr>
+        <p:blipFill>
+          <a:blip r:embed="rId2"/>
+          <a:stretch>
+            <a:fillRect/>
+          </a:stretch>
+        </p:blipFill>
+        <p:spPr>
+          <a:xfrm>
+            <a:off x="3780463" y="3900886"/>
+            <a:ext cx="8232571" cy="2768157"/>
+          </a:xfrm>
+          <a:prstGeom prst="rect">
+            <a:avLst/>
+          </a:prstGeom>
+        </p:spPr>
+      </p:pic>
     </p:spTree>
     <p:extLst>
       <p:ext uri="{BB962C8B-B14F-4D97-AF65-F5344CB8AC3E}">
-        <p14:creationId xmlns:p14="http://schemas.microsoft.com/office/powerpoint/2010/main" val="2001072669"/>
+        <p14:creationId xmlns:p14="http://schemas.microsoft.com/office/powerpoint/2010/main" val="3090354953"/>
       </p:ext>
     </p:extLst>
   </p:cSld>
@@ -3810,7 +4087,7 @@
           <p:cNvPr id="2" name="Cím 1">
             <a:extLst>
               <a:ext uri="{FF2B5EF4-FFF2-40B4-BE49-F238E27FC236}">
-                <a16:creationId xmlns:a16="http://schemas.microsoft.com/office/drawing/2014/main" id="{BDBE8540-4F9A-45E6-88B4-103B1CB47234}"/>
+                <a16:creationId xmlns:a16="http://schemas.microsoft.com/office/drawing/2014/main" id="{ABF6E776-CB94-401F-B692-B113727CF24B}"/>
               </a:ext>
             </a:extLst>
           </p:cNvPr>
@@ -3821,28 +4098,53 @@
             <p:ph type="title"/>
           </p:nvPr>
         </p:nvSpPr>
-        <p:spPr/>
-        <p:txBody>
-          <a:bodyPr/>
-          <a:lstStyle/>
-          <a:p>
-            <a:r>
-              <a:rPr lang="hu-HU" dirty="0"/>
-              <a:t>IV./3. A kód felépítése: </a:t>
-            </a:r>
-            <a:r>
-              <a:rPr lang="hu-HU" dirty="0" err="1"/>
-              <a:t>Document</a:t>
-            </a:r>
-            <a:r>
-              <a:rPr lang="hu-HU" dirty="0"/>
+        <p:spPr>
+          <a:xfrm>
+            <a:off x="838200" y="188957"/>
+            <a:ext cx="10515600" cy="775778"/>
+          </a:xfrm>
+        </p:spPr>
+        <p:txBody>
+          <a:bodyPr/>
+          <a:lstStyle/>
+          <a:p>
+            <a:r>
+              <a:rPr lang="hu-HU" dirty="0">
+                <a:solidFill>
+                  <a:schemeClr val="tx1"/>
+                </a:solidFill>
+              </a:rPr>
+              <a:t>IV./2. A kód felépítése: </a:t>
+            </a:r>
+            <a:r>
+              <a:rPr lang="hu-HU" dirty="0" err="1">
+                <a:solidFill>
+                  <a:schemeClr val="tx1"/>
+                </a:solidFill>
+              </a:rPr>
+              <a:t>Virtual</a:t>
+            </a:r>
+            <a:r>
+              <a:rPr lang="hu-HU" dirty="0">
+                <a:solidFill>
+                  <a:schemeClr val="tx1"/>
+                </a:solidFill>
+              </a:rPr>
               <a:t> </a:t>
             </a:r>
             <a:r>
-              <a:rPr lang="hu-HU" dirty="0" err="1"/>
-              <a:t>Scanner</a:t>
-            </a:r>
-            <a:endParaRPr lang="hu-HU" dirty="0"/>
+              <a:rPr lang="hu-HU" dirty="0" err="1">
+                <a:solidFill>
+                  <a:schemeClr val="tx1"/>
+                </a:solidFill>
+              </a:rPr>
+              <a:t>Paint</a:t>
+            </a:r>
+            <a:endParaRPr lang="hu-HU" dirty="0">
+              <a:solidFill>
+                <a:schemeClr val="tx1"/>
+              </a:solidFill>
+            </a:endParaRPr>
           </a:p>
         </p:txBody>
       </p:sp>
@@ -3851,7 +4153,7 @@
           <p:cNvPr id="3" name="Tartalom helye 2">
             <a:extLst>
               <a:ext uri="{FF2B5EF4-FFF2-40B4-BE49-F238E27FC236}">
-                <a16:creationId xmlns:a16="http://schemas.microsoft.com/office/drawing/2014/main" id="{BEE3C309-72A9-4311-BCF4-731CD7F68C36}"/>
+                <a16:creationId xmlns:a16="http://schemas.microsoft.com/office/drawing/2014/main" id="{8419D700-375A-43E4-B510-0675E5D4A0B3}"/>
               </a:ext>
             </a:extLst>
           </p:cNvPr>
@@ -3862,19 +4164,61 @@
             <p:ph idx="1"/>
           </p:nvPr>
         </p:nvSpPr>
-        <p:spPr/>
-        <p:txBody>
-          <a:bodyPr/>
-          <a:lstStyle/>
-          <a:p>
-            <a:endParaRPr lang="hu-HU"/>
-          </a:p>
-        </p:txBody>
-      </p:sp>
+        <p:spPr>
+          <a:xfrm>
+            <a:off x="251669" y="1048624"/>
+            <a:ext cx="11593585" cy="5478011"/>
+          </a:xfrm>
+        </p:spPr>
+        <p:txBody>
+          <a:bodyPr/>
+          <a:lstStyle/>
+          <a:p>
+            <a:pPr marL="0" indent="0">
+              <a:buNone/>
+            </a:pPr>
+            <a:endParaRPr lang="hu-HU" sz="2000" dirty="0">
+              <a:solidFill>
+                <a:schemeClr val="tx1"/>
+              </a:solidFill>
+            </a:endParaRPr>
+          </a:p>
+        </p:txBody>
+      </p:sp>
+      <p:pic>
+        <p:nvPicPr>
+          <p:cNvPr id="5" name="Kép 4">
+            <a:extLst>
+              <a:ext uri="{FF2B5EF4-FFF2-40B4-BE49-F238E27FC236}">
+                <a16:creationId xmlns:a16="http://schemas.microsoft.com/office/drawing/2014/main" id="{77D645A5-BA0C-4EC0-B780-5F6B71B906A9}"/>
+              </a:ext>
+            </a:extLst>
+          </p:cNvPr>
+          <p:cNvPicPr>
+            <a:picLocks noChangeAspect="1"/>
+          </p:cNvPicPr>
+          <p:nvPr/>
+        </p:nvPicPr>
+        <p:blipFill>
+          <a:blip r:embed="rId2"/>
+          <a:stretch>
+            <a:fillRect/>
+          </a:stretch>
+        </p:blipFill>
+        <p:spPr>
+          <a:xfrm>
+            <a:off x="7101631" y="3935368"/>
+            <a:ext cx="4838700" cy="2733675"/>
+          </a:xfrm>
+          <a:prstGeom prst="rect">
+            <a:avLst/>
+          </a:prstGeom>
+        </p:spPr>
+      </p:pic>
     </p:spTree>
     <p:extLst>
       <p:ext uri="{BB962C8B-B14F-4D97-AF65-F5344CB8AC3E}">
-        <p14:creationId xmlns:p14="http://schemas.microsoft.com/office/powerpoint/2010/main" val="1083334400"/>
+        <p14:creationId xmlns:p14="http://schemas.microsoft.com/office/powerpoint/2010/main" val="1056533556"/>
       </p:ext>
     </p:extLst>
   </p:cSld>
@@ -3906,7 +4250,7 @@
           <p:cNvPr id="2" name="Cím 1">
             <a:extLst>
               <a:ext uri="{FF2B5EF4-FFF2-40B4-BE49-F238E27FC236}">
-                <a16:creationId xmlns:a16="http://schemas.microsoft.com/office/drawing/2014/main" id="{25E36D85-036F-44BA-B354-87D196311524}"/>
+                <a16:creationId xmlns:a16="http://schemas.microsoft.com/office/drawing/2014/main" id="{E0DD5D40-8763-41C4-8208-0C59F7F9F081}"/>
               </a:ext>
             </a:extLst>
           </p:cNvPr>
@@ -3923,22 +4267,42 @@
           <a:lstStyle/>
           <a:p>
             <a:r>
-              <a:rPr lang="hu-HU" dirty="0"/>
-              <a:t>V./3. A kód tesztelése: </a:t>
-            </a:r>
-            <a:r>
-              <a:rPr lang="hu-HU" dirty="0" err="1"/>
-              <a:t>Document</a:t>
-            </a:r>
-            <a:r>
-              <a:rPr lang="hu-HU" dirty="0"/>
+              <a:rPr lang="hu-HU" dirty="0">
+                <a:solidFill>
+                  <a:schemeClr val="tx1"/>
+                </a:solidFill>
+              </a:rPr>
+              <a:t>V./2. A kód tesztelése: </a:t>
+            </a:r>
+            <a:r>
+              <a:rPr lang="hu-HU" dirty="0" err="1">
+                <a:solidFill>
+                  <a:schemeClr val="tx1"/>
+                </a:solidFill>
+              </a:rPr>
+              <a:t>Virtual</a:t>
+            </a:r>
+            <a:r>
+              <a:rPr lang="hu-HU" dirty="0">
+                <a:solidFill>
+                  <a:schemeClr val="tx1"/>
+                </a:solidFill>
+              </a:rPr>
               <a:t> </a:t>
             </a:r>
             <a:r>
-              <a:rPr lang="hu-HU" dirty="0" err="1"/>
-              <a:t>Scanner</a:t>
-            </a:r>
-            <a:endParaRPr lang="hu-HU" dirty="0"/>
+              <a:rPr lang="hu-HU" dirty="0" err="1">
+                <a:solidFill>
+                  <a:schemeClr val="tx1"/>
+                </a:solidFill>
+              </a:rPr>
+              <a:t>Paint</a:t>
+            </a:r>
+            <a:endParaRPr lang="hu-HU" dirty="0">
+              <a:solidFill>
+                <a:schemeClr val="tx1"/>
+              </a:solidFill>
+            </a:endParaRPr>
           </a:p>
         </p:txBody>
       </p:sp>
@@ -3947,7 +4311,7 @@
           <p:cNvPr id="3" name="Tartalom helye 2">
             <a:extLst>
               <a:ext uri="{FF2B5EF4-FFF2-40B4-BE49-F238E27FC236}">
-                <a16:creationId xmlns:a16="http://schemas.microsoft.com/office/drawing/2014/main" id="{32B638DB-C8B6-4277-9DB4-F9F19C525F8B}"/>
+                <a16:creationId xmlns:a16="http://schemas.microsoft.com/office/drawing/2014/main" id="{82E699DC-6788-4057-B750-15F8C6987D7B}"/>
               </a:ext>
             </a:extLst>
           </p:cNvPr>
@@ -3960,31 +4324,45 @@
         </p:nvSpPr>
         <p:spPr/>
         <p:txBody>
-          <a:bodyPr>
-            <a:normAutofit/>
-          </a:bodyPr>
+          <a:bodyPr/>
           <a:lstStyle/>
           <a:p>
             <a:pPr marL="0" indent="0">
               <a:buNone/>
             </a:pPr>
             <a:r>
-              <a:rPr lang="hu-HU" sz="3000" dirty="0"/>
-              <a:t>Tesztelési lehetőségek:</a:t>
+              <a:rPr lang="hu-HU" sz="3000" dirty="0">
+                <a:solidFill>
+                  <a:schemeClr val="tx1"/>
+                </a:solidFill>
+              </a:rPr>
+              <a:t>Tesztelési</a:t>
+            </a:r>
+            <a:r>
+              <a:rPr lang="hu-HU" dirty="0">
+                <a:solidFill>
+                  <a:schemeClr val="tx1"/>
+                </a:solidFill>
+              </a:rPr>
+              <a:t> lehetőségek:</a:t>
             </a:r>
           </a:p>
           <a:p>
             <a:pPr marL="0" indent="0">
               <a:buNone/>
             </a:pPr>
-            <a:endParaRPr lang="hu-HU" sz="2000" dirty="0"/>
+            <a:endParaRPr lang="hu-HU" sz="2000" dirty="0">
+              <a:solidFill>
+                <a:schemeClr val="tx1"/>
+              </a:solidFill>
+            </a:endParaRPr>
           </a:p>
         </p:txBody>
       </p:sp>
     </p:spTree>
     <p:extLst>
       <p:ext uri="{BB962C8B-B14F-4D97-AF65-F5344CB8AC3E}">
-        <p14:creationId xmlns:p14="http://schemas.microsoft.com/office/powerpoint/2010/main" val="4115386032"/>
+        <p14:creationId xmlns:p14="http://schemas.microsoft.com/office/powerpoint/2010/main" val="3958957942"/>
       </p:ext>
     </p:extLst>
   </p:cSld>
@@ -4016,7 +4394,7 @@
           <p:cNvPr id="2" name="Cím 1">
             <a:extLst>
               <a:ext uri="{FF2B5EF4-FFF2-40B4-BE49-F238E27FC236}">
-                <a16:creationId xmlns:a16="http://schemas.microsoft.com/office/drawing/2014/main" id="{3AD5BDEA-B226-430C-A09D-C0D5AB14F129}"/>
+                <a16:creationId xmlns:a16="http://schemas.microsoft.com/office/drawing/2014/main" id="{3FDC4E5B-FB26-48E0-9918-873EEECC8BF7}"/>
               </a:ext>
             </a:extLst>
           </p:cNvPr>
@@ -4027,40 +4405,55 @@
             <p:ph type="title"/>
           </p:nvPr>
         </p:nvSpPr>
-        <p:spPr>
-          <a:xfrm>
-            <a:off x="587229" y="365125"/>
-            <a:ext cx="11316749" cy="1325563"/>
-          </a:xfrm>
-        </p:spPr>
-        <p:txBody>
-          <a:bodyPr/>
-          <a:lstStyle/>
-          <a:p>
-            <a:r>
-              <a:rPr lang="hu-HU" dirty="0"/>
-              <a:t>VI./3. A program bemutatása: </a:t>
-            </a:r>
-            <a:r>
-              <a:rPr lang="hu-HU" dirty="0" err="1"/>
-              <a:t>Document</a:t>
-            </a:r>
-            <a:r>
-              <a:rPr lang="hu-HU" dirty="0"/>
+        <p:spPr/>
+        <p:txBody>
+          <a:bodyPr/>
+          <a:lstStyle/>
+          <a:p>
+            <a:r>
+              <a:rPr lang="hu-HU" dirty="0">
+                <a:solidFill>
+                  <a:schemeClr val="tx1"/>
+                </a:solidFill>
+              </a:rPr>
+              <a:t>VI./2. A program bemutatása: </a:t>
+            </a:r>
+            <a:r>
+              <a:rPr lang="hu-HU" dirty="0" err="1">
+                <a:solidFill>
+                  <a:schemeClr val="tx1"/>
+                </a:solidFill>
+              </a:rPr>
+              <a:t>Virtual</a:t>
+            </a:r>
+            <a:r>
+              <a:rPr lang="hu-HU" dirty="0">
+                <a:solidFill>
+                  <a:schemeClr val="tx1"/>
+                </a:solidFill>
+              </a:rPr>
               <a:t> </a:t>
             </a:r>
             <a:r>
-              <a:rPr lang="hu-HU" dirty="0" err="1"/>
-              <a:t>Scanner</a:t>
-            </a:r>
-            <a:endParaRPr lang="hu-HU" dirty="0"/>
+              <a:rPr lang="hu-HU" dirty="0" err="1">
+                <a:solidFill>
+                  <a:schemeClr val="tx1"/>
+                </a:solidFill>
+              </a:rPr>
+              <a:t>Paint</a:t>
+            </a:r>
+            <a:endParaRPr lang="hu-HU" dirty="0">
+              <a:solidFill>
+                <a:schemeClr val="tx1"/>
+              </a:solidFill>
+            </a:endParaRPr>
           </a:p>
         </p:txBody>
       </p:sp>
     </p:spTree>
     <p:extLst>
       <p:ext uri="{BB962C8B-B14F-4D97-AF65-F5344CB8AC3E}">
-        <p14:creationId xmlns:p14="http://schemas.microsoft.com/office/powerpoint/2010/main" val="3284198653"/>
+        <p14:creationId xmlns:p14="http://schemas.microsoft.com/office/powerpoint/2010/main" val="2001072669"/>
       </p:ext>
     </p:extLst>
   </p:cSld>
@@ -4092,7 +4485,7 @@
           <p:cNvPr id="2" name="Cím 1">
             <a:extLst>
               <a:ext uri="{FF2B5EF4-FFF2-40B4-BE49-F238E27FC236}">
-                <a16:creationId xmlns:a16="http://schemas.microsoft.com/office/drawing/2014/main" id="{69C1CB79-AFCC-48DA-8633-C8F63623F847}"/>
+                <a16:creationId xmlns:a16="http://schemas.microsoft.com/office/drawing/2014/main" id="{BDBE8540-4F9A-45E6-88B4-103B1CB47234}"/>
               </a:ext>
             </a:extLst>
           </p:cNvPr>
@@ -4105,26 +4498,442 @@
         </p:nvSpPr>
         <p:spPr>
           <a:xfrm>
-            <a:off x="838200" y="2537873"/>
-            <a:ext cx="10515600" cy="1325563"/>
+            <a:off x="838200" y="205735"/>
+            <a:ext cx="10515600" cy="775777"/>
           </a:xfrm>
         </p:spPr>
         <p:txBody>
           <a:bodyPr/>
           <a:lstStyle/>
           <a:p>
-            <a:pPr algn="ctr"/>
-            <a:r>
-              <a:rPr lang="hu-HU" dirty="0"/>
-              <a:t>Köszönjük a figyelmet!</a:t>
-            </a:r>
-          </a:p>
-        </p:txBody>
-      </p:sp>
+            <a:r>
+              <a:rPr lang="hu-HU" dirty="0">
+                <a:solidFill>
+                  <a:schemeClr val="tx1"/>
+                </a:solidFill>
+              </a:rPr>
+              <a:t>IV./3. A kód felépítése: </a:t>
+            </a:r>
+            <a:r>
+              <a:rPr lang="hu-HU" dirty="0" err="1">
+                <a:solidFill>
+                  <a:schemeClr val="tx1"/>
+                </a:solidFill>
+              </a:rPr>
+              <a:t>Document</a:t>
+            </a:r>
+            <a:r>
+              <a:rPr lang="hu-HU" dirty="0">
+                <a:solidFill>
+                  <a:schemeClr val="tx1"/>
+                </a:solidFill>
+              </a:rPr>
+              <a:t> </a:t>
+            </a:r>
+            <a:r>
+              <a:rPr lang="hu-HU" dirty="0" err="1">
+                <a:solidFill>
+                  <a:schemeClr val="tx1"/>
+                </a:solidFill>
+              </a:rPr>
+              <a:t>Scanner</a:t>
+            </a:r>
+            <a:endParaRPr lang="hu-HU" dirty="0">
+              <a:solidFill>
+                <a:schemeClr val="tx1"/>
+              </a:solidFill>
+            </a:endParaRPr>
+          </a:p>
+        </p:txBody>
+      </p:sp>
+      <p:sp>
+        <p:nvSpPr>
+          <p:cNvPr id="3" name="Tartalom helye 2">
+            <a:extLst>
+              <a:ext uri="{FF2B5EF4-FFF2-40B4-BE49-F238E27FC236}">
+                <a16:creationId xmlns:a16="http://schemas.microsoft.com/office/drawing/2014/main" id="{BEE3C309-72A9-4311-BCF4-731CD7F68C36}"/>
+              </a:ext>
+            </a:extLst>
+          </p:cNvPr>
+          <p:cNvSpPr>
+            <a:spLocks noGrp="1"/>
+          </p:cNvSpPr>
+          <p:nvPr>
+            <p:ph idx="1"/>
+          </p:nvPr>
+        </p:nvSpPr>
+        <p:spPr>
+          <a:xfrm>
+            <a:off x="302004" y="1040235"/>
+            <a:ext cx="11585196" cy="5612030"/>
+          </a:xfrm>
+        </p:spPr>
+        <p:txBody>
+          <a:bodyPr/>
+          <a:lstStyle/>
+          <a:p>
+            <a:endParaRPr lang="hu-HU" dirty="0">
+              <a:solidFill>
+                <a:schemeClr val="tx1"/>
+              </a:solidFill>
+            </a:endParaRPr>
+          </a:p>
+        </p:txBody>
+      </p:sp>
+      <p:pic>
+        <p:nvPicPr>
+          <p:cNvPr id="4" name="Kép 3">
+            <a:extLst>
+              <a:ext uri="{FF2B5EF4-FFF2-40B4-BE49-F238E27FC236}">
+                <a16:creationId xmlns:a16="http://schemas.microsoft.com/office/drawing/2014/main" id="{D3F9F529-7892-47BE-A54E-C49C66BC65A8}"/>
+              </a:ext>
+            </a:extLst>
+          </p:cNvPr>
+          <p:cNvPicPr>
+            <a:picLocks noChangeAspect="1"/>
+          </p:cNvPicPr>
+          <p:nvPr/>
+        </p:nvPicPr>
+        <p:blipFill>
+          <a:blip r:embed="rId2"/>
+          <a:stretch>
+            <a:fillRect/>
+          </a:stretch>
+        </p:blipFill>
+        <p:spPr>
+          <a:xfrm>
+            <a:off x="7196397" y="3087149"/>
+            <a:ext cx="4795009" cy="3623839"/>
+          </a:xfrm>
+          <a:prstGeom prst="rect">
+            <a:avLst/>
+          </a:prstGeom>
+        </p:spPr>
+      </p:pic>
     </p:spTree>
     <p:extLst>
       <p:ext uri="{BB962C8B-B14F-4D97-AF65-F5344CB8AC3E}">
-        <p14:creationId xmlns:p14="http://schemas.microsoft.com/office/powerpoint/2010/main" val="632233081"/>
+        <p14:creationId xmlns:p14="http://schemas.microsoft.com/office/powerpoint/2010/main" val="1083334400"/>
+      </p:ext>
+    </p:extLst>
+  </p:cSld>
+  <p:clrMapOvr>
+    <a:masterClrMapping/>
+  </p:clrMapOvr>
+</p:sld>
+</file>
+
+<file path=ppt/slides/slide18.xml><?xml version="1.0" encoding="utf-8"?>
+<p:sld xmlns:a="http://schemas.openxmlformats.org/drawingml/2006/main" xmlns:r="http://schemas.openxmlformats.org/officeDocument/2006/relationships" xmlns:p="http://schemas.openxmlformats.org/presentationml/2006/main">
+  <p:cSld>
+    <p:spTree>
+      <p:nvGrpSpPr>
+        <p:cNvPr id="1" name=""/>
+        <p:cNvGrpSpPr/>
+        <p:nvPr/>
+      </p:nvGrpSpPr>
+      <p:grpSpPr>
+        <a:xfrm>
+          <a:off x="0" y="0"/>
+          <a:ext cx="0" cy="0"/>
+          <a:chOff x="0" y="0"/>
+          <a:chExt cx="0" cy="0"/>
+        </a:xfrm>
+      </p:grpSpPr>
+      <p:sp>
+        <p:nvSpPr>
+          <p:cNvPr id="2" name="Cím 1">
+            <a:extLst>
+              <a:ext uri="{FF2B5EF4-FFF2-40B4-BE49-F238E27FC236}">
+                <a16:creationId xmlns:a16="http://schemas.microsoft.com/office/drawing/2014/main" id="{BDBE8540-4F9A-45E6-88B4-103B1CB47234}"/>
+              </a:ext>
+            </a:extLst>
+          </p:cNvPr>
+          <p:cNvSpPr>
+            <a:spLocks noGrp="1"/>
+          </p:cNvSpPr>
+          <p:nvPr>
+            <p:ph type="title"/>
+          </p:nvPr>
+        </p:nvSpPr>
+        <p:spPr>
+          <a:xfrm>
+            <a:off x="838200" y="205735"/>
+            <a:ext cx="10515600" cy="775777"/>
+          </a:xfrm>
+        </p:spPr>
+        <p:txBody>
+          <a:bodyPr/>
+          <a:lstStyle/>
+          <a:p>
+            <a:r>
+              <a:rPr lang="hu-HU" dirty="0">
+                <a:solidFill>
+                  <a:schemeClr val="tx1"/>
+                </a:solidFill>
+              </a:rPr>
+              <a:t>IV./3. A kód felépítése: </a:t>
+            </a:r>
+            <a:r>
+              <a:rPr lang="hu-HU" dirty="0" err="1">
+                <a:solidFill>
+                  <a:schemeClr val="tx1"/>
+                </a:solidFill>
+              </a:rPr>
+              <a:t>Document</a:t>
+            </a:r>
+            <a:r>
+              <a:rPr lang="hu-HU" dirty="0">
+                <a:solidFill>
+                  <a:schemeClr val="tx1"/>
+                </a:solidFill>
+              </a:rPr>
+              <a:t> </a:t>
+            </a:r>
+            <a:r>
+              <a:rPr lang="hu-HU" dirty="0" err="1">
+                <a:solidFill>
+                  <a:schemeClr val="tx1"/>
+                </a:solidFill>
+              </a:rPr>
+              <a:t>Scanner</a:t>
+            </a:r>
+            <a:endParaRPr lang="hu-HU" dirty="0">
+              <a:solidFill>
+                <a:schemeClr val="tx1"/>
+              </a:solidFill>
+            </a:endParaRPr>
+          </a:p>
+        </p:txBody>
+      </p:sp>
+      <p:sp>
+        <p:nvSpPr>
+          <p:cNvPr id="3" name="Tartalom helye 2">
+            <a:extLst>
+              <a:ext uri="{FF2B5EF4-FFF2-40B4-BE49-F238E27FC236}">
+                <a16:creationId xmlns:a16="http://schemas.microsoft.com/office/drawing/2014/main" id="{BEE3C309-72A9-4311-BCF4-731CD7F68C36}"/>
+              </a:ext>
+            </a:extLst>
+          </p:cNvPr>
+          <p:cNvSpPr>
+            <a:spLocks noGrp="1"/>
+          </p:cNvSpPr>
+          <p:nvPr>
+            <p:ph idx="1"/>
+          </p:nvPr>
+        </p:nvSpPr>
+        <p:spPr>
+          <a:xfrm>
+            <a:off x="302004" y="1040235"/>
+            <a:ext cx="11585196" cy="5612030"/>
+          </a:xfrm>
+        </p:spPr>
+        <p:txBody>
+          <a:bodyPr/>
+          <a:lstStyle/>
+          <a:p>
+            <a:endParaRPr lang="hu-HU" dirty="0">
+              <a:solidFill>
+                <a:schemeClr val="tx1"/>
+              </a:solidFill>
+            </a:endParaRPr>
+          </a:p>
+        </p:txBody>
+      </p:sp>
+      <p:pic>
+        <p:nvPicPr>
+          <p:cNvPr id="5" name="Kép 4">
+            <a:extLst>
+              <a:ext uri="{FF2B5EF4-FFF2-40B4-BE49-F238E27FC236}">
+                <a16:creationId xmlns:a16="http://schemas.microsoft.com/office/drawing/2014/main" id="{2277E93E-2FA2-49FC-85AB-D9CB288F2F2D}"/>
+              </a:ext>
+            </a:extLst>
+          </p:cNvPr>
+          <p:cNvPicPr>
+            <a:picLocks noChangeAspect="1"/>
+          </p:cNvPicPr>
+          <p:nvPr/>
+        </p:nvPicPr>
+        <p:blipFill>
+          <a:blip r:embed="rId2"/>
+          <a:stretch>
+            <a:fillRect/>
+          </a:stretch>
+        </p:blipFill>
+        <p:spPr>
+          <a:xfrm>
+            <a:off x="4798503" y="3529788"/>
+            <a:ext cx="7204482" cy="3181200"/>
+          </a:xfrm>
+          <a:prstGeom prst="rect">
+            <a:avLst/>
+          </a:prstGeom>
+        </p:spPr>
+      </p:pic>
+    </p:spTree>
+    <p:extLst>
+      <p:ext uri="{BB962C8B-B14F-4D97-AF65-F5344CB8AC3E}">
+        <p14:creationId xmlns:p14="http://schemas.microsoft.com/office/powerpoint/2010/main" val="3722378781"/>
+      </p:ext>
+    </p:extLst>
+  </p:cSld>
+  <p:clrMapOvr>
+    <a:masterClrMapping/>
+  </p:clrMapOvr>
+</p:sld>
+</file>
+
+<file path=ppt/slides/slide19.xml><?xml version="1.0" encoding="utf-8"?>
+<p:sld xmlns:a="http://schemas.openxmlformats.org/drawingml/2006/main" xmlns:r="http://schemas.openxmlformats.org/officeDocument/2006/relationships" xmlns:p="http://schemas.openxmlformats.org/presentationml/2006/main">
+  <p:cSld>
+    <p:spTree>
+      <p:nvGrpSpPr>
+        <p:cNvPr id="1" name=""/>
+        <p:cNvGrpSpPr/>
+        <p:nvPr/>
+      </p:nvGrpSpPr>
+      <p:grpSpPr>
+        <a:xfrm>
+          <a:off x="0" y="0"/>
+          <a:ext cx="0" cy="0"/>
+          <a:chOff x="0" y="0"/>
+          <a:chExt cx="0" cy="0"/>
+        </a:xfrm>
+      </p:grpSpPr>
+      <p:sp>
+        <p:nvSpPr>
+          <p:cNvPr id="2" name="Cím 1">
+            <a:extLst>
+              <a:ext uri="{FF2B5EF4-FFF2-40B4-BE49-F238E27FC236}">
+                <a16:creationId xmlns:a16="http://schemas.microsoft.com/office/drawing/2014/main" id="{BDBE8540-4F9A-45E6-88B4-103B1CB47234}"/>
+              </a:ext>
+            </a:extLst>
+          </p:cNvPr>
+          <p:cNvSpPr>
+            <a:spLocks noGrp="1"/>
+          </p:cNvSpPr>
+          <p:nvPr>
+            <p:ph type="title"/>
+          </p:nvPr>
+        </p:nvSpPr>
+        <p:spPr>
+          <a:xfrm>
+            <a:off x="838200" y="205735"/>
+            <a:ext cx="10515600" cy="775777"/>
+          </a:xfrm>
+        </p:spPr>
+        <p:txBody>
+          <a:bodyPr/>
+          <a:lstStyle/>
+          <a:p>
+            <a:r>
+              <a:rPr lang="hu-HU" dirty="0">
+                <a:solidFill>
+                  <a:schemeClr val="tx1"/>
+                </a:solidFill>
+              </a:rPr>
+              <a:t>IV./3. A kód felépítése: </a:t>
+            </a:r>
+            <a:r>
+              <a:rPr lang="hu-HU" dirty="0" err="1">
+                <a:solidFill>
+                  <a:schemeClr val="tx1"/>
+                </a:solidFill>
+              </a:rPr>
+              <a:t>Document</a:t>
+            </a:r>
+            <a:r>
+              <a:rPr lang="hu-HU" dirty="0">
+                <a:solidFill>
+                  <a:schemeClr val="tx1"/>
+                </a:solidFill>
+              </a:rPr>
+              <a:t> </a:t>
+            </a:r>
+            <a:r>
+              <a:rPr lang="hu-HU" dirty="0" err="1">
+                <a:solidFill>
+                  <a:schemeClr val="tx1"/>
+                </a:solidFill>
+              </a:rPr>
+              <a:t>Scanner</a:t>
+            </a:r>
+            <a:endParaRPr lang="hu-HU" dirty="0">
+              <a:solidFill>
+                <a:schemeClr val="tx1"/>
+              </a:solidFill>
+            </a:endParaRPr>
+          </a:p>
+        </p:txBody>
+      </p:sp>
+      <p:sp>
+        <p:nvSpPr>
+          <p:cNvPr id="3" name="Tartalom helye 2">
+            <a:extLst>
+              <a:ext uri="{FF2B5EF4-FFF2-40B4-BE49-F238E27FC236}">
+                <a16:creationId xmlns:a16="http://schemas.microsoft.com/office/drawing/2014/main" id="{BEE3C309-72A9-4311-BCF4-731CD7F68C36}"/>
+              </a:ext>
+            </a:extLst>
+          </p:cNvPr>
+          <p:cNvSpPr>
+            <a:spLocks noGrp="1"/>
+          </p:cNvSpPr>
+          <p:nvPr>
+            <p:ph idx="1"/>
+          </p:nvPr>
+        </p:nvSpPr>
+        <p:spPr>
+          <a:xfrm>
+            <a:off x="302004" y="1040235"/>
+            <a:ext cx="11585196" cy="5612030"/>
+          </a:xfrm>
+        </p:spPr>
+        <p:txBody>
+          <a:bodyPr/>
+          <a:lstStyle/>
+          <a:p>
+            <a:endParaRPr lang="hu-HU" dirty="0">
+              <a:solidFill>
+                <a:schemeClr val="tx1"/>
+              </a:solidFill>
+            </a:endParaRPr>
+          </a:p>
+        </p:txBody>
+      </p:sp>
+      <p:pic>
+        <p:nvPicPr>
+          <p:cNvPr id="4" name="Kép 3">
+            <a:extLst>
+              <a:ext uri="{FF2B5EF4-FFF2-40B4-BE49-F238E27FC236}">
+                <a16:creationId xmlns:a16="http://schemas.microsoft.com/office/drawing/2014/main" id="{BFB2DBAC-215E-442E-B154-0FA81E470D5B}"/>
+              </a:ext>
+            </a:extLst>
+          </p:cNvPr>
+          <p:cNvPicPr>
+            <a:picLocks noChangeAspect="1"/>
+          </p:cNvPicPr>
+          <p:nvPr/>
+        </p:nvPicPr>
+        <p:blipFill>
+          <a:blip r:embed="rId2"/>
+          <a:stretch>
+            <a:fillRect/>
+          </a:stretch>
+        </p:blipFill>
+        <p:spPr>
+          <a:xfrm>
+            <a:off x="6787050" y="3842158"/>
+            <a:ext cx="5252332" cy="2868830"/>
+          </a:xfrm>
+          <a:prstGeom prst="rect">
+            <a:avLst/>
+          </a:prstGeom>
+        </p:spPr>
+      </p:pic>
+    </p:spTree>
+    <p:extLst>
+      <p:ext uri="{BB962C8B-B14F-4D97-AF65-F5344CB8AC3E}">
+        <p14:creationId xmlns:p14="http://schemas.microsoft.com/office/powerpoint/2010/main" val="1484292416"/>
       </p:ext>
     </p:extLst>
   </p:cSld>
@@ -4174,7 +4983,11 @@
           <a:p>
             <a:pPr algn="ctr"/>
             <a:r>
-              <a:rPr lang="hu-HU" dirty="0"/>
+              <a:rPr lang="hu-HU" dirty="0">
+                <a:solidFill>
+                  <a:schemeClr val="tx1"/>
+                </a:solidFill>
+              </a:rPr>
               <a:t>Tartalom</a:t>
             </a:r>
           </a:p>
@@ -4205,7 +5018,11 @@
               <a:buNone/>
             </a:pPr>
             <a:r>
-              <a:rPr lang="hu-HU" dirty="0"/>
+              <a:rPr lang="hu-HU" dirty="0">
+                <a:solidFill>
+                  <a:schemeClr val="tx1"/>
+                </a:solidFill>
+              </a:rPr>
               <a:t>I. Feladatkiosztás</a:t>
             </a:r>
           </a:p>
@@ -4214,7 +5031,11 @@
               <a:buNone/>
             </a:pPr>
             <a:r>
-              <a:rPr lang="hu-HU" dirty="0"/>
+              <a:rPr lang="hu-HU" dirty="0">
+                <a:solidFill>
+                  <a:schemeClr val="tx1"/>
+                </a:solidFill>
+              </a:rPr>
               <a:t>II. Projektmenedzser eszköz</a:t>
             </a:r>
           </a:p>
@@ -4223,7 +5044,11 @@
               <a:buNone/>
             </a:pPr>
             <a:r>
-              <a:rPr lang="hu-HU" dirty="0"/>
+              <a:rPr lang="hu-HU" dirty="0">
+                <a:solidFill>
+                  <a:schemeClr val="tx1"/>
+                </a:solidFill>
+              </a:rPr>
               <a:t>III. Programozás eszközei</a:t>
             </a:r>
           </a:p>
@@ -4232,7 +5057,11 @@
               <a:buNone/>
             </a:pPr>
             <a:r>
-              <a:rPr lang="hu-HU" dirty="0"/>
+              <a:rPr lang="hu-HU" dirty="0">
+                <a:solidFill>
+                  <a:schemeClr val="tx1"/>
+                </a:solidFill>
+              </a:rPr>
               <a:t>IV. A kód felépítése</a:t>
             </a:r>
           </a:p>
@@ -4241,7 +5070,11 @@
               <a:buNone/>
             </a:pPr>
             <a:r>
-              <a:rPr lang="hu-HU" dirty="0"/>
+              <a:rPr lang="hu-HU" dirty="0">
+                <a:solidFill>
+                  <a:schemeClr val="tx1"/>
+                </a:solidFill>
+              </a:rPr>
               <a:t>V. A kód tesztelése</a:t>
             </a:r>
           </a:p>
@@ -4250,7 +5083,11 @@
               <a:buNone/>
             </a:pPr>
             <a:r>
-              <a:rPr lang="hu-HU" dirty="0"/>
+              <a:rPr lang="hu-HU" dirty="0">
+                <a:solidFill>
+                  <a:schemeClr val="tx1"/>
+                </a:solidFill>
+              </a:rPr>
               <a:t>VI. A program bemutatása</a:t>
             </a:r>
           </a:p>
@@ -4260,6 +5097,951 @@
     <p:extLst>
       <p:ext uri="{BB962C8B-B14F-4D97-AF65-F5344CB8AC3E}">
         <p14:creationId xmlns:p14="http://schemas.microsoft.com/office/powerpoint/2010/main" val="3175532554"/>
+      </p:ext>
+    </p:extLst>
+  </p:cSld>
+  <p:clrMapOvr>
+    <a:masterClrMapping/>
+  </p:clrMapOvr>
+</p:sld>
+</file>
+
+<file path=ppt/slides/slide20.xml><?xml version="1.0" encoding="utf-8"?>
+<p:sld xmlns:a="http://schemas.openxmlformats.org/drawingml/2006/main" xmlns:r="http://schemas.openxmlformats.org/officeDocument/2006/relationships" xmlns:p="http://schemas.openxmlformats.org/presentationml/2006/main">
+  <p:cSld>
+    <p:spTree>
+      <p:nvGrpSpPr>
+        <p:cNvPr id="1" name=""/>
+        <p:cNvGrpSpPr/>
+        <p:nvPr/>
+      </p:nvGrpSpPr>
+      <p:grpSpPr>
+        <a:xfrm>
+          <a:off x="0" y="0"/>
+          <a:ext cx="0" cy="0"/>
+          <a:chOff x="0" y="0"/>
+          <a:chExt cx="0" cy="0"/>
+        </a:xfrm>
+      </p:grpSpPr>
+      <p:sp>
+        <p:nvSpPr>
+          <p:cNvPr id="2" name="Cím 1">
+            <a:extLst>
+              <a:ext uri="{FF2B5EF4-FFF2-40B4-BE49-F238E27FC236}">
+                <a16:creationId xmlns:a16="http://schemas.microsoft.com/office/drawing/2014/main" id="{BDBE8540-4F9A-45E6-88B4-103B1CB47234}"/>
+              </a:ext>
+            </a:extLst>
+          </p:cNvPr>
+          <p:cNvSpPr>
+            <a:spLocks noGrp="1"/>
+          </p:cNvSpPr>
+          <p:nvPr>
+            <p:ph type="title"/>
+          </p:nvPr>
+        </p:nvSpPr>
+        <p:spPr>
+          <a:xfrm>
+            <a:off x="838200" y="205735"/>
+            <a:ext cx="10515600" cy="775777"/>
+          </a:xfrm>
+        </p:spPr>
+        <p:txBody>
+          <a:bodyPr/>
+          <a:lstStyle/>
+          <a:p>
+            <a:r>
+              <a:rPr lang="hu-HU" dirty="0">
+                <a:solidFill>
+                  <a:schemeClr val="tx1"/>
+                </a:solidFill>
+              </a:rPr>
+              <a:t>IV./3. A kód felépítése: </a:t>
+            </a:r>
+            <a:r>
+              <a:rPr lang="hu-HU" dirty="0" err="1">
+                <a:solidFill>
+                  <a:schemeClr val="tx1"/>
+                </a:solidFill>
+              </a:rPr>
+              <a:t>Document</a:t>
+            </a:r>
+            <a:r>
+              <a:rPr lang="hu-HU" dirty="0">
+                <a:solidFill>
+                  <a:schemeClr val="tx1"/>
+                </a:solidFill>
+              </a:rPr>
+              <a:t> </a:t>
+            </a:r>
+            <a:r>
+              <a:rPr lang="hu-HU" dirty="0" err="1">
+                <a:solidFill>
+                  <a:schemeClr val="tx1"/>
+                </a:solidFill>
+              </a:rPr>
+              <a:t>Scanner</a:t>
+            </a:r>
+            <a:endParaRPr lang="hu-HU" dirty="0">
+              <a:solidFill>
+                <a:schemeClr val="tx1"/>
+              </a:solidFill>
+            </a:endParaRPr>
+          </a:p>
+        </p:txBody>
+      </p:sp>
+      <p:sp>
+        <p:nvSpPr>
+          <p:cNvPr id="3" name="Tartalom helye 2">
+            <a:extLst>
+              <a:ext uri="{FF2B5EF4-FFF2-40B4-BE49-F238E27FC236}">
+                <a16:creationId xmlns:a16="http://schemas.microsoft.com/office/drawing/2014/main" id="{BEE3C309-72A9-4311-BCF4-731CD7F68C36}"/>
+              </a:ext>
+            </a:extLst>
+          </p:cNvPr>
+          <p:cNvSpPr>
+            <a:spLocks noGrp="1"/>
+          </p:cNvSpPr>
+          <p:nvPr>
+            <p:ph idx="1"/>
+          </p:nvPr>
+        </p:nvSpPr>
+        <p:spPr>
+          <a:xfrm>
+            <a:off x="302004" y="1040235"/>
+            <a:ext cx="11585196" cy="5612030"/>
+          </a:xfrm>
+        </p:spPr>
+        <p:txBody>
+          <a:bodyPr/>
+          <a:lstStyle/>
+          <a:p>
+            <a:endParaRPr lang="hu-HU" dirty="0">
+              <a:solidFill>
+                <a:schemeClr val="tx1"/>
+              </a:solidFill>
+            </a:endParaRPr>
+          </a:p>
+        </p:txBody>
+      </p:sp>
+      <p:pic>
+        <p:nvPicPr>
+          <p:cNvPr id="5" name="Kép 4">
+            <a:extLst>
+              <a:ext uri="{FF2B5EF4-FFF2-40B4-BE49-F238E27FC236}">
+                <a16:creationId xmlns:a16="http://schemas.microsoft.com/office/drawing/2014/main" id="{A7A0EB42-2A1B-40D2-98C6-70BB7468A2CD}"/>
+              </a:ext>
+            </a:extLst>
+          </p:cNvPr>
+          <p:cNvPicPr>
+            <a:picLocks noChangeAspect="1"/>
+          </p:cNvPicPr>
+          <p:nvPr/>
+        </p:nvPicPr>
+        <p:blipFill>
+          <a:blip r:embed="rId2"/>
+          <a:stretch>
+            <a:fillRect/>
+          </a:stretch>
+        </p:blipFill>
+        <p:spPr>
+          <a:xfrm>
+            <a:off x="4806148" y="4367838"/>
+            <a:ext cx="7210425" cy="2343150"/>
+          </a:xfrm>
+          <a:prstGeom prst="rect">
+            <a:avLst/>
+          </a:prstGeom>
+        </p:spPr>
+      </p:pic>
+    </p:spTree>
+    <p:extLst>
+      <p:ext uri="{BB962C8B-B14F-4D97-AF65-F5344CB8AC3E}">
+        <p14:creationId xmlns:p14="http://schemas.microsoft.com/office/powerpoint/2010/main" val="2286675050"/>
+      </p:ext>
+    </p:extLst>
+  </p:cSld>
+  <p:clrMapOvr>
+    <a:masterClrMapping/>
+  </p:clrMapOvr>
+</p:sld>
+</file>
+
+<file path=ppt/slides/slide21.xml><?xml version="1.0" encoding="utf-8"?>
+<p:sld xmlns:a="http://schemas.openxmlformats.org/drawingml/2006/main" xmlns:r="http://schemas.openxmlformats.org/officeDocument/2006/relationships" xmlns:p="http://schemas.openxmlformats.org/presentationml/2006/main">
+  <p:cSld>
+    <p:spTree>
+      <p:nvGrpSpPr>
+        <p:cNvPr id="1" name=""/>
+        <p:cNvGrpSpPr/>
+        <p:nvPr/>
+      </p:nvGrpSpPr>
+      <p:grpSpPr>
+        <a:xfrm>
+          <a:off x="0" y="0"/>
+          <a:ext cx="0" cy="0"/>
+          <a:chOff x="0" y="0"/>
+          <a:chExt cx="0" cy="0"/>
+        </a:xfrm>
+      </p:grpSpPr>
+      <p:sp>
+        <p:nvSpPr>
+          <p:cNvPr id="2" name="Cím 1">
+            <a:extLst>
+              <a:ext uri="{FF2B5EF4-FFF2-40B4-BE49-F238E27FC236}">
+                <a16:creationId xmlns:a16="http://schemas.microsoft.com/office/drawing/2014/main" id="{BDBE8540-4F9A-45E6-88B4-103B1CB47234}"/>
+              </a:ext>
+            </a:extLst>
+          </p:cNvPr>
+          <p:cNvSpPr>
+            <a:spLocks noGrp="1"/>
+          </p:cNvSpPr>
+          <p:nvPr>
+            <p:ph type="title"/>
+          </p:nvPr>
+        </p:nvSpPr>
+        <p:spPr>
+          <a:xfrm>
+            <a:off x="838200" y="205735"/>
+            <a:ext cx="10515600" cy="775777"/>
+          </a:xfrm>
+        </p:spPr>
+        <p:txBody>
+          <a:bodyPr/>
+          <a:lstStyle/>
+          <a:p>
+            <a:r>
+              <a:rPr lang="hu-HU" dirty="0">
+                <a:solidFill>
+                  <a:schemeClr val="tx1"/>
+                </a:solidFill>
+              </a:rPr>
+              <a:t>IV./3. A kód felépítése: </a:t>
+            </a:r>
+            <a:r>
+              <a:rPr lang="hu-HU" dirty="0" err="1">
+                <a:solidFill>
+                  <a:schemeClr val="tx1"/>
+                </a:solidFill>
+              </a:rPr>
+              <a:t>Document</a:t>
+            </a:r>
+            <a:r>
+              <a:rPr lang="hu-HU" dirty="0">
+                <a:solidFill>
+                  <a:schemeClr val="tx1"/>
+                </a:solidFill>
+              </a:rPr>
+              <a:t> </a:t>
+            </a:r>
+            <a:r>
+              <a:rPr lang="hu-HU" dirty="0" err="1">
+                <a:solidFill>
+                  <a:schemeClr val="tx1"/>
+                </a:solidFill>
+              </a:rPr>
+              <a:t>Scanner</a:t>
+            </a:r>
+            <a:endParaRPr lang="hu-HU" dirty="0">
+              <a:solidFill>
+                <a:schemeClr val="tx1"/>
+              </a:solidFill>
+            </a:endParaRPr>
+          </a:p>
+        </p:txBody>
+      </p:sp>
+      <p:sp>
+        <p:nvSpPr>
+          <p:cNvPr id="3" name="Tartalom helye 2">
+            <a:extLst>
+              <a:ext uri="{FF2B5EF4-FFF2-40B4-BE49-F238E27FC236}">
+                <a16:creationId xmlns:a16="http://schemas.microsoft.com/office/drawing/2014/main" id="{BEE3C309-72A9-4311-BCF4-731CD7F68C36}"/>
+              </a:ext>
+            </a:extLst>
+          </p:cNvPr>
+          <p:cNvSpPr>
+            <a:spLocks noGrp="1"/>
+          </p:cNvSpPr>
+          <p:nvPr>
+            <p:ph idx="1"/>
+          </p:nvPr>
+        </p:nvSpPr>
+        <p:spPr>
+          <a:xfrm>
+            <a:off x="302004" y="1040235"/>
+            <a:ext cx="11585196" cy="5612030"/>
+          </a:xfrm>
+        </p:spPr>
+        <p:txBody>
+          <a:bodyPr/>
+          <a:lstStyle/>
+          <a:p>
+            <a:endParaRPr lang="hu-HU" dirty="0">
+              <a:solidFill>
+                <a:schemeClr val="tx1"/>
+              </a:solidFill>
+            </a:endParaRPr>
+          </a:p>
+        </p:txBody>
+      </p:sp>
+      <p:pic>
+        <p:nvPicPr>
+          <p:cNvPr id="4" name="Kép 3">
+            <a:extLst>
+              <a:ext uri="{FF2B5EF4-FFF2-40B4-BE49-F238E27FC236}">
+                <a16:creationId xmlns:a16="http://schemas.microsoft.com/office/drawing/2014/main" id="{B1D823F2-D65D-43F0-8026-53DCD8F4D197}"/>
+              </a:ext>
+            </a:extLst>
+          </p:cNvPr>
+          <p:cNvPicPr>
+            <a:picLocks noChangeAspect="1"/>
+          </p:cNvPicPr>
+          <p:nvPr/>
+        </p:nvPicPr>
+        <p:blipFill>
+          <a:blip r:embed="rId2"/>
+          <a:stretch>
+            <a:fillRect/>
+          </a:stretch>
+        </p:blipFill>
+        <p:spPr>
+          <a:xfrm>
+            <a:off x="4726725" y="2818701"/>
+            <a:ext cx="7319382" cy="3892286"/>
+          </a:xfrm>
+          <a:prstGeom prst="rect">
+            <a:avLst/>
+          </a:prstGeom>
+        </p:spPr>
+      </p:pic>
+    </p:spTree>
+    <p:extLst>
+      <p:ext uri="{BB962C8B-B14F-4D97-AF65-F5344CB8AC3E}">
+        <p14:creationId xmlns:p14="http://schemas.microsoft.com/office/powerpoint/2010/main" val="2240746878"/>
+      </p:ext>
+    </p:extLst>
+  </p:cSld>
+  <p:clrMapOvr>
+    <a:masterClrMapping/>
+  </p:clrMapOvr>
+</p:sld>
+</file>
+
+<file path=ppt/slides/slide22.xml><?xml version="1.0" encoding="utf-8"?>
+<p:sld xmlns:a="http://schemas.openxmlformats.org/drawingml/2006/main" xmlns:r="http://schemas.openxmlformats.org/officeDocument/2006/relationships" xmlns:p="http://schemas.openxmlformats.org/presentationml/2006/main">
+  <p:cSld>
+    <p:spTree>
+      <p:nvGrpSpPr>
+        <p:cNvPr id="1" name=""/>
+        <p:cNvGrpSpPr/>
+        <p:nvPr/>
+      </p:nvGrpSpPr>
+      <p:grpSpPr>
+        <a:xfrm>
+          <a:off x="0" y="0"/>
+          <a:ext cx="0" cy="0"/>
+          <a:chOff x="0" y="0"/>
+          <a:chExt cx="0" cy="0"/>
+        </a:xfrm>
+      </p:grpSpPr>
+      <p:sp>
+        <p:nvSpPr>
+          <p:cNvPr id="2" name="Cím 1">
+            <a:extLst>
+              <a:ext uri="{FF2B5EF4-FFF2-40B4-BE49-F238E27FC236}">
+                <a16:creationId xmlns:a16="http://schemas.microsoft.com/office/drawing/2014/main" id="{BDBE8540-4F9A-45E6-88B4-103B1CB47234}"/>
+              </a:ext>
+            </a:extLst>
+          </p:cNvPr>
+          <p:cNvSpPr>
+            <a:spLocks noGrp="1"/>
+          </p:cNvSpPr>
+          <p:nvPr>
+            <p:ph type="title"/>
+          </p:nvPr>
+        </p:nvSpPr>
+        <p:spPr>
+          <a:xfrm>
+            <a:off x="838200" y="205735"/>
+            <a:ext cx="10515600" cy="775777"/>
+          </a:xfrm>
+        </p:spPr>
+        <p:txBody>
+          <a:bodyPr/>
+          <a:lstStyle/>
+          <a:p>
+            <a:r>
+              <a:rPr lang="hu-HU" dirty="0">
+                <a:solidFill>
+                  <a:schemeClr val="tx1"/>
+                </a:solidFill>
+              </a:rPr>
+              <a:t>IV./3. A kód felépítése: </a:t>
+            </a:r>
+            <a:r>
+              <a:rPr lang="hu-HU" dirty="0" err="1">
+                <a:solidFill>
+                  <a:schemeClr val="tx1"/>
+                </a:solidFill>
+              </a:rPr>
+              <a:t>Document</a:t>
+            </a:r>
+            <a:r>
+              <a:rPr lang="hu-HU" dirty="0">
+                <a:solidFill>
+                  <a:schemeClr val="tx1"/>
+                </a:solidFill>
+              </a:rPr>
+              <a:t> </a:t>
+            </a:r>
+            <a:r>
+              <a:rPr lang="hu-HU" dirty="0" err="1">
+                <a:solidFill>
+                  <a:schemeClr val="tx1"/>
+                </a:solidFill>
+              </a:rPr>
+              <a:t>Scanner</a:t>
+            </a:r>
+            <a:endParaRPr lang="hu-HU" dirty="0">
+              <a:solidFill>
+                <a:schemeClr val="tx1"/>
+              </a:solidFill>
+            </a:endParaRPr>
+          </a:p>
+        </p:txBody>
+      </p:sp>
+      <p:sp>
+        <p:nvSpPr>
+          <p:cNvPr id="7" name="Tartalom helye 6">
+            <a:extLst>
+              <a:ext uri="{FF2B5EF4-FFF2-40B4-BE49-F238E27FC236}">
+                <a16:creationId xmlns:a16="http://schemas.microsoft.com/office/drawing/2014/main" id="{D9D52A51-0D72-4DBE-AE39-D3D5A161D4BA}"/>
+              </a:ext>
+            </a:extLst>
+          </p:cNvPr>
+          <p:cNvSpPr>
+            <a:spLocks noGrp="1"/>
+          </p:cNvSpPr>
+          <p:nvPr>
+            <p:ph idx="1"/>
+          </p:nvPr>
+        </p:nvSpPr>
+        <p:spPr>
+          <a:xfrm>
+            <a:off x="285226" y="981512"/>
+            <a:ext cx="11585196" cy="5603846"/>
+          </a:xfrm>
+        </p:spPr>
+        <p:txBody>
+          <a:bodyPr/>
+          <a:lstStyle/>
+          <a:p>
+            <a:endParaRPr lang="hu-HU" dirty="0">
+              <a:solidFill>
+                <a:schemeClr val="tx1"/>
+              </a:solidFill>
+            </a:endParaRPr>
+          </a:p>
+        </p:txBody>
+      </p:sp>
+      <p:pic>
+        <p:nvPicPr>
+          <p:cNvPr id="8" name="Kép 7">
+            <a:extLst>
+              <a:ext uri="{FF2B5EF4-FFF2-40B4-BE49-F238E27FC236}">
+                <a16:creationId xmlns:a16="http://schemas.microsoft.com/office/drawing/2014/main" id="{843D42FB-EC77-48D1-A4E6-1DA241B47B09}"/>
+              </a:ext>
+            </a:extLst>
+          </p:cNvPr>
+          <p:cNvPicPr>
+            <a:picLocks noChangeAspect="1"/>
+          </p:cNvPicPr>
+          <p:nvPr/>
+        </p:nvPicPr>
+        <p:blipFill>
+          <a:blip r:embed="rId2"/>
+          <a:stretch>
+            <a:fillRect/>
+          </a:stretch>
+        </p:blipFill>
+        <p:spPr>
+          <a:xfrm>
+            <a:off x="7154454" y="2432690"/>
+            <a:ext cx="4829175" cy="4219575"/>
+          </a:xfrm>
+          <a:prstGeom prst="rect">
+            <a:avLst/>
+          </a:prstGeom>
+        </p:spPr>
+      </p:pic>
+    </p:spTree>
+    <p:extLst>
+      <p:ext uri="{BB962C8B-B14F-4D97-AF65-F5344CB8AC3E}">
+        <p14:creationId xmlns:p14="http://schemas.microsoft.com/office/powerpoint/2010/main" val="2777100903"/>
+      </p:ext>
+    </p:extLst>
+  </p:cSld>
+  <p:clrMapOvr>
+    <a:masterClrMapping/>
+  </p:clrMapOvr>
+</p:sld>
+</file>
+
+<file path=ppt/slides/slide23.xml><?xml version="1.0" encoding="utf-8"?>
+<p:sld xmlns:a="http://schemas.openxmlformats.org/drawingml/2006/main" xmlns:r="http://schemas.openxmlformats.org/officeDocument/2006/relationships" xmlns:p="http://schemas.openxmlformats.org/presentationml/2006/main">
+  <p:cSld>
+    <p:spTree>
+      <p:nvGrpSpPr>
+        <p:cNvPr id="1" name=""/>
+        <p:cNvGrpSpPr/>
+        <p:nvPr/>
+      </p:nvGrpSpPr>
+      <p:grpSpPr>
+        <a:xfrm>
+          <a:off x="0" y="0"/>
+          <a:ext cx="0" cy="0"/>
+          <a:chOff x="0" y="0"/>
+          <a:chExt cx="0" cy="0"/>
+        </a:xfrm>
+      </p:grpSpPr>
+      <p:sp>
+        <p:nvSpPr>
+          <p:cNvPr id="2" name="Cím 1">
+            <a:extLst>
+              <a:ext uri="{FF2B5EF4-FFF2-40B4-BE49-F238E27FC236}">
+                <a16:creationId xmlns:a16="http://schemas.microsoft.com/office/drawing/2014/main" id="{BDBE8540-4F9A-45E6-88B4-103B1CB47234}"/>
+              </a:ext>
+            </a:extLst>
+          </p:cNvPr>
+          <p:cNvSpPr>
+            <a:spLocks noGrp="1"/>
+          </p:cNvSpPr>
+          <p:nvPr>
+            <p:ph type="title"/>
+          </p:nvPr>
+        </p:nvSpPr>
+        <p:spPr>
+          <a:xfrm>
+            <a:off x="838200" y="205735"/>
+            <a:ext cx="10515600" cy="775777"/>
+          </a:xfrm>
+        </p:spPr>
+        <p:txBody>
+          <a:bodyPr/>
+          <a:lstStyle/>
+          <a:p>
+            <a:r>
+              <a:rPr lang="hu-HU" dirty="0">
+                <a:solidFill>
+                  <a:schemeClr val="tx1"/>
+                </a:solidFill>
+              </a:rPr>
+              <a:t>IV./3. A kód felépítése: </a:t>
+            </a:r>
+            <a:r>
+              <a:rPr lang="hu-HU" dirty="0" err="1">
+                <a:solidFill>
+                  <a:schemeClr val="tx1"/>
+                </a:solidFill>
+              </a:rPr>
+              <a:t>Document</a:t>
+            </a:r>
+            <a:r>
+              <a:rPr lang="hu-HU" dirty="0">
+                <a:solidFill>
+                  <a:schemeClr val="tx1"/>
+                </a:solidFill>
+              </a:rPr>
+              <a:t> </a:t>
+            </a:r>
+            <a:r>
+              <a:rPr lang="hu-HU" dirty="0" err="1">
+                <a:solidFill>
+                  <a:schemeClr val="tx1"/>
+                </a:solidFill>
+              </a:rPr>
+              <a:t>Scanner</a:t>
+            </a:r>
+            <a:endParaRPr lang="hu-HU" dirty="0">
+              <a:solidFill>
+                <a:schemeClr val="tx1"/>
+              </a:solidFill>
+            </a:endParaRPr>
+          </a:p>
+        </p:txBody>
+      </p:sp>
+      <p:sp>
+        <p:nvSpPr>
+          <p:cNvPr id="7" name="Tartalom helye 6">
+            <a:extLst>
+              <a:ext uri="{FF2B5EF4-FFF2-40B4-BE49-F238E27FC236}">
+                <a16:creationId xmlns:a16="http://schemas.microsoft.com/office/drawing/2014/main" id="{D9D52A51-0D72-4DBE-AE39-D3D5A161D4BA}"/>
+              </a:ext>
+            </a:extLst>
+          </p:cNvPr>
+          <p:cNvSpPr>
+            <a:spLocks noGrp="1"/>
+          </p:cNvSpPr>
+          <p:nvPr>
+            <p:ph idx="1"/>
+          </p:nvPr>
+        </p:nvSpPr>
+        <p:spPr>
+          <a:xfrm>
+            <a:off x="285226" y="981512"/>
+            <a:ext cx="11585196" cy="5603846"/>
+          </a:xfrm>
+        </p:spPr>
+        <p:txBody>
+          <a:bodyPr/>
+          <a:lstStyle/>
+          <a:p>
+            <a:pPr marL="45720" indent="0">
+              <a:buNone/>
+            </a:pPr>
+            <a:endParaRPr lang="hu-HU" dirty="0">
+              <a:solidFill>
+                <a:schemeClr val="tx1"/>
+              </a:solidFill>
+            </a:endParaRPr>
+          </a:p>
+        </p:txBody>
+      </p:sp>
+      <p:pic>
+        <p:nvPicPr>
+          <p:cNvPr id="3" name="Kép 2">
+            <a:extLst>
+              <a:ext uri="{FF2B5EF4-FFF2-40B4-BE49-F238E27FC236}">
+                <a16:creationId xmlns:a16="http://schemas.microsoft.com/office/drawing/2014/main" id="{C5E79832-9B4D-4232-8585-E80FD632335E}"/>
+              </a:ext>
+            </a:extLst>
+          </p:cNvPr>
+          <p:cNvPicPr>
+            <a:picLocks noChangeAspect="1"/>
+          </p:cNvPicPr>
+          <p:nvPr/>
+        </p:nvPicPr>
+        <p:blipFill>
+          <a:blip r:embed="rId2"/>
+          <a:stretch>
+            <a:fillRect/>
+          </a:stretch>
+        </p:blipFill>
+        <p:spPr>
+          <a:xfrm>
+            <a:off x="4987779" y="4420430"/>
+            <a:ext cx="7048500" cy="2295525"/>
+          </a:xfrm>
+          <a:prstGeom prst="rect">
+            <a:avLst/>
+          </a:prstGeom>
+        </p:spPr>
+      </p:pic>
+    </p:spTree>
+    <p:extLst>
+      <p:ext uri="{BB962C8B-B14F-4D97-AF65-F5344CB8AC3E}">
+        <p14:creationId xmlns:p14="http://schemas.microsoft.com/office/powerpoint/2010/main" val="3455095222"/>
+      </p:ext>
+    </p:extLst>
+  </p:cSld>
+  <p:clrMapOvr>
+    <a:masterClrMapping/>
+  </p:clrMapOvr>
+</p:sld>
+</file>
+
+<file path=ppt/slides/slide24.xml><?xml version="1.0" encoding="utf-8"?>
+<p:sld xmlns:a="http://schemas.openxmlformats.org/drawingml/2006/main" xmlns:r="http://schemas.openxmlformats.org/officeDocument/2006/relationships" xmlns:p="http://schemas.openxmlformats.org/presentationml/2006/main">
+  <p:cSld>
+    <p:spTree>
+      <p:nvGrpSpPr>
+        <p:cNvPr id="1" name=""/>
+        <p:cNvGrpSpPr/>
+        <p:nvPr/>
+      </p:nvGrpSpPr>
+      <p:grpSpPr>
+        <a:xfrm>
+          <a:off x="0" y="0"/>
+          <a:ext cx="0" cy="0"/>
+          <a:chOff x="0" y="0"/>
+          <a:chExt cx="0" cy="0"/>
+        </a:xfrm>
+      </p:grpSpPr>
+      <p:sp>
+        <p:nvSpPr>
+          <p:cNvPr id="2" name="Cím 1">
+            <a:extLst>
+              <a:ext uri="{FF2B5EF4-FFF2-40B4-BE49-F238E27FC236}">
+                <a16:creationId xmlns:a16="http://schemas.microsoft.com/office/drawing/2014/main" id="{25E36D85-036F-44BA-B354-87D196311524}"/>
+              </a:ext>
+            </a:extLst>
+          </p:cNvPr>
+          <p:cNvSpPr>
+            <a:spLocks noGrp="1"/>
+          </p:cNvSpPr>
+          <p:nvPr>
+            <p:ph type="title"/>
+          </p:nvPr>
+        </p:nvSpPr>
+        <p:spPr/>
+        <p:txBody>
+          <a:bodyPr/>
+          <a:lstStyle/>
+          <a:p>
+            <a:r>
+              <a:rPr lang="hu-HU" dirty="0">
+                <a:solidFill>
+                  <a:schemeClr val="tx1"/>
+                </a:solidFill>
+              </a:rPr>
+              <a:t>V./3. A kód tesztelése: </a:t>
+            </a:r>
+            <a:r>
+              <a:rPr lang="hu-HU" dirty="0" err="1">
+                <a:solidFill>
+                  <a:schemeClr val="tx1"/>
+                </a:solidFill>
+              </a:rPr>
+              <a:t>Document</a:t>
+            </a:r>
+            <a:r>
+              <a:rPr lang="hu-HU" dirty="0">
+                <a:solidFill>
+                  <a:schemeClr val="tx1"/>
+                </a:solidFill>
+              </a:rPr>
+              <a:t> </a:t>
+            </a:r>
+            <a:r>
+              <a:rPr lang="hu-HU" dirty="0" err="1">
+                <a:solidFill>
+                  <a:schemeClr val="tx1"/>
+                </a:solidFill>
+              </a:rPr>
+              <a:t>Scanner</a:t>
+            </a:r>
+            <a:endParaRPr lang="hu-HU" dirty="0">
+              <a:solidFill>
+                <a:schemeClr val="tx1"/>
+              </a:solidFill>
+            </a:endParaRPr>
+          </a:p>
+        </p:txBody>
+      </p:sp>
+      <p:sp>
+        <p:nvSpPr>
+          <p:cNvPr id="3" name="Tartalom helye 2">
+            <a:extLst>
+              <a:ext uri="{FF2B5EF4-FFF2-40B4-BE49-F238E27FC236}">
+                <a16:creationId xmlns:a16="http://schemas.microsoft.com/office/drawing/2014/main" id="{32B638DB-C8B6-4277-9DB4-F9F19C525F8B}"/>
+              </a:ext>
+            </a:extLst>
+          </p:cNvPr>
+          <p:cNvSpPr>
+            <a:spLocks noGrp="1"/>
+          </p:cNvSpPr>
+          <p:nvPr>
+            <p:ph idx="1"/>
+          </p:nvPr>
+        </p:nvSpPr>
+        <p:spPr/>
+        <p:txBody>
+          <a:bodyPr>
+            <a:normAutofit/>
+          </a:bodyPr>
+          <a:lstStyle/>
+          <a:p>
+            <a:pPr marL="0" indent="0">
+              <a:buNone/>
+            </a:pPr>
+            <a:r>
+              <a:rPr lang="hu-HU" sz="3000" dirty="0">
+                <a:solidFill>
+                  <a:schemeClr val="tx1"/>
+                </a:solidFill>
+              </a:rPr>
+              <a:t>Tesztelési lehetőségek:</a:t>
+            </a:r>
+          </a:p>
+          <a:p>
+            <a:pPr marL="0" indent="0">
+              <a:buNone/>
+            </a:pPr>
+            <a:endParaRPr lang="hu-HU" sz="2000" dirty="0">
+              <a:solidFill>
+                <a:schemeClr val="tx1"/>
+              </a:solidFill>
+            </a:endParaRPr>
+          </a:p>
+        </p:txBody>
+      </p:sp>
+    </p:spTree>
+    <p:extLst>
+      <p:ext uri="{BB962C8B-B14F-4D97-AF65-F5344CB8AC3E}">
+        <p14:creationId xmlns:p14="http://schemas.microsoft.com/office/powerpoint/2010/main" val="4115386032"/>
+      </p:ext>
+    </p:extLst>
+  </p:cSld>
+  <p:clrMapOvr>
+    <a:masterClrMapping/>
+  </p:clrMapOvr>
+</p:sld>
+</file>
+
+<file path=ppt/slides/slide25.xml><?xml version="1.0" encoding="utf-8"?>
+<p:sld xmlns:a="http://schemas.openxmlformats.org/drawingml/2006/main" xmlns:r="http://schemas.openxmlformats.org/officeDocument/2006/relationships" xmlns:p="http://schemas.openxmlformats.org/presentationml/2006/main">
+  <p:cSld>
+    <p:spTree>
+      <p:nvGrpSpPr>
+        <p:cNvPr id="1" name=""/>
+        <p:cNvGrpSpPr/>
+        <p:nvPr/>
+      </p:nvGrpSpPr>
+      <p:grpSpPr>
+        <a:xfrm>
+          <a:off x="0" y="0"/>
+          <a:ext cx="0" cy="0"/>
+          <a:chOff x="0" y="0"/>
+          <a:chExt cx="0" cy="0"/>
+        </a:xfrm>
+      </p:grpSpPr>
+      <p:sp>
+        <p:nvSpPr>
+          <p:cNvPr id="2" name="Cím 1">
+            <a:extLst>
+              <a:ext uri="{FF2B5EF4-FFF2-40B4-BE49-F238E27FC236}">
+                <a16:creationId xmlns:a16="http://schemas.microsoft.com/office/drawing/2014/main" id="{3AD5BDEA-B226-430C-A09D-C0D5AB14F129}"/>
+              </a:ext>
+            </a:extLst>
+          </p:cNvPr>
+          <p:cNvSpPr>
+            <a:spLocks noGrp="1"/>
+          </p:cNvSpPr>
+          <p:nvPr>
+            <p:ph type="title"/>
+          </p:nvPr>
+        </p:nvSpPr>
+        <p:spPr>
+          <a:xfrm>
+            <a:off x="352339" y="365125"/>
+            <a:ext cx="11551640" cy="1325563"/>
+          </a:xfrm>
+        </p:spPr>
+        <p:txBody>
+          <a:bodyPr/>
+          <a:lstStyle/>
+          <a:p>
+            <a:r>
+              <a:rPr lang="hu-HU" dirty="0">
+                <a:solidFill>
+                  <a:schemeClr val="tx1"/>
+                </a:solidFill>
+              </a:rPr>
+              <a:t>VI./3. A program bemutatása: </a:t>
+            </a:r>
+            <a:r>
+              <a:rPr lang="hu-HU" dirty="0" err="1">
+                <a:solidFill>
+                  <a:schemeClr val="tx1"/>
+                </a:solidFill>
+              </a:rPr>
+              <a:t>Document</a:t>
+            </a:r>
+            <a:r>
+              <a:rPr lang="hu-HU" dirty="0">
+                <a:solidFill>
+                  <a:schemeClr val="tx1"/>
+                </a:solidFill>
+              </a:rPr>
+              <a:t> </a:t>
+            </a:r>
+            <a:r>
+              <a:rPr lang="hu-HU" dirty="0" err="1">
+                <a:solidFill>
+                  <a:schemeClr val="tx1"/>
+                </a:solidFill>
+              </a:rPr>
+              <a:t>Scanner</a:t>
+            </a:r>
+            <a:endParaRPr lang="hu-HU" dirty="0">
+              <a:solidFill>
+                <a:schemeClr val="tx1"/>
+              </a:solidFill>
+            </a:endParaRPr>
+          </a:p>
+        </p:txBody>
+      </p:sp>
+    </p:spTree>
+    <p:extLst>
+      <p:ext uri="{BB962C8B-B14F-4D97-AF65-F5344CB8AC3E}">
+        <p14:creationId xmlns:p14="http://schemas.microsoft.com/office/powerpoint/2010/main" val="3284198653"/>
+      </p:ext>
+    </p:extLst>
+  </p:cSld>
+  <p:clrMapOvr>
+    <a:masterClrMapping/>
+  </p:clrMapOvr>
+</p:sld>
+</file>
+
+<file path=ppt/slides/slide26.xml><?xml version="1.0" encoding="utf-8"?>
+<p:sld xmlns:a="http://schemas.openxmlformats.org/drawingml/2006/main" xmlns:r="http://schemas.openxmlformats.org/officeDocument/2006/relationships" xmlns:p="http://schemas.openxmlformats.org/presentationml/2006/main">
+  <p:cSld>
+    <p:spTree>
+      <p:nvGrpSpPr>
+        <p:cNvPr id="1" name=""/>
+        <p:cNvGrpSpPr/>
+        <p:nvPr/>
+      </p:nvGrpSpPr>
+      <p:grpSpPr>
+        <a:xfrm>
+          <a:off x="0" y="0"/>
+          <a:ext cx="0" cy="0"/>
+          <a:chOff x="0" y="0"/>
+          <a:chExt cx="0" cy="0"/>
+        </a:xfrm>
+      </p:grpSpPr>
+      <p:sp>
+        <p:nvSpPr>
+          <p:cNvPr id="2" name="Cím 1">
+            <a:extLst>
+              <a:ext uri="{FF2B5EF4-FFF2-40B4-BE49-F238E27FC236}">
+                <a16:creationId xmlns:a16="http://schemas.microsoft.com/office/drawing/2014/main" id="{69C1CB79-AFCC-48DA-8633-C8F63623F847}"/>
+              </a:ext>
+            </a:extLst>
+          </p:cNvPr>
+          <p:cNvSpPr>
+            <a:spLocks noGrp="1"/>
+          </p:cNvSpPr>
+          <p:nvPr>
+            <p:ph type="title"/>
+          </p:nvPr>
+        </p:nvSpPr>
+        <p:spPr>
+          <a:xfrm>
+            <a:off x="838200" y="2537873"/>
+            <a:ext cx="10515600" cy="1325563"/>
+          </a:xfrm>
+        </p:spPr>
+        <p:txBody>
+          <a:bodyPr/>
+          <a:lstStyle/>
+          <a:p>
+            <a:pPr algn="ctr"/>
+            <a:r>
+              <a:rPr lang="hu-HU" dirty="0">
+                <a:solidFill>
+                  <a:schemeClr val="tx1"/>
+                </a:solidFill>
+              </a:rPr>
+              <a:t>Köszönjük a figyelmet!</a:t>
+            </a:r>
+          </a:p>
+        </p:txBody>
+      </p:sp>
+    </p:spTree>
+    <p:extLst>
+      <p:ext uri="{BB962C8B-B14F-4D97-AF65-F5344CB8AC3E}">
+        <p14:creationId xmlns:p14="http://schemas.microsoft.com/office/powerpoint/2010/main" val="632233081"/>
       </p:ext>
     </p:extLst>
   </p:cSld>
@@ -4308,7 +6090,11 @@
           <a:lstStyle/>
           <a:p>
             <a:r>
-              <a:rPr lang="hu-HU" dirty="0"/>
+              <a:rPr lang="hu-HU" dirty="0">
+                <a:solidFill>
+                  <a:schemeClr val="tx1"/>
+                </a:solidFill>
+              </a:rPr>
               <a:t>I. Feladatkiosztás</a:t>
             </a:r>
           </a:p>
@@ -4339,82 +6125,158 @@
               <a:buNone/>
             </a:pPr>
             <a:r>
-              <a:rPr lang="hu-HU" dirty="0" err="1"/>
+              <a:rPr lang="hu-HU" dirty="0" err="1">
+                <a:solidFill>
+                  <a:schemeClr val="tx1"/>
+                </a:solidFill>
+              </a:rPr>
               <a:t>Amir</a:t>
             </a:r>
             <a:r>
-              <a:rPr lang="hu-HU" dirty="0"/>
+              <a:rPr lang="hu-HU" dirty="0">
+                <a:solidFill>
+                  <a:schemeClr val="tx1"/>
+                </a:solidFill>
+              </a:rPr>
               <a:t>: </a:t>
             </a:r>
             <a:r>
-              <a:rPr lang="hu-HU" dirty="0" err="1"/>
+              <a:rPr lang="hu-HU" dirty="0" err="1">
+                <a:solidFill>
+                  <a:schemeClr val="tx1"/>
+                </a:solidFill>
+              </a:rPr>
               <a:t>Document</a:t>
             </a:r>
             <a:r>
-              <a:rPr lang="hu-HU" dirty="0"/>
+              <a:rPr lang="hu-HU" dirty="0">
+                <a:solidFill>
+                  <a:schemeClr val="tx1"/>
+                </a:solidFill>
+              </a:rPr>
               <a:t> </a:t>
             </a:r>
             <a:r>
-              <a:rPr lang="hu-HU" dirty="0" err="1"/>
+              <a:rPr lang="hu-HU" dirty="0" err="1">
+                <a:solidFill>
+                  <a:schemeClr val="tx1"/>
+                </a:solidFill>
+              </a:rPr>
               <a:t>Scanner</a:t>
             </a:r>
-            <a:endParaRPr lang="hu-HU" dirty="0"/>
+            <a:endParaRPr lang="hu-HU" dirty="0">
+              <a:solidFill>
+                <a:schemeClr val="tx1"/>
+              </a:solidFill>
+            </a:endParaRPr>
           </a:p>
           <a:p>
             <a:pPr marL="0" indent="0">
               <a:buNone/>
             </a:pPr>
             <a:r>
-              <a:rPr lang="hu-HU" dirty="0"/>
+              <a:rPr lang="hu-HU" dirty="0">
+                <a:solidFill>
+                  <a:schemeClr val="tx1"/>
+                </a:solidFill>
+              </a:rPr>
               <a:t>Patrik: </a:t>
             </a:r>
             <a:r>
-              <a:rPr lang="hu-HU" dirty="0" err="1"/>
+              <a:rPr lang="hu-HU" dirty="0" err="1">
+                <a:solidFill>
+                  <a:schemeClr val="tx1"/>
+                </a:solidFill>
+              </a:rPr>
               <a:t>Number</a:t>
             </a:r>
             <a:r>
-              <a:rPr lang="hu-HU" dirty="0"/>
+              <a:rPr lang="hu-HU" dirty="0">
+                <a:solidFill>
+                  <a:schemeClr val="tx1"/>
+                </a:solidFill>
+              </a:rPr>
               <a:t> </a:t>
             </a:r>
             <a:r>
-              <a:rPr lang="hu-HU" dirty="0" err="1"/>
+              <a:rPr lang="hu-HU" dirty="0" err="1">
+                <a:solidFill>
+                  <a:schemeClr val="tx1"/>
+                </a:solidFill>
+              </a:rPr>
               <a:t>Plate</a:t>
             </a:r>
             <a:r>
-              <a:rPr lang="hu-HU" dirty="0"/>
+              <a:rPr lang="hu-HU" dirty="0">
+                <a:solidFill>
+                  <a:schemeClr val="tx1"/>
+                </a:solidFill>
+              </a:rPr>
               <a:t> </a:t>
             </a:r>
             <a:r>
-              <a:rPr lang="hu-HU" dirty="0" err="1"/>
+              <a:rPr lang="hu-HU" dirty="0" err="1">
+                <a:solidFill>
+                  <a:schemeClr val="tx1"/>
+                </a:solidFill>
+              </a:rPr>
               <a:t>Detector</a:t>
             </a:r>
-            <a:endParaRPr lang="hu-HU" dirty="0"/>
+            <a:endParaRPr lang="hu-HU" dirty="0">
+              <a:solidFill>
+                <a:schemeClr val="tx1"/>
+              </a:solidFill>
+            </a:endParaRPr>
           </a:p>
           <a:p>
             <a:pPr marL="0" indent="0">
               <a:buNone/>
             </a:pPr>
             <a:r>
-              <a:rPr lang="hu-HU" dirty="0" err="1"/>
+              <a:rPr lang="hu-HU" dirty="0" err="1">
+                <a:solidFill>
+                  <a:schemeClr val="tx1"/>
+                </a:solidFill>
+              </a:rPr>
               <a:t>Krissz</a:t>
             </a:r>
             <a:r>
-              <a:rPr lang="hu-HU" dirty="0"/>
+              <a:rPr lang="hu-HU" dirty="0">
+                <a:solidFill>
+                  <a:schemeClr val="tx1"/>
+                </a:solidFill>
+              </a:rPr>
               <a:t>: </a:t>
             </a:r>
             <a:r>
-              <a:rPr lang="hu-HU" dirty="0" err="1"/>
+              <a:rPr lang="hu-HU" dirty="0" err="1">
+                <a:solidFill>
+                  <a:schemeClr val="tx1"/>
+                </a:solidFill>
+              </a:rPr>
               <a:t>Virtual</a:t>
             </a:r>
             <a:r>
-              <a:rPr lang="hu-HU" dirty="0"/>
+              <a:rPr lang="hu-HU" dirty="0">
+                <a:solidFill>
+                  <a:schemeClr val="tx1"/>
+                </a:solidFill>
+              </a:rPr>
               <a:t> </a:t>
             </a:r>
             <a:r>
-              <a:rPr lang="hu-HU" dirty="0" err="1"/>
+              <a:rPr lang="hu-HU" dirty="0" err="1">
+                <a:solidFill>
+                  <a:schemeClr val="tx1"/>
+                </a:solidFill>
+              </a:rPr>
               <a:t>Paint</a:t>
             </a:r>
-            <a:endParaRPr lang="hu-HU" dirty="0"/>
+            <a:endParaRPr lang="hu-HU" dirty="0">
+              <a:solidFill>
+                <a:schemeClr val="tx1"/>
+              </a:solidFill>
+            </a:endParaRPr>
           </a:p>
         </p:txBody>
       </p:sp>
@@ -4470,7 +6332,11 @@
           <a:lstStyle/>
           <a:p>
             <a:r>
-              <a:rPr lang="hu-HU" dirty="0"/>
+              <a:rPr lang="hu-HU" dirty="0">
+                <a:solidFill>
+                  <a:schemeClr val="tx1"/>
+                </a:solidFill>
+              </a:rPr>
               <a:t>II. Projektmenedzser eszköz</a:t>
             </a:r>
           </a:p>
@@ -4506,14 +6372,26 @@
               <a:buNone/>
             </a:pPr>
             <a:r>
-              <a:rPr lang="hu-HU" dirty="0"/>
+              <a:rPr lang="hu-HU" dirty="0">
+                <a:solidFill>
+                  <a:schemeClr val="tx1"/>
+                </a:solidFill>
+              </a:rPr>
               <a:t>- </a:t>
             </a:r>
             <a:r>
-              <a:rPr lang="hu-HU" dirty="0" err="1"/>
+              <a:rPr lang="hu-HU" dirty="0" err="1">
+                <a:solidFill>
+                  <a:schemeClr val="tx1"/>
+                </a:solidFill>
+              </a:rPr>
               <a:t>Github</a:t>
             </a:r>
-            <a:endParaRPr lang="hu-HU" dirty="0"/>
+            <a:endParaRPr lang="hu-HU" dirty="0">
+              <a:solidFill>
+                <a:schemeClr val="tx1"/>
+              </a:solidFill>
+            </a:endParaRPr>
           </a:p>
         </p:txBody>
       </p:sp>
@@ -4605,7 +6483,11 @@
           <a:lstStyle/>
           <a:p>
             <a:r>
-              <a:rPr lang="hu-HU" dirty="0"/>
+              <a:rPr lang="hu-HU" dirty="0">
+                <a:solidFill>
+                  <a:schemeClr val="tx1"/>
+                </a:solidFill>
+              </a:rPr>
               <a:t>III. Programozás eszközei</a:t>
             </a:r>
           </a:p>
@@ -4642,19 +6524,35 @@
               <a:buChar char="-"/>
             </a:pPr>
             <a:r>
-              <a:rPr lang="hu-HU" dirty="0" err="1"/>
+              <a:rPr lang="hu-HU" dirty="0" err="1">
+                <a:solidFill>
+                  <a:schemeClr val="tx1"/>
+                </a:solidFill>
+              </a:rPr>
               <a:t>PyCharm</a:t>
             </a:r>
             <a:r>
-              <a:rPr lang="hu-HU" dirty="0"/>
+              <a:rPr lang="hu-HU" dirty="0">
+                <a:solidFill>
+                  <a:schemeClr val="tx1"/>
+                </a:solidFill>
+              </a:rPr>
               <a:t> </a:t>
             </a:r>
             <a:r>
-              <a:rPr lang="hu-HU" dirty="0" err="1"/>
+              <a:rPr lang="hu-HU" dirty="0" err="1">
+                <a:solidFill>
+                  <a:schemeClr val="tx1"/>
+                </a:solidFill>
+              </a:rPr>
               <a:t>Community</a:t>
             </a:r>
             <a:r>
-              <a:rPr lang="hu-HU" dirty="0"/>
+              <a:rPr lang="hu-HU" dirty="0">
+                <a:solidFill>
+                  <a:schemeClr val="tx1"/>
+                </a:solidFill>
+              </a:rPr>
               <a:t> Edition</a:t>
             </a:r>
           </a:p>
@@ -4664,7 +6562,11 @@
               <a:buChar char="-"/>
             </a:pPr>
             <a:r>
-              <a:rPr lang="hu-HU" dirty="0"/>
+              <a:rPr lang="hu-HU" dirty="0">
+                <a:solidFill>
+                  <a:schemeClr val="tx1"/>
+                </a:solidFill>
+              </a:rPr>
               <a:t>Python 3.12</a:t>
             </a:r>
           </a:p>
@@ -4812,8 +6714,8 @@
         </p:nvSpPr>
         <p:spPr>
           <a:xfrm>
-            <a:off x="838200" y="117038"/>
-            <a:ext cx="10515600" cy="1325563"/>
+            <a:off x="838200" y="117039"/>
+            <a:ext cx="10515600" cy="965142"/>
           </a:xfrm>
         </p:spPr>
         <p:txBody>
@@ -4821,22 +6723,42 @@
           <a:lstStyle/>
           <a:p>
             <a:r>
-              <a:rPr lang="hu-HU" dirty="0"/>
+              <a:rPr lang="hu-HU" dirty="0">
+                <a:solidFill>
+                  <a:schemeClr val="tx1"/>
+                </a:solidFill>
+              </a:rPr>
               <a:t>IV./1. A kód felépítése: </a:t>
             </a:r>
             <a:r>
-              <a:rPr lang="hu-HU" dirty="0" err="1"/>
+              <a:rPr lang="hu-HU" dirty="0" err="1">
+                <a:solidFill>
+                  <a:schemeClr val="tx1"/>
+                </a:solidFill>
+              </a:rPr>
               <a:t>Number</a:t>
             </a:r>
             <a:r>
-              <a:rPr lang="hu-HU" dirty="0"/>
+              <a:rPr lang="hu-HU" dirty="0">
+                <a:solidFill>
+                  <a:schemeClr val="tx1"/>
+                </a:solidFill>
+              </a:rPr>
               <a:t> </a:t>
             </a:r>
             <a:r>
-              <a:rPr lang="hu-HU" dirty="0" err="1"/>
+              <a:rPr lang="hu-HU" dirty="0" err="1">
+                <a:solidFill>
+                  <a:schemeClr val="tx1"/>
+                </a:solidFill>
+              </a:rPr>
               <a:t>Plate</a:t>
             </a:r>
-            <a:endParaRPr lang="hu-HU" dirty="0"/>
+            <a:endParaRPr lang="hu-HU" dirty="0">
+              <a:solidFill>
+                <a:schemeClr val="tx1"/>
+              </a:solidFill>
+            </a:endParaRPr>
           </a:p>
         </p:txBody>
       </p:sp>
@@ -4858,7 +6780,7 @@
         </p:nvSpPr>
         <p:spPr>
           <a:xfrm>
-            <a:off x="259360" y="1253331"/>
+            <a:off x="276138" y="1082181"/>
             <a:ext cx="10515600" cy="5424306"/>
           </a:xfrm>
         </p:spPr>
@@ -4869,15 +6791,156 @@
           <a:lstStyle/>
           <a:p>
             <a:r>
-              <a:rPr lang="hu-HU" sz="2000" dirty="0"/>
+              <a:rPr lang="hu-HU" sz="2000" dirty="0">
+                <a:solidFill>
+                  <a:schemeClr val="tx1"/>
+                </a:solidFill>
+              </a:rPr>
               <a:t>cv2: gépi látáshoz használt csomag</a:t>
             </a:r>
           </a:p>
           <a:p>
             <a:r>
-              <a:rPr lang="hu-HU" sz="2000" dirty="0"/>
-              <a:t>cv2.VideoCapture: a cv2 egyik metódusa ami beolvassa a kamera képét</a:t>
-            </a:r>
+              <a:rPr lang="hu-HU" sz="2000" dirty="0" err="1">
+                <a:solidFill>
+                  <a:schemeClr val="tx1"/>
+                </a:solidFill>
+              </a:rPr>
+              <a:t>frameWidth</a:t>
+            </a:r>
+            <a:r>
+              <a:rPr lang="hu-HU" sz="2000" dirty="0">
+                <a:solidFill>
+                  <a:schemeClr val="tx1"/>
+                </a:solidFill>
+              </a:rPr>
+              <a:t>, </a:t>
+            </a:r>
+            <a:r>
+              <a:rPr lang="hu-HU" sz="2000" dirty="0" err="1">
+                <a:solidFill>
+                  <a:schemeClr val="tx1"/>
+                </a:solidFill>
+              </a:rPr>
+              <a:t>frameHeight</a:t>
+            </a:r>
+            <a:r>
+              <a:rPr lang="hu-HU" sz="2000" dirty="0">
+                <a:solidFill>
+                  <a:schemeClr val="tx1"/>
+                </a:solidFill>
+              </a:rPr>
+              <a:t>: 640px széles és 480px magas lesz a megjelenített ablak</a:t>
+            </a:r>
+          </a:p>
+          <a:p>
+            <a:r>
+              <a:rPr lang="hu-HU" sz="2000" dirty="0" err="1">
+                <a:solidFill>
+                  <a:schemeClr val="tx1"/>
+                </a:solidFill>
+              </a:rPr>
+              <a:t>nPlateCascade</a:t>
+            </a:r>
+            <a:r>
+              <a:rPr lang="hu-HU" sz="2000" dirty="0">
+                <a:solidFill>
+                  <a:schemeClr val="tx1"/>
+                </a:solidFill>
+              </a:rPr>
+              <a:t> változó megkapja a rendszám felismerésére használt modellt</a:t>
+            </a:r>
+          </a:p>
+          <a:p>
+            <a:r>
+              <a:rPr lang="hu-HU" sz="2000" dirty="0">
+                <a:solidFill>
+                  <a:schemeClr val="tx1"/>
+                </a:solidFill>
+              </a:rPr>
+              <a:t>cv2.VideoCapture: a cv2 egyik metódusa ami beolvassa a kamera képét a </a:t>
+            </a:r>
+            <a:r>
+              <a:rPr lang="hu-HU" sz="2000" dirty="0" err="1">
+                <a:solidFill>
+                  <a:schemeClr val="tx1"/>
+                </a:solidFill>
+              </a:rPr>
+              <a:t>cap</a:t>
+            </a:r>
+            <a:r>
+              <a:rPr lang="hu-HU" sz="2000" dirty="0">
+                <a:solidFill>
+                  <a:schemeClr val="tx1"/>
+                </a:solidFill>
+              </a:rPr>
+              <a:t> változóba</a:t>
+            </a:r>
+            <a:endParaRPr lang="hu-HU" sz="1600" dirty="0">
+              <a:solidFill>
+                <a:schemeClr val="tx1"/>
+              </a:solidFill>
+            </a:endParaRPr>
+          </a:p>
+          <a:p>
+            <a:r>
+              <a:rPr lang="hu-HU" sz="2000" dirty="0" err="1">
+                <a:solidFill>
+                  <a:schemeClr val="tx1"/>
+                </a:solidFill>
+              </a:rPr>
+              <a:t>cap</a:t>
+            </a:r>
+            <a:r>
+              <a:rPr lang="hu-HU" sz="2000" dirty="0">
+                <a:solidFill>
+                  <a:schemeClr val="tx1"/>
+                </a:solidFill>
+              </a:rPr>
+              <a:t> változó kameraképének beállítja a méretét a </a:t>
+            </a:r>
+            <a:r>
+              <a:rPr lang="hu-HU" sz="2000" dirty="0" err="1">
+                <a:solidFill>
+                  <a:schemeClr val="tx1"/>
+                </a:solidFill>
+              </a:rPr>
+              <a:t>frameWidth</a:t>
+            </a:r>
+            <a:r>
+              <a:rPr lang="hu-HU" sz="2000" dirty="0">
+                <a:solidFill>
+                  <a:schemeClr val="tx1"/>
+                </a:solidFill>
+              </a:rPr>
+              <a:t> és </a:t>
+            </a:r>
+            <a:r>
+              <a:rPr lang="hu-HU" sz="2000" dirty="0" err="1">
+                <a:solidFill>
+                  <a:schemeClr val="tx1"/>
+                </a:solidFill>
+              </a:rPr>
+              <a:t>frameHeight</a:t>
+            </a:r>
+            <a:r>
+              <a:rPr lang="hu-HU" sz="2000" dirty="0">
+                <a:solidFill>
+                  <a:schemeClr val="tx1"/>
+                </a:solidFill>
+              </a:rPr>
+              <a:t> változókkal</a:t>
+            </a:r>
+          </a:p>
+          <a:p>
+            <a:pPr marL="0" indent="0">
+              <a:buNone/>
+            </a:pPr>
+            <a:endParaRPr lang="hu-HU" sz="2000" dirty="0">
+              <a:solidFill>
+                <a:schemeClr val="tx1"/>
+              </a:solidFill>
+            </a:endParaRPr>
           </a:p>
         </p:txBody>
       </p:sp>
@@ -4903,8 +6966,8 @@
         </p:blipFill>
         <p:spPr>
           <a:xfrm>
-            <a:off x="4213260" y="3674378"/>
-            <a:ext cx="7814228" cy="2919165"/>
+            <a:off x="3398514" y="3429000"/>
+            <a:ext cx="8584460" cy="3206901"/>
           </a:xfrm>
           <a:prstGeom prst="rect">
             <a:avLst/>
@@ -4957,28 +7020,53 @@
             <p:ph type="title"/>
           </p:nvPr>
         </p:nvSpPr>
-        <p:spPr/>
-        <p:txBody>
-          <a:bodyPr/>
-          <a:lstStyle/>
-          <a:p>
-            <a:r>
-              <a:rPr lang="hu-HU" dirty="0"/>
+        <p:spPr>
+          <a:xfrm>
+            <a:off x="838200" y="142147"/>
+            <a:ext cx="10515600" cy="923256"/>
+          </a:xfrm>
+        </p:spPr>
+        <p:txBody>
+          <a:bodyPr/>
+          <a:lstStyle/>
+          <a:p>
+            <a:r>
+              <a:rPr lang="hu-HU" dirty="0">
+                <a:solidFill>
+                  <a:schemeClr val="tx1"/>
+                </a:solidFill>
+              </a:rPr>
               <a:t>IV./1. A kód felépítése: </a:t>
             </a:r>
             <a:r>
-              <a:rPr lang="hu-HU" dirty="0" err="1"/>
+              <a:rPr lang="hu-HU" dirty="0" err="1">
+                <a:solidFill>
+                  <a:schemeClr val="tx1"/>
+                </a:solidFill>
+              </a:rPr>
               <a:t>Number</a:t>
             </a:r>
             <a:r>
-              <a:rPr lang="hu-HU" dirty="0"/>
+              <a:rPr lang="hu-HU" dirty="0">
+                <a:solidFill>
+                  <a:schemeClr val="tx1"/>
+                </a:solidFill>
+              </a:rPr>
               <a:t> </a:t>
             </a:r>
             <a:r>
-              <a:rPr lang="hu-HU" dirty="0" err="1"/>
+              <a:rPr lang="hu-HU" dirty="0" err="1">
+                <a:solidFill>
+                  <a:schemeClr val="tx1"/>
+                </a:solidFill>
+              </a:rPr>
               <a:t>Plate</a:t>
             </a:r>
-            <a:endParaRPr lang="hu-HU" dirty="0"/>
+            <a:endParaRPr lang="hu-HU" dirty="0">
+              <a:solidFill>
+                <a:schemeClr val="tx1"/>
+              </a:solidFill>
+            </a:endParaRPr>
           </a:p>
         </p:txBody>
       </p:sp>
@@ -5000,8 +7088,8 @@
         </p:nvSpPr>
         <p:spPr>
           <a:xfrm>
-            <a:off x="227903" y="1859181"/>
-            <a:ext cx="10515600" cy="4351338"/>
+            <a:off x="159392" y="1065402"/>
+            <a:ext cx="11895588" cy="5558273"/>
           </a:xfrm>
         </p:spPr>
         <p:txBody>
@@ -5010,7 +7098,165 @@
           </a:bodyPr>
           <a:lstStyle/>
           <a:p>
-            <a:endParaRPr lang="hu-HU" sz="2000" dirty="0"/>
+            <a:r>
+              <a:rPr lang="hu-HU" sz="2000" dirty="0" err="1">
+                <a:solidFill>
+                  <a:schemeClr val="tx1"/>
+                </a:solidFill>
+              </a:rPr>
+              <a:t>img</a:t>
+            </a:r>
+            <a:r>
+              <a:rPr lang="hu-HU" sz="2000" dirty="0">
+                <a:solidFill>
+                  <a:schemeClr val="tx1"/>
+                </a:solidFill>
+              </a:rPr>
+              <a:t> megkapja a </a:t>
+            </a:r>
+            <a:r>
+              <a:rPr lang="hu-HU" sz="2000" dirty="0" err="1">
+                <a:solidFill>
+                  <a:schemeClr val="tx1"/>
+                </a:solidFill>
+              </a:rPr>
+              <a:t>cap</a:t>
+            </a:r>
+            <a:r>
+              <a:rPr lang="hu-HU" sz="2000" dirty="0">
+                <a:solidFill>
+                  <a:schemeClr val="tx1"/>
+                </a:solidFill>
+              </a:rPr>
+              <a:t> változóból beolvasott képkockákat</a:t>
+            </a:r>
+          </a:p>
+          <a:p>
+            <a:r>
+              <a:rPr lang="hu-HU" sz="2000" dirty="0">
+                <a:solidFill>
+                  <a:schemeClr val="tx1"/>
+                </a:solidFill>
+              </a:rPr>
+              <a:t>Átkonvertálja </a:t>
+            </a:r>
+            <a:r>
+              <a:rPr lang="hu-HU" sz="2000" dirty="0" err="1">
+                <a:solidFill>
+                  <a:schemeClr val="tx1"/>
+                </a:solidFill>
+              </a:rPr>
+              <a:t>szürkeárnyalatossá</a:t>
+            </a:r>
+            <a:r>
+              <a:rPr lang="hu-HU" sz="2000" dirty="0">
+                <a:solidFill>
+                  <a:schemeClr val="tx1"/>
+                </a:solidFill>
+              </a:rPr>
+              <a:t> a képet</a:t>
+            </a:r>
+          </a:p>
+          <a:p>
+            <a:r>
+              <a:rPr lang="hu-HU" sz="2000" dirty="0">
+                <a:solidFill>
+                  <a:schemeClr val="tx1"/>
+                </a:solidFill>
+              </a:rPr>
+              <a:t>A rendszámfelismerő modell segítségével keresi a rendszámot a képen</a:t>
+            </a:r>
+          </a:p>
+          <a:p>
+            <a:r>
+              <a:rPr lang="hu-HU" sz="2000" dirty="0">
+                <a:solidFill>
+                  <a:schemeClr val="tx1"/>
+                </a:solidFill>
+              </a:rPr>
+              <a:t>A ciklus végigmegy az összes rendszámtáblán, kiszámítja a területüket, ellenőrzi, hogy nagyobb-e a </a:t>
+            </a:r>
+            <a:r>
+              <a:rPr lang="hu-HU" sz="2000" dirty="0" err="1">
+                <a:solidFill>
+                  <a:schemeClr val="tx1"/>
+                </a:solidFill>
+              </a:rPr>
+              <a:t>minArea-nál</a:t>
+            </a:r>
+            <a:endParaRPr lang="hu-HU" sz="2000" dirty="0">
+              <a:solidFill>
+                <a:schemeClr val="tx1"/>
+              </a:solidFill>
+            </a:endParaRPr>
+          </a:p>
+          <a:p>
+            <a:r>
+              <a:rPr lang="hu-HU" sz="2000" dirty="0">
+                <a:solidFill>
+                  <a:schemeClr val="tx1"/>
+                </a:solidFill>
+              </a:rPr>
+              <a:t>Ha nagyobb: rajzol egy téglalapot a rendszám köré, kiírja hogy „</a:t>
+            </a:r>
+            <a:r>
+              <a:rPr lang="hu-HU" sz="2000" dirty="0" err="1">
+                <a:solidFill>
+                  <a:schemeClr val="tx1"/>
+                </a:solidFill>
+              </a:rPr>
+              <a:t>Number</a:t>
+            </a:r>
+            <a:r>
+              <a:rPr lang="hu-HU" sz="2000" dirty="0">
+                <a:solidFill>
+                  <a:schemeClr val="tx1"/>
+                </a:solidFill>
+              </a:rPr>
+              <a:t> </a:t>
+            </a:r>
+            <a:r>
+              <a:rPr lang="hu-HU" sz="2000" dirty="0" err="1">
+                <a:solidFill>
+                  <a:schemeClr val="tx1"/>
+                </a:solidFill>
+              </a:rPr>
+              <a:t>Plate</a:t>
+            </a:r>
+            <a:r>
+              <a:rPr lang="hu-HU" sz="2000" dirty="0">
+                <a:solidFill>
+                  <a:schemeClr val="tx1"/>
+                </a:solidFill>
+              </a:rPr>
+              <a:t>”, kivágja a rendszámot és egy külön ablakban megjeleníti</a:t>
+            </a:r>
+          </a:p>
+          <a:p>
+            <a:r>
+              <a:rPr lang="hu-HU" sz="2000" dirty="0">
+                <a:solidFill>
+                  <a:schemeClr val="tx1"/>
+                </a:solidFill>
+              </a:rPr>
+              <a:t>Folyamatosan frissíti a </a:t>
+            </a:r>
+            <a:r>
+              <a:rPr lang="hu-HU" sz="2000" dirty="0" err="1">
+                <a:solidFill>
+                  <a:schemeClr val="tx1"/>
+                </a:solidFill>
+              </a:rPr>
+              <a:t>főablakot</a:t>
+            </a:r>
+            <a:r>
+              <a:rPr lang="hu-HU" sz="2000" dirty="0">
+                <a:solidFill>
+                  <a:schemeClr val="tx1"/>
+                </a:solidFill>
+              </a:rPr>
+              <a:t> a feldolgozott képpel</a:t>
+            </a:r>
           </a:p>
         </p:txBody>
       </p:sp>
@@ -5090,28 +7336,53 @@
             <p:ph type="title"/>
           </p:nvPr>
         </p:nvSpPr>
-        <p:spPr/>
-        <p:txBody>
-          <a:bodyPr/>
-          <a:lstStyle/>
-          <a:p>
-            <a:r>
-              <a:rPr lang="hu-HU" dirty="0"/>
+        <p:spPr>
+          <a:xfrm>
+            <a:off x="838200" y="196312"/>
+            <a:ext cx="10515600" cy="726477"/>
+          </a:xfrm>
+        </p:spPr>
+        <p:txBody>
+          <a:bodyPr/>
+          <a:lstStyle/>
+          <a:p>
+            <a:r>
+              <a:rPr lang="hu-HU" dirty="0">
+                <a:solidFill>
+                  <a:schemeClr val="tx1"/>
+                </a:solidFill>
+              </a:rPr>
               <a:t>IV./1. A kód felépítése: </a:t>
             </a:r>
             <a:r>
-              <a:rPr lang="hu-HU" dirty="0" err="1"/>
+              <a:rPr lang="hu-HU" dirty="0" err="1">
+                <a:solidFill>
+                  <a:schemeClr val="tx1"/>
+                </a:solidFill>
+              </a:rPr>
               <a:t>Number</a:t>
             </a:r>
             <a:r>
-              <a:rPr lang="hu-HU" dirty="0"/>
+              <a:rPr lang="hu-HU" dirty="0">
+                <a:solidFill>
+                  <a:schemeClr val="tx1"/>
+                </a:solidFill>
+              </a:rPr>
               <a:t> </a:t>
             </a:r>
             <a:r>
-              <a:rPr lang="hu-HU" dirty="0" err="1"/>
+              <a:rPr lang="hu-HU" dirty="0" err="1">
+                <a:solidFill>
+                  <a:schemeClr val="tx1"/>
+                </a:solidFill>
+              </a:rPr>
               <a:t>Plate</a:t>
             </a:r>
-            <a:endParaRPr lang="hu-HU" dirty="0"/>
+            <a:endParaRPr lang="hu-HU" dirty="0">
+              <a:solidFill>
+                <a:schemeClr val="tx1"/>
+              </a:solidFill>
+            </a:endParaRPr>
           </a:p>
         </p:txBody>
       </p:sp>
@@ -5133,8 +7404,8 @@
         </p:nvSpPr>
         <p:spPr>
           <a:xfrm>
-            <a:off x="227903" y="1859181"/>
-            <a:ext cx="10515600" cy="4351338"/>
+            <a:off x="227903" y="1216404"/>
+            <a:ext cx="11736194" cy="5445285"/>
           </a:xfrm>
         </p:spPr>
         <p:txBody>
@@ -5143,7 +7414,64 @@
           </a:bodyPr>
           <a:lstStyle/>
           <a:p>
-            <a:endParaRPr lang="hu-HU" sz="2000" dirty="0"/>
+            <a:r>
+              <a:rPr lang="hu-HU" sz="2000" dirty="0">
+                <a:solidFill>
+                  <a:schemeClr val="tx1"/>
+                </a:solidFill>
+              </a:rPr>
+              <a:t>Figyeli az „s” billentyű lenyomását</a:t>
+            </a:r>
+          </a:p>
+          <a:p>
+            <a:r>
+              <a:rPr lang="hu-HU" sz="2000" dirty="0">
+                <a:solidFill>
+                  <a:schemeClr val="tx1"/>
+                </a:solidFill>
+              </a:rPr>
+              <a:t>Lenyomásra menti a kivágott rendszám képét, neve tartalmaz egy számlálót</a:t>
+            </a:r>
+          </a:p>
+          <a:p>
+            <a:r>
+              <a:rPr lang="hu-HU" sz="2000" dirty="0">
+                <a:solidFill>
+                  <a:schemeClr val="tx1"/>
+                </a:solidFill>
+              </a:rPr>
+              <a:t>Rajzol egy téglalapot a képre, ami a visszajelző üzenet háttere lesz</a:t>
+            </a:r>
+          </a:p>
+          <a:p>
+            <a:r>
+              <a:rPr lang="hu-HU" sz="2000" dirty="0">
+                <a:solidFill>
+                  <a:schemeClr val="tx1"/>
+                </a:solidFill>
+              </a:rPr>
+              <a:t>Kiírja, hogy a rendszám el lett mentve</a:t>
+            </a:r>
+          </a:p>
+          <a:p>
+            <a:r>
+              <a:rPr lang="hu-HU" sz="2000" dirty="0">
+                <a:solidFill>
+                  <a:schemeClr val="tx1"/>
+                </a:solidFill>
+              </a:rPr>
+              <a:t>Frissíti a képet</a:t>
+            </a:r>
+          </a:p>
+          <a:p>
+            <a:r>
+              <a:rPr lang="hu-HU" sz="2000" dirty="0">
+                <a:solidFill>
+                  <a:schemeClr val="tx1"/>
+                </a:solidFill>
+              </a:rPr>
+              <a:t>Növeli a számlálót, hogy a következő kép másik számot kapjon</a:t>
+            </a:r>
           </a:p>
         </p:txBody>
       </p:sp>
@@ -5223,28 +7551,53 @@
             <p:ph type="title"/>
           </p:nvPr>
         </p:nvSpPr>
-        <p:spPr/>
-        <p:txBody>
-          <a:bodyPr/>
-          <a:lstStyle/>
-          <a:p>
-            <a:r>
-              <a:rPr lang="hu-HU" dirty="0"/>
+        <p:spPr>
+          <a:xfrm>
+            <a:off x="838200" y="163789"/>
+            <a:ext cx="10515600" cy="868057"/>
+          </a:xfrm>
+        </p:spPr>
+        <p:txBody>
+          <a:bodyPr/>
+          <a:lstStyle/>
+          <a:p>
+            <a:r>
+              <a:rPr lang="hu-HU" dirty="0">
+                <a:solidFill>
+                  <a:schemeClr val="tx1"/>
+                </a:solidFill>
+              </a:rPr>
               <a:t>V./1. A kód tesztelése: </a:t>
             </a:r>
             <a:r>
-              <a:rPr lang="hu-HU" dirty="0" err="1"/>
+              <a:rPr lang="hu-HU" dirty="0" err="1">
+                <a:solidFill>
+                  <a:schemeClr val="tx1"/>
+                </a:solidFill>
+              </a:rPr>
               <a:t>Number</a:t>
             </a:r>
             <a:r>
-              <a:rPr lang="hu-HU" dirty="0"/>
+              <a:rPr lang="hu-HU" dirty="0">
+                <a:solidFill>
+                  <a:schemeClr val="tx1"/>
+                </a:solidFill>
+              </a:rPr>
               <a:t> </a:t>
             </a:r>
             <a:r>
-              <a:rPr lang="hu-HU" dirty="0" err="1"/>
+              <a:rPr lang="hu-HU" dirty="0" err="1">
+                <a:solidFill>
+                  <a:schemeClr val="tx1"/>
+                </a:solidFill>
+              </a:rPr>
               <a:t>Plate</a:t>
             </a:r>
-            <a:endParaRPr lang="hu-HU" dirty="0"/>
+            <a:endParaRPr lang="hu-HU" dirty="0">
+              <a:solidFill>
+                <a:schemeClr val="tx1"/>
+              </a:solidFill>
+            </a:endParaRPr>
           </a:p>
         </p:txBody>
       </p:sp>
@@ -5264,7 +7617,12 @@
             <p:ph idx="1"/>
           </p:nvPr>
         </p:nvSpPr>
-        <p:spPr/>
+        <p:spPr>
+          <a:xfrm>
+            <a:off x="385894" y="1031846"/>
+            <a:ext cx="11534862" cy="5561901"/>
+          </a:xfrm>
+        </p:spPr>
         <p:txBody>
           <a:bodyPr/>
           <a:lstStyle/>
@@ -5273,7 +7631,11 @@
               <a:buNone/>
             </a:pPr>
             <a:r>
-              <a:rPr lang="hu-HU" sz="3000" dirty="0"/>
+              <a:rPr lang="hu-HU" sz="3000" dirty="0">
+                <a:solidFill>
+                  <a:schemeClr val="tx1"/>
+                </a:solidFill>
+              </a:rPr>
               <a:t>Tesztelési lehetőségek:</a:t>
             </a:r>
           </a:p>
@@ -5281,7 +7643,11 @@
             <a:pPr marL="0" indent="0">
               <a:buNone/>
             </a:pPr>
-            <a:endParaRPr lang="hu-HU" sz="2000" dirty="0"/>
+            <a:endParaRPr lang="hu-HU" sz="2000" dirty="0">
+              <a:solidFill>
+                <a:schemeClr val="tx1"/>
+              </a:solidFill>
+            </a:endParaRPr>
           </a:p>
         </p:txBody>
       </p:sp>
@@ -5299,110 +7665,58 @@
 </file>
 
 <file path=ppt/theme/theme1.xml><?xml version="1.0" encoding="utf-8"?>
-<a:theme xmlns:a="http://schemas.openxmlformats.org/drawingml/2006/main" name="Office-téma">
+<a:theme xmlns:a="http://schemas.openxmlformats.org/drawingml/2006/main" name="Bázis">
   <a:themeElements>
-    <a:clrScheme name="Office">
+    <a:clrScheme name="Bázis">
       <a:dk1>
-        <a:sysClr val="windowText" lastClr="000000"/>
+        <a:srgbClr val="000000"/>
       </a:dk1>
       <a:lt1>
-        <a:sysClr val="window" lastClr="FFFFFF"/>
+        <a:srgbClr val="FFFFFF"/>
       </a:lt1>
       <a:dk2>
-        <a:srgbClr val="44546A"/>
+        <a:srgbClr val="565349"/>
       </a:dk2>
       <a:lt2>
-        <a:srgbClr val="E7E6E6"/>
+        <a:srgbClr val="DDDDDD"/>
       </a:lt2>
       <a:accent1>
-        <a:srgbClr val="4472C4"/>
+        <a:srgbClr val="A6B727"/>
       </a:accent1>
       <a:accent2>
-        <a:srgbClr val="ED7D31"/>
+        <a:srgbClr val="DF5327"/>
       </a:accent2>
       <a:accent3>
-        <a:srgbClr val="A5A5A5"/>
+        <a:srgbClr val="FE9E00"/>
       </a:accent3>
       <a:accent4>
-        <a:srgbClr val="FFC000"/>
+        <a:srgbClr val="418AB3"/>
       </a:accent4>
       <a:accent5>
-        <a:srgbClr val="5B9BD5"/>
+        <a:srgbClr val="D7D447"/>
       </a:accent5>
       <a:accent6>
-        <a:srgbClr val="70AD47"/>
+        <a:srgbClr val="818183"/>
       </a:accent6>
       <a:hlink>
-        <a:srgbClr val="0563C1"/>
+        <a:srgbClr val="F59E00"/>
       </a:hlink>
       <a:folHlink>
-        <a:srgbClr val="954F72"/>
+        <a:srgbClr val="B2B2B2"/>
       </a:folHlink>
     </a:clrScheme>
-    <a:fontScheme name="Office">
+    <a:fontScheme name="Bázis">
       <a:majorFont>
-        <a:latin typeface="Calibri Light" panose="020F0302020204030204"/>
+        <a:latin typeface="Corbel" panose="020B0503020204020204"/>
         <a:ea typeface=""/>
         <a:cs typeface=""/>
-        <a:font script="Jpan" typeface="游ゴシック Light"/>
+        <a:font script="Jpan" typeface="ＭＳ ゴシック"/>
         <a:font script="Hang" typeface="맑은 고딕"/>
-        <a:font script="Hans" typeface="等线 Light"/>
+        <a:font script="Hans" typeface="宋体"/>
         <a:font script="Hant" typeface="新細明體"/>
-        <a:font script="Arab" typeface="Times New Roman"/>
-        <a:font script="Hebr" typeface="Times New Roman"/>
-        <a:font script="Thai" typeface="Angsana New"/>
-        <a:font script="Ethi" typeface="Nyala"/>
-        <a:font script="Beng" typeface="Vrinda"/>
-        <a:font script="Gujr" typeface="Shruti"/>
-        <a:font script="Khmr" typeface="MoolBoran"/>
-        <a:font script="Knda" typeface="Tunga"/>
-        <a:font script="Guru" typeface="Raavi"/>
-        <a:font script="Cans" typeface="Euphemia"/>
-        <a:font script="Cher" typeface="Plantagenet Cherokee"/>
-        <a:font script="Yiii" typeface="Microsoft Yi Baiti"/>
-        <a:font script="Tibt" typeface="Microsoft Himalaya"/>
-        <a:font script="Thaa" typeface="MV Boli"/>
-        <a:font script="Deva" typeface="Mangal"/>
-        <a:font script="Telu" typeface="Gautami"/>
-        <a:font script="Taml" typeface="Latha"/>
-        <a:font script="Syrc" typeface="Estrangelo Edessa"/>
-        <a:font script="Orya" typeface="Kalinga"/>
-        <a:font script="Mlym" typeface="Kartika"/>
-        <a:font script="Laoo" typeface="DokChampa"/>
-        <a:font script="Sinh" typeface="Iskoola Pota"/>
-        <a:font script="Mong" typeface="Mongolian Baiti"/>
-        <a:font script="Viet" typeface="Times New Roman"/>
-        <a:font script="Uigh" typeface="Microsoft Uighur"/>
-        <a:font script="Geor" typeface="Sylfaen"/>
-        <a:font script="Armn" typeface="Arial"/>
-        <a:font script="Bugi" typeface="Leelawadee UI"/>
-        <a:font script="Bopo" typeface="Microsoft JhengHei"/>
-        <a:font script="Java" typeface="Javanese Text"/>
-        <a:font script="Lisu" typeface="Segoe UI"/>
-        <a:font script="Mymr" typeface="Myanmar Text"/>
-        <a:font script="Nkoo" typeface="Ebrima"/>
-        <a:font script="Olck" typeface="Nirmala UI"/>
-        <a:font script="Osma" typeface="Ebrima"/>
-        <a:font script="Phag" typeface="Phagspa"/>
-        <a:font script="Syrn" typeface="Estrangelo Edessa"/>
-        <a:font script="Syrj" typeface="Estrangelo Edessa"/>
-        <a:font script="Syre" typeface="Estrangelo Edessa"/>
-        <a:font script="Sora" typeface="Nirmala UI"/>
-        <a:font script="Tale" typeface="Microsoft Tai Le"/>
-        <a:font script="Talu" typeface="Microsoft New Tai Lue"/>
-        <a:font script="Tfng" typeface="Ebrima"/>
-      </a:majorFont>
-      <a:minorFont>
-        <a:latin typeface="Calibri" panose="020F0502020204030204"/>
-        <a:ea typeface=""/>
-        <a:cs typeface=""/>
-        <a:font script="Jpan" typeface="游ゴシック"/>
-        <a:font script="Hang" typeface="맑은 고딕"/>
-        <a:font script="Hans" typeface="等线"/>
-        <a:font script="Hant" typeface="新細明體"/>
-        <a:font script="Arab" typeface="Arial"/>
-        <a:font script="Hebr" typeface="Arial"/>
-        <a:font script="Thai" typeface="Cordia New"/>
+        <a:font script="Arab" typeface="Tahoma"/>
+        <a:font script="Hebr" typeface="Gisha"/>
+        <a:font script="Thai" typeface="DilleniaUPC"/>
         <a:font script="Ethi" typeface="Nyala"/>
         <a:font script="Beng" typeface="Vrinda"/>
         <a:font script="Gujr" typeface="Shruti"/>
@@ -5423,107 +7737,98 @@
         <a:font script="Laoo" typeface="DokChampa"/>
         <a:font script="Sinh" typeface="Iskoola Pota"/>
         <a:font script="Mong" typeface="Mongolian Baiti"/>
-        <a:font script="Viet" typeface="Arial"/>
+        <a:font script="Viet" typeface="Tahoma"/>
         <a:font script="Uigh" typeface="Microsoft Uighur"/>
         <a:font script="Geor" typeface="Sylfaen"/>
-        <a:font script="Armn" typeface="Arial"/>
-        <a:font script="Bugi" typeface="Leelawadee UI"/>
-        <a:font script="Bopo" typeface="Microsoft JhengHei"/>
-        <a:font script="Java" typeface="Javanese Text"/>
-        <a:font script="Lisu" typeface="Segoe UI"/>
-        <a:font script="Mymr" typeface="Myanmar Text"/>
-        <a:font script="Nkoo" typeface="Ebrima"/>
-        <a:font script="Olck" typeface="Nirmala UI"/>
-        <a:font script="Osma" typeface="Ebrima"/>
-        <a:font script="Phag" typeface="Phagspa"/>
-        <a:font script="Syrn" typeface="Estrangelo Edessa"/>
-        <a:font script="Syrj" typeface="Estrangelo Edessa"/>
-        <a:font script="Syre" typeface="Estrangelo Edessa"/>
-        <a:font script="Sora" typeface="Nirmala UI"/>
-        <a:font script="Tale" typeface="Microsoft Tai Le"/>
-        <a:font script="Talu" typeface="Microsoft New Tai Lue"/>
-        <a:font script="Tfng" typeface="Ebrima"/>
+      </a:majorFont>
+      <a:minorFont>
+        <a:latin typeface="Corbel" panose="020B0503020204020204"/>
+        <a:ea typeface=""/>
+        <a:cs typeface=""/>
+        <a:font script="Jpan" typeface="ＭＳ ゴシック"/>
+        <a:font script="Hang" typeface="맑은 고딕"/>
+        <a:font script="Hans" typeface="宋体"/>
+        <a:font script="Hant" typeface="新細明體"/>
+        <a:font script="Arab" typeface="Tahoma"/>
+        <a:font script="Hebr" typeface="Gisha"/>
+        <a:font script="Thai" typeface="DilleniaUPC"/>
+        <a:font script="Ethi" typeface="Nyala"/>
+        <a:font script="Beng" typeface="Vrinda"/>
+        <a:font script="Gujr" typeface="Shruti"/>
+        <a:font script="Khmr" typeface="DaunPenh"/>
+        <a:font script="Knda" typeface="Tunga"/>
+        <a:font script="Guru" typeface="Raavi"/>
+        <a:font script="Cans" typeface="Euphemia"/>
+        <a:font script="Cher" typeface="Plantagenet Cherokee"/>
+        <a:font script="Yiii" typeface="Microsoft Yi Baiti"/>
+        <a:font script="Tibt" typeface="Microsoft Himalaya"/>
+        <a:font script="Thaa" typeface="MV Boli"/>
+        <a:font script="Deva" typeface="Mangal"/>
+        <a:font script="Telu" typeface="Gautami"/>
+        <a:font script="Taml" typeface="Latha"/>
+        <a:font script="Syrc" typeface="Estrangelo Edessa"/>
+        <a:font script="Orya" typeface="Kalinga"/>
+        <a:font script="Mlym" typeface="Kartika"/>
+        <a:font script="Laoo" typeface="DokChampa"/>
+        <a:font script="Sinh" typeface="Iskoola Pota"/>
+        <a:font script="Mong" typeface="Mongolian Baiti"/>
+        <a:font script="Viet" typeface="Verdana"/>
+        <a:font script="Uigh" typeface="Microsoft Uighur"/>
+        <a:font script="Geor" typeface="Sylfaen"/>
       </a:minorFont>
     </a:fontScheme>
-    <a:fmtScheme name="Office">
+    <a:fmtScheme name="Bázis">
       <a:fillStyleLst>
         <a:solidFill>
           <a:schemeClr val="phClr"/>
         </a:solidFill>
+        <a:solidFill>
+          <a:schemeClr val="phClr">
+            <a:tint val="55000"/>
+            <a:satMod val="130000"/>
+          </a:schemeClr>
+        </a:solidFill>
         <a:gradFill rotWithShape="1">
           <a:gsLst>
             <a:gs pos="0">
+              <a:schemeClr val="phClr"/>
+            </a:gs>
+            <a:gs pos="90000">
               <a:schemeClr val="phClr">
-                <a:lumMod val="110000"/>
+                <a:shade val="100000"/>
                 <a:satMod val="105000"/>
-                <a:tint val="67000"/>
-              </a:schemeClr>
-            </a:gs>
-            <a:gs pos="50000">
-              <a:schemeClr val="phClr">
-                <a:lumMod val="105000"/>
-                <a:satMod val="103000"/>
-                <a:tint val="73000"/>
               </a:schemeClr>
             </a:gs>
             <a:gs pos="100000">
               <a:schemeClr val="phClr">
-                <a:lumMod val="105000"/>
-                <a:satMod val="109000"/>
-                <a:tint val="81000"/>
+                <a:shade val="80000"/>
+                <a:satMod val="120000"/>
               </a:schemeClr>
             </a:gs>
           </a:gsLst>
-          <a:lin ang="5400000" scaled="0"/>
-        </a:gradFill>
-        <a:gradFill rotWithShape="1">
-          <a:gsLst>
-            <a:gs pos="0">
-              <a:schemeClr val="phClr">
-                <a:satMod val="103000"/>
-                <a:lumMod val="102000"/>
-                <a:tint val="94000"/>
-              </a:schemeClr>
-            </a:gs>
-            <a:gs pos="50000">
-              <a:schemeClr val="phClr">
-                <a:satMod val="110000"/>
-                <a:lumMod val="100000"/>
-                <a:shade val="100000"/>
-              </a:schemeClr>
-            </a:gs>
-            <a:gs pos="100000">
-              <a:schemeClr val="phClr">
-                <a:lumMod val="99000"/>
-                <a:satMod val="120000"/>
-                <a:shade val="78000"/>
-              </a:schemeClr>
-            </a:gs>
-          </a:gsLst>
-          <a:lin ang="5400000" scaled="0"/>
+          <a:path path="circle">
+            <a:fillToRect l="100000" t="100000" r="100000" b="100000"/>
+          </a:path>
         </a:gradFill>
       </a:fillStyleLst>
       <a:lnStyleLst>
-        <a:ln w="6350" cap="flat" cmpd="sng" algn="ctr">
+        <a:ln w="10000" cap="flat" cmpd="sng" algn="ctr">
           <a:solidFill>
             <a:schemeClr val="phClr"/>
           </a:solidFill>
           <a:prstDash val="solid"/>
-          <a:miter lim="800000"/>
-        </a:ln>
-        <a:ln w="12700" cap="flat" cmpd="sng" algn="ctr">
-          <a:solidFill>
-            <a:schemeClr val="phClr"/>
-          </a:solidFill>
-          <a:prstDash val="solid"/>
-          <a:miter lim="800000"/>
         </a:ln>
         <a:ln w="19050" cap="flat" cmpd="sng" algn="ctr">
           <a:solidFill>
             <a:schemeClr val="phClr"/>
           </a:solidFill>
           <a:prstDash val="solid"/>
-          <a:miter lim="800000"/>
+        </a:ln>
+        <a:ln w="53975" cap="flat" cmpd="dbl" algn="ctr">
+          <a:solidFill>
+            <a:schemeClr val="phClr"/>
+          </a:solidFill>
+          <a:prstDash val="solid"/>
         </a:ln>
       </a:lnStyleLst>
       <a:effectStyleLst>
@@ -5531,16 +7836,37 @@
           <a:effectLst/>
         </a:effectStyle>
         <a:effectStyle>
-          <a:effectLst/>
+          <a:effectLst>
+            <a:outerShdw blurRad="38100" dist="25400" dir="5400000" rotWithShape="0">
+              <a:srgbClr val="000000">
+                <a:alpha val="45000"/>
+              </a:srgbClr>
+            </a:outerShdw>
+          </a:effectLst>
         </a:effectStyle>
         <a:effectStyle>
           <a:effectLst>
-            <a:outerShdw blurRad="57150" dist="19050" dir="5400000" algn="ctr" rotWithShape="0">
+            <a:outerShdw blurRad="38100" dist="25400" dir="5400000" rotWithShape="0">
               <a:srgbClr val="000000">
-                <a:alpha val="63000"/>
+                <a:alpha val="45000"/>
               </a:srgbClr>
             </a:outerShdw>
           </a:effectLst>
+          <a:scene3d>
+            <a:camera prst="orthographicFront">
+              <a:rot lat="0" lon="0" rev="0"/>
+            </a:camera>
+            <a:lightRig rig="brightRoom" dir="t"/>
+          </a:scene3d>
+          <a:sp3d extrusionH="12700" contourW="25400" prstMaterial="flat">
+            <a:bevelT w="63500" h="152400" prst="angle"/>
+            <a:contourClr>
+              <a:schemeClr val="phClr">
+                <a:shade val="27000"/>
+                <a:satMod val="120000"/>
+              </a:schemeClr>
+            </a:contourClr>
+          </a:sp3d>
         </a:effectStyle>
       </a:effectStyleLst>
       <a:bgFillStyleLst>
@@ -5550,36 +7876,18 @@
         <a:solidFill>
           <a:schemeClr val="phClr">
             <a:tint val="95000"/>
-            <a:satMod val="170000"/>
+            <a:shade val="95000"/>
+            <a:satMod val="140000"/>
           </a:schemeClr>
         </a:solidFill>
-        <a:gradFill rotWithShape="1">
-          <a:gsLst>
-            <a:gs pos="0">
-              <a:schemeClr val="phClr">
-                <a:tint val="93000"/>
-                <a:satMod val="150000"/>
-                <a:shade val="98000"/>
-                <a:lumMod val="102000"/>
-              </a:schemeClr>
-            </a:gs>
-            <a:gs pos="50000">
-              <a:schemeClr val="phClr">
-                <a:tint val="98000"/>
-                <a:satMod val="130000"/>
-                <a:shade val="90000"/>
-                <a:lumMod val="103000"/>
-              </a:schemeClr>
-            </a:gs>
-            <a:gs pos="100000">
-              <a:schemeClr val="phClr">
-                <a:shade val="63000"/>
-                <a:satMod val="120000"/>
-              </a:schemeClr>
-            </a:gs>
-          </a:gsLst>
-          <a:lin ang="5400000" scaled="0"/>
-        </a:gradFill>
+        <a:solidFill>
+          <a:schemeClr val="phClr">
+            <a:tint val="90000"/>
+            <a:shade val="85000"/>
+            <a:satMod val="160000"/>
+            <a:lumMod val="110000"/>
+          </a:schemeClr>
+        </a:solidFill>
       </a:bgFillStyleLst>
     </a:fmtScheme>
   </a:themeElements>
@@ -5587,7 +7895,7 @@
   <a:extraClrSchemeLst/>
   <a:extLst>
     <a:ext uri="{05A4C25C-085E-4340-85A3-A5531E510DB2}">
-      <thm15:themeFamily xmlns:thm15="http://schemas.microsoft.com/office/thememl/2012/main" name="Office Theme" id="{62F939B6-93AF-4DB8-9C6B-D6C7DFDC589F}" vid="{4A3C46E8-61CC-4603-A589-7422A47A8E4A}"/>
+      <thm15:themeFamily xmlns:thm15="http://schemas.microsoft.com/office/thememl/2012/main" name="Basis" id="{5665723A-49BA-4B57-8411-A56F8F207965}" vid="{90E45F77-AEFC-46EF-A7C1-5B338C297B02}"/>
     </a:ext>
   </a:extLst>
 </a:theme>
